--- a/docs/Figures.pptx
+++ b/docs/Figures.pptx
@@ -5,7 +5,9 @@
     <p:sldMasterId id="2147483648" r:id="rId1"/>
   </p:sldMasterIdLst>
   <p:sldIdLst>
-    <p:sldId id="256" r:id="rId2"/>
+    <p:sldId id="258" r:id="rId2"/>
+    <p:sldId id="256" r:id="rId3"/>
+    <p:sldId id="257" r:id="rId4"/>
   </p:sldIdLst>
   <p:sldSz cx="12192000" cy="6858000"/>
   <p:notesSz cx="6858000" cy="9144000"/>
@@ -104,7 +106,3621 @@
       </a:defRPr>
     </a:lvl9pPr>
   </p:defaultTextStyle>
+  <p:extLst>
+    <p:ext uri="{EFAFB233-063F-42B5-8137-9DF3F51BA10A}">
+      <p15:sldGuideLst xmlns:p15="http://schemas.microsoft.com/office/powerpoint/2012/main"/>
+    </p:ext>
+  </p:extLst>
 </p:presentation>
+</file>
+
+<file path=ppt/diagrams/colors1.xml><?xml version="1.0" encoding="utf-8"?>
+<dgm:colorsDef xmlns:dgm="http://schemas.openxmlformats.org/drawingml/2006/diagram" xmlns:a="http://schemas.openxmlformats.org/drawingml/2006/main" uniqueId="urn:microsoft.com/office/officeart/2005/8/colors/accent1_2">
+  <dgm:title val=""/>
+  <dgm:desc val=""/>
+  <dgm:catLst>
+    <dgm:cat type="accent1" pri="11200"/>
+  </dgm:catLst>
+  <dgm:styleLbl name="node0">
+    <dgm:fillClrLst meth="repeat">
+      <a:schemeClr val="accent1"/>
+    </dgm:fillClrLst>
+    <dgm:linClrLst meth="repeat">
+      <a:schemeClr val="lt1"/>
+    </dgm:linClrLst>
+    <dgm:effectClrLst/>
+    <dgm:txLinClrLst/>
+    <dgm:txFillClrLst/>
+    <dgm:txEffectClrLst/>
+  </dgm:styleLbl>
+  <dgm:styleLbl name="alignNode1">
+    <dgm:fillClrLst meth="repeat">
+      <a:schemeClr val="accent1"/>
+    </dgm:fillClrLst>
+    <dgm:linClrLst meth="repeat">
+      <a:schemeClr val="accent1"/>
+    </dgm:linClrLst>
+    <dgm:effectClrLst/>
+    <dgm:txLinClrLst/>
+    <dgm:txFillClrLst/>
+    <dgm:txEffectClrLst/>
+  </dgm:styleLbl>
+  <dgm:styleLbl name="node1">
+    <dgm:fillClrLst meth="repeat">
+      <a:schemeClr val="accent1"/>
+    </dgm:fillClrLst>
+    <dgm:linClrLst meth="repeat">
+      <a:schemeClr val="lt1"/>
+    </dgm:linClrLst>
+    <dgm:effectClrLst/>
+    <dgm:txLinClrLst/>
+    <dgm:txFillClrLst/>
+    <dgm:txEffectClrLst/>
+  </dgm:styleLbl>
+  <dgm:styleLbl name="lnNode1">
+    <dgm:fillClrLst meth="repeat">
+      <a:schemeClr val="accent1"/>
+    </dgm:fillClrLst>
+    <dgm:linClrLst meth="repeat">
+      <a:schemeClr val="lt1"/>
+    </dgm:linClrLst>
+    <dgm:effectClrLst/>
+    <dgm:txLinClrLst/>
+    <dgm:txFillClrLst/>
+    <dgm:txEffectClrLst/>
+  </dgm:styleLbl>
+  <dgm:styleLbl name="vennNode1">
+    <dgm:fillClrLst meth="repeat">
+      <a:schemeClr val="accent1">
+        <a:alpha val="50000"/>
+      </a:schemeClr>
+    </dgm:fillClrLst>
+    <dgm:linClrLst meth="repeat">
+      <a:schemeClr val="lt1"/>
+    </dgm:linClrLst>
+    <dgm:effectClrLst/>
+    <dgm:txLinClrLst/>
+    <dgm:txFillClrLst/>
+    <dgm:txEffectClrLst/>
+  </dgm:styleLbl>
+  <dgm:styleLbl name="node2">
+    <dgm:fillClrLst meth="repeat">
+      <a:schemeClr val="accent1"/>
+    </dgm:fillClrLst>
+    <dgm:linClrLst meth="repeat">
+      <a:schemeClr val="lt1"/>
+    </dgm:linClrLst>
+    <dgm:effectClrLst/>
+    <dgm:txLinClrLst/>
+    <dgm:txFillClrLst/>
+    <dgm:txEffectClrLst/>
+  </dgm:styleLbl>
+  <dgm:styleLbl name="node3">
+    <dgm:fillClrLst meth="repeat">
+      <a:schemeClr val="accent1"/>
+    </dgm:fillClrLst>
+    <dgm:linClrLst meth="repeat">
+      <a:schemeClr val="lt1"/>
+    </dgm:linClrLst>
+    <dgm:effectClrLst/>
+    <dgm:txLinClrLst/>
+    <dgm:txFillClrLst/>
+    <dgm:txEffectClrLst/>
+  </dgm:styleLbl>
+  <dgm:styleLbl name="node4">
+    <dgm:fillClrLst meth="repeat">
+      <a:schemeClr val="accent1"/>
+    </dgm:fillClrLst>
+    <dgm:linClrLst meth="repeat">
+      <a:schemeClr val="lt1"/>
+    </dgm:linClrLst>
+    <dgm:effectClrLst/>
+    <dgm:txLinClrLst/>
+    <dgm:txFillClrLst/>
+    <dgm:txEffectClrLst/>
+  </dgm:styleLbl>
+  <dgm:styleLbl name="fgImgPlace1">
+    <dgm:fillClrLst meth="repeat">
+      <a:schemeClr val="accent1">
+        <a:tint val="50000"/>
+      </a:schemeClr>
+    </dgm:fillClrLst>
+    <dgm:linClrLst meth="repeat">
+      <a:schemeClr val="lt1"/>
+    </dgm:linClrLst>
+    <dgm:effectClrLst/>
+    <dgm:txLinClrLst/>
+    <dgm:txFillClrLst meth="repeat">
+      <a:schemeClr val="lt1"/>
+    </dgm:txFillClrLst>
+    <dgm:txEffectClrLst/>
+  </dgm:styleLbl>
+  <dgm:styleLbl name="alignImgPlace1">
+    <dgm:fillClrLst meth="repeat">
+      <a:schemeClr val="accent1">
+        <a:tint val="50000"/>
+      </a:schemeClr>
+    </dgm:fillClrLst>
+    <dgm:linClrLst meth="repeat">
+      <a:schemeClr val="lt1"/>
+    </dgm:linClrLst>
+    <dgm:effectClrLst/>
+    <dgm:txLinClrLst/>
+    <dgm:txFillClrLst meth="repeat">
+      <a:schemeClr val="lt1"/>
+    </dgm:txFillClrLst>
+    <dgm:txEffectClrLst/>
+  </dgm:styleLbl>
+  <dgm:styleLbl name="bgImgPlace1">
+    <dgm:fillClrLst meth="repeat">
+      <a:schemeClr val="accent1">
+        <a:tint val="50000"/>
+      </a:schemeClr>
+    </dgm:fillClrLst>
+    <dgm:linClrLst meth="repeat">
+      <a:schemeClr val="lt1"/>
+    </dgm:linClrLst>
+    <dgm:effectClrLst/>
+    <dgm:txLinClrLst/>
+    <dgm:txFillClrLst meth="repeat">
+      <a:schemeClr val="lt1"/>
+    </dgm:txFillClrLst>
+    <dgm:txEffectClrLst/>
+  </dgm:styleLbl>
+  <dgm:styleLbl name="sibTrans2D1">
+    <dgm:fillClrLst meth="repeat">
+      <a:schemeClr val="accent1">
+        <a:tint val="60000"/>
+      </a:schemeClr>
+    </dgm:fillClrLst>
+    <dgm:linClrLst meth="repeat">
+      <a:schemeClr val="accent1">
+        <a:tint val="60000"/>
+      </a:schemeClr>
+    </dgm:linClrLst>
+    <dgm:effectClrLst/>
+    <dgm:txLinClrLst/>
+    <dgm:txFillClrLst/>
+    <dgm:txEffectClrLst/>
+  </dgm:styleLbl>
+  <dgm:styleLbl name="fgSibTrans2D1">
+    <dgm:fillClrLst meth="repeat">
+      <a:schemeClr val="accent1">
+        <a:tint val="60000"/>
+      </a:schemeClr>
+    </dgm:fillClrLst>
+    <dgm:linClrLst meth="repeat">
+      <a:schemeClr val="accent1">
+        <a:tint val="60000"/>
+      </a:schemeClr>
+    </dgm:linClrLst>
+    <dgm:effectClrLst/>
+    <dgm:txLinClrLst/>
+    <dgm:txFillClrLst/>
+    <dgm:txEffectClrLst/>
+  </dgm:styleLbl>
+  <dgm:styleLbl name="bgSibTrans2D1">
+    <dgm:fillClrLst meth="repeat">
+      <a:schemeClr val="accent1">
+        <a:tint val="60000"/>
+      </a:schemeClr>
+    </dgm:fillClrLst>
+    <dgm:linClrLst meth="repeat">
+      <a:schemeClr val="accent1">
+        <a:tint val="60000"/>
+      </a:schemeClr>
+    </dgm:linClrLst>
+    <dgm:effectClrLst/>
+    <dgm:txLinClrLst/>
+    <dgm:txFillClrLst/>
+    <dgm:txEffectClrLst/>
+  </dgm:styleLbl>
+  <dgm:styleLbl name="sibTrans1D1">
+    <dgm:fillClrLst meth="repeat">
+      <a:schemeClr val="accent1"/>
+    </dgm:fillClrLst>
+    <dgm:linClrLst meth="repeat">
+      <a:schemeClr val="accent1"/>
+    </dgm:linClrLst>
+    <dgm:effectClrLst/>
+    <dgm:txLinClrLst/>
+    <dgm:txFillClrLst meth="repeat">
+      <a:schemeClr val="tx1"/>
+    </dgm:txFillClrLst>
+    <dgm:txEffectClrLst/>
+  </dgm:styleLbl>
+  <dgm:styleLbl name="callout">
+    <dgm:fillClrLst meth="repeat">
+      <a:schemeClr val="accent1"/>
+    </dgm:fillClrLst>
+    <dgm:linClrLst meth="repeat">
+      <a:schemeClr val="accent1">
+        <a:tint val="50000"/>
+      </a:schemeClr>
+    </dgm:linClrLst>
+    <dgm:effectClrLst/>
+    <dgm:txLinClrLst/>
+    <dgm:txFillClrLst meth="repeat">
+      <a:schemeClr val="tx1"/>
+    </dgm:txFillClrLst>
+    <dgm:txEffectClrLst/>
+  </dgm:styleLbl>
+  <dgm:styleLbl name="asst0">
+    <dgm:fillClrLst meth="repeat">
+      <a:schemeClr val="accent1"/>
+    </dgm:fillClrLst>
+    <dgm:linClrLst meth="repeat">
+      <a:schemeClr val="lt1"/>
+    </dgm:linClrLst>
+    <dgm:effectClrLst/>
+    <dgm:txLinClrLst/>
+    <dgm:txFillClrLst/>
+    <dgm:txEffectClrLst/>
+  </dgm:styleLbl>
+  <dgm:styleLbl name="asst1">
+    <dgm:fillClrLst meth="repeat">
+      <a:schemeClr val="accent1"/>
+    </dgm:fillClrLst>
+    <dgm:linClrLst meth="repeat">
+      <a:schemeClr val="lt1"/>
+    </dgm:linClrLst>
+    <dgm:effectClrLst/>
+    <dgm:txLinClrLst/>
+    <dgm:txFillClrLst/>
+    <dgm:txEffectClrLst/>
+  </dgm:styleLbl>
+  <dgm:styleLbl name="asst2">
+    <dgm:fillClrLst meth="repeat">
+      <a:schemeClr val="accent1"/>
+    </dgm:fillClrLst>
+    <dgm:linClrLst meth="repeat">
+      <a:schemeClr val="lt1"/>
+    </dgm:linClrLst>
+    <dgm:effectClrLst/>
+    <dgm:txLinClrLst/>
+    <dgm:txFillClrLst/>
+    <dgm:txEffectClrLst/>
+  </dgm:styleLbl>
+  <dgm:styleLbl name="asst3">
+    <dgm:fillClrLst meth="repeat">
+      <a:schemeClr val="accent1"/>
+    </dgm:fillClrLst>
+    <dgm:linClrLst meth="repeat">
+      <a:schemeClr val="lt1"/>
+    </dgm:linClrLst>
+    <dgm:effectClrLst/>
+    <dgm:txLinClrLst/>
+    <dgm:txFillClrLst/>
+    <dgm:txEffectClrLst/>
+  </dgm:styleLbl>
+  <dgm:styleLbl name="asst4">
+    <dgm:fillClrLst meth="repeat">
+      <a:schemeClr val="accent1"/>
+    </dgm:fillClrLst>
+    <dgm:linClrLst meth="repeat">
+      <a:schemeClr val="lt1"/>
+    </dgm:linClrLst>
+    <dgm:effectClrLst/>
+    <dgm:txLinClrLst/>
+    <dgm:txFillClrLst/>
+    <dgm:txEffectClrLst/>
+  </dgm:styleLbl>
+  <dgm:styleLbl name="parChTrans2D1">
+    <dgm:fillClrLst meth="repeat">
+      <a:schemeClr val="accent1">
+        <a:tint val="60000"/>
+      </a:schemeClr>
+    </dgm:fillClrLst>
+    <dgm:linClrLst meth="repeat">
+      <a:schemeClr val="accent1">
+        <a:tint val="60000"/>
+      </a:schemeClr>
+    </dgm:linClrLst>
+    <dgm:effectClrLst/>
+    <dgm:txLinClrLst/>
+    <dgm:txFillClrLst meth="repeat">
+      <a:schemeClr val="lt1"/>
+    </dgm:txFillClrLst>
+    <dgm:txEffectClrLst/>
+  </dgm:styleLbl>
+  <dgm:styleLbl name="parChTrans2D2">
+    <dgm:fillClrLst meth="repeat">
+      <a:schemeClr val="accent1"/>
+    </dgm:fillClrLst>
+    <dgm:linClrLst meth="repeat">
+      <a:schemeClr val="accent1"/>
+    </dgm:linClrLst>
+    <dgm:effectClrLst/>
+    <dgm:txLinClrLst/>
+    <dgm:txFillClrLst meth="repeat">
+      <a:schemeClr val="lt1"/>
+    </dgm:txFillClrLst>
+    <dgm:txEffectClrLst/>
+  </dgm:styleLbl>
+  <dgm:styleLbl name="parChTrans2D3">
+    <dgm:fillClrLst meth="repeat">
+      <a:schemeClr val="accent1"/>
+    </dgm:fillClrLst>
+    <dgm:linClrLst meth="repeat">
+      <a:schemeClr val="accent1"/>
+    </dgm:linClrLst>
+    <dgm:effectClrLst/>
+    <dgm:txLinClrLst/>
+    <dgm:txFillClrLst meth="repeat">
+      <a:schemeClr val="lt1"/>
+    </dgm:txFillClrLst>
+    <dgm:txEffectClrLst/>
+  </dgm:styleLbl>
+  <dgm:styleLbl name="parChTrans2D4">
+    <dgm:fillClrLst meth="repeat">
+      <a:schemeClr val="accent1"/>
+    </dgm:fillClrLst>
+    <dgm:linClrLst meth="repeat">
+      <a:schemeClr val="accent1"/>
+    </dgm:linClrLst>
+    <dgm:effectClrLst/>
+    <dgm:txLinClrLst/>
+    <dgm:txFillClrLst meth="repeat">
+      <a:schemeClr val="lt1"/>
+    </dgm:txFillClrLst>
+    <dgm:txEffectClrLst/>
+  </dgm:styleLbl>
+  <dgm:styleLbl name="parChTrans1D1">
+    <dgm:fillClrLst meth="repeat">
+      <a:schemeClr val="accent1"/>
+    </dgm:fillClrLst>
+    <dgm:linClrLst meth="repeat">
+      <a:schemeClr val="accent1">
+        <a:shade val="60000"/>
+      </a:schemeClr>
+    </dgm:linClrLst>
+    <dgm:effectClrLst/>
+    <dgm:txLinClrLst/>
+    <dgm:txFillClrLst meth="repeat">
+      <a:schemeClr val="tx1"/>
+    </dgm:txFillClrLst>
+    <dgm:txEffectClrLst/>
+  </dgm:styleLbl>
+  <dgm:styleLbl name="parChTrans1D2">
+    <dgm:fillClrLst meth="repeat">
+      <a:schemeClr val="accent1"/>
+    </dgm:fillClrLst>
+    <dgm:linClrLst meth="repeat">
+      <a:schemeClr val="accent1">
+        <a:shade val="60000"/>
+      </a:schemeClr>
+    </dgm:linClrLst>
+    <dgm:effectClrLst/>
+    <dgm:txLinClrLst/>
+    <dgm:txFillClrLst meth="repeat">
+      <a:schemeClr val="tx1"/>
+    </dgm:txFillClrLst>
+    <dgm:txEffectClrLst/>
+  </dgm:styleLbl>
+  <dgm:styleLbl name="parChTrans1D3">
+    <dgm:fillClrLst meth="repeat">
+      <a:schemeClr val="accent1"/>
+    </dgm:fillClrLst>
+    <dgm:linClrLst meth="repeat">
+      <a:schemeClr val="accent1">
+        <a:shade val="80000"/>
+      </a:schemeClr>
+    </dgm:linClrLst>
+    <dgm:effectClrLst/>
+    <dgm:txLinClrLst/>
+    <dgm:txFillClrLst meth="repeat">
+      <a:schemeClr val="tx1"/>
+    </dgm:txFillClrLst>
+    <dgm:txEffectClrLst/>
+  </dgm:styleLbl>
+  <dgm:styleLbl name="parChTrans1D4">
+    <dgm:fillClrLst meth="repeat">
+      <a:schemeClr val="accent1"/>
+    </dgm:fillClrLst>
+    <dgm:linClrLst meth="repeat">
+      <a:schemeClr val="accent1">
+        <a:shade val="80000"/>
+      </a:schemeClr>
+    </dgm:linClrLst>
+    <dgm:effectClrLst/>
+    <dgm:txLinClrLst/>
+    <dgm:txFillClrLst meth="repeat">
+      <a:schemeClr val="tx1"/>
+    </dgm:txFillClrLst>
+    <dgm:txEffectClrLst/>
+  </dgm:styleLbl>
+  <dgm:styleLbl name="fgAcc1">
+    <dgm:fillClrLst meth="repeat">
+      <a:schemeClr val="lt1">
+        <a:alpha val="90000"/>
+      </a:schemeClr>
+    </dgm:fillClrLst>
+    <dgm:linClrLst meth="repeat">
+      <a:schemeClr val="accent1"/>
+    </dgm:linClrLst>
+    <dgm:effectClrLst/>
+    <dgm:txLinClrLst/>
+    <dgm:txFillClrLst meth="repeat">
+      <a:schemeClr val="dk1"/>
+    </dgm:txFillClrLst>
+    <dgm:txEffectClrLst/>
+  </dgm:styleLbl>
+  <dgm:styleLbl name="conFgAcc1">
+    <dgm:fillClrLst meth="repeat">
+      <a:schemeClr val="lt1">
+        <a:alpha val="90000"/>
+      </a:schemeClr>
+    </dgm:fillClrLst>
+    <dgm:linClrLst meth="repeat">
+      <a:schemeClr val="accent1"/>
+    </dgm:linClrLst>
+    <dgm:effectClrLst/>
+    <dgm:txLinClrLst/>
+    <dgm:txFillClrLst meth="repeat">
+      <a:schemeClr val="dk1"/>
+    </dgm:txFillClrLst>
+    <dgm:txEffectClrLst/>
+  </dgm:styleLbl>
+  <dgm:styleLbl name="alignAcc1">
+    <dgm:fillClrLst meth="repeat">
+      <a:schemeClr val="lt1">
+        <a:alpha val="90000"/>
+      </a:schemeClr>
+    </dgm:fillClrLst>
+    <dgm:linClrLst meth="repeat">
+      <a:schemeClr val="accent1"/>
+    </dgm:linClrLst>
+    <dgm:effectClrLst/>
+    <dgm:txLinClrLst/>
+    <dgm:txFillClrLst meth="repeat">
+      <a:schemeClr val="dk1"/>
+    </dgm:txFillClrLst>
+    <dgm:txEffectClrLst/>
+  </dgm:styleLbl>
+  <dgm:styleLbl name="trAlignAcc1">
+    <dgm:fillClrLst meth="repeat">
+      <a:schemeClr val="lt1">
+        <a:alpha val="40000"/>
+      </a:schemeClr>
+    </dgm:fillClrLst>
+    <dgm:linClrLst meth="repeat">
+      <a:schemeClr val="accent1"/>
+    </dgm:linClrLst>
+    <dgm:effectClrLst/>
+    <dgm:txLinClrLst/>
+    <dgm:txFillClrLst meth="repeat">
+      <a:schemeClr val="dk1"/>
+    </dgm:txFillClrLst>
+    <dgm:txEffectClrLst/>
+  </dgm:styleLbl>
+  <dgm:styleLbl name="bgAcc1">
+    <dgm:fillClrLst meth="repeat">
+      <a:schemeClr val="lt1">
+        <a:alpha val="90000"/>
+      </a:schemeClr>
+    </dgm:fillClrLst>
+    <dgm:linClrLst meth="repeat">
+      <a:schemeClr val="accent1"/>
+    </dgm:linClrLst>
+    <dgm:effectClrLst/>
+    <dgm:txLinClrLst/>
+    <dgm:txFillClrLst meth="repeat">
+      <a:schemeClr val="dk1"/>
+    </dgm:txFillClrLst>
+    <dgm:txEffectClrLst/>
+  </dgm:styleLbl>
+  <dgm:styleLbl name="solidFgAcc1">
+    <dgm:fillClrLst meth="repeat">
+      <a:schemeClr val="lt1"/>
+    </dgm:fillClrLst>
+    <dgm:linClrLst meth="repeat">
+      <a:schemeClr val="accent1"/>
+    </dgm:linClrLst>
+    <dgm:effectClrLst/>
+    <dgm:txLinClrLst/>
+    <dgm:txFillClrLst meth="repeat">
+      <a:schemeClr val="dk1"/>
+    </dgm:txFillClrLst>
+    <dgm:txEffectClrLst/>
+  </dgm:styleLbl>
+  <dgm:styleLbl name="solidAlignAcc1">
+    <dgm:fillClrLst meth="repeat">
+      <a:schemeClr val="lt1"/>
+    </dgm:fillClrLst>
+    <dgm:linClrLst meth="repeat">
+      <a:schemeClr val="accent1"/>
+    </dgm:linClrLst>
+    <dgm:effectClrLst/>
+    <dgm:txLinClrLst/>
+    <dgm:txFillClrLst meth="repeat">
+      <a:schemeClr val="dk1"/>
+    </dgm:txFillClrLst>
+    <dgm:txEffectClrLst/>
+  </dgm:styleLbl>
+  <dgm:styleLbl name="solidBgAcc1">
+    <dgm:fillClrLst meth="repeat">
+      <a:schemeClr val="lt1"/>
+    </dgm:fillClrLst>
+    <dgm:linClrLst meth="repeat">
+      <a:schemeClr val="accent1"/>
+    </dgm:linClrLst>
+    <dgm:effectClrLst/>
+    <dgm:txLinClrLst/>
+    <dgm:txFillClrLst meth="repeat">
+      <a:schemeClr val="dk1"/>
+    </dgm:txFillClrLst>
+    <dgm:txEffectClrLst/>
+  </dgm:styleLbl>
+  <dgm:styleLbl name="fgAccFollowNode1">
+    <dgm:fillClrLst meth="repeat">
+      <a:schemeClr val="accent1">
+        <a:alpha val="90000"/>
+        <a:tint val="40000"/>
+      </a:schemeClr>
+    </dgm:fillClrLst>
+    <dgm:linClrLst meth="repeat">
+      <a:schemeClr val="accent1">
+        <a:alpha val="90000"/>
+        <a:tint val="40000"/>
+      </a:schemeClr>
+    </dgm:linClrLst>
+    <dgm:effectClrLst/>
+    <dgm:txLinClrLst/>
+    <dgm:txFillClrLst meth="repeat">
+      <a:schemeClr val="dk1"/>
+    </dgm:txFillClrLst>
+    <dgm:txEffectClrLst/>
+  </dgm:styleLbl>
+  <dgm:styleLbl name="alignAccFollowNode1">
+    <dgm:fillClrLst meth="repeat">
+      <a:schemeClr val="accent1">
+        <a:alpha val="90000"/>
+        <a:tint val="40000"/>
+      </a:schemeClr>
+    </dgm:fillClrLst>
+    <dgm:linClrLst meth="repeat">
+      <a:schemeClr val="accent1">
+        <a:alpha val="90000"/>
+        <a:tint val="40000"/>
+      </a:schemeClr>
+    </dgm:linClrLst>
+    <dgm:effectClrLst/>
+    <dgm:txLinClrLst/>
+    <dgm:txFillClrLst meth="repeat">
+      <a:schemeClr val="dk1"/>
+    </dgm:txFillClrLst>
+    <dgm:txEffectClrLst/>
+  </dgm:styleLbl>
+  <dgm:styleLbl name="bgAccFollowNode1">
+    <dgm:fillClrLst meth="repeat">
+      <a:schemeClr val="accent1">
+        <a:alpha val="90000"/>
+        <a:tint val="40000"/>
+      </a:schemeClr>
+    </dgm:fillClrLst>
+    <dgm:linClrLst meth="repeat">
+      <a:schemeClr val="accent1">
+        <a:alpha val="90000"/>
+        <a:tint val="40000"/>
+      </a:schemeClr>
+    </dgm:linClrLst>
+    <dgm:effectClrLst/>
+    <dgm:txLinClrLst/>
+    <dgm:txFillClrLst meth="repeat">
+      <a:schemeClr val="dk1"/>
+    </dgm:txFillClrLst>
+    <dgm:txEffectClrLst/>
+  </dgm:styleLbl>
+  <dgm:styleLbl name="fgAcc0">
+    <dgm:fillClrLst meth="repeat">
+      <a:schemeClr val="lt1">
+        <a:alpha val="90000"/>
+      </a:schemeClr>
+    </dgm:fillClrLst>
+    <dgm:linClrLst meth="repeat">
+      <a:schemeClr val="accent1"/>
+    </dgm:linClrLst>
+    <dgm:effectClrLst/>
+    <dgm:txLinClrLst/>
+    <dgm:txFillClrLst meth="repeat">
+      <a:schemeClr val="dk1"/>
+    </dgm:txFillClrLst>
+    <dgm:txEffectClrLst/>
+  </dgm:styleLbl>
+  <dgm:styleLbl name="fgAcc2">
+    <dgm:fillClrLst meth="repeat">
+      <a:schemeClr val="lt1">
+        <a:alpha val="90000"/>
+      </a:schemeClr>
+    </dgm:fillClrLst>
+    <dgm:linClrLst meth="repeat">
+      <a:schemeClr val="accent1"/>
+    </dgm:linClrLst>
+    <dgm:effectClrLst/>
+    <dgm:txLinClrLst/>
+    <dgm:txFillClrLst meth="repeat">
+      <a:schemeClr val="dk1"/>
+    </dgm:txFillClrLst>
+    <dgm:txEffectClrLst/>
+  </dgm:styleLbl>
+  <dgm:styleLbl name="fgAcc3">
+    <dgm:fillClrLst meth="repeat">
+      <a:schemeClr val="lt1">
+        <a:alpha val="90000"/>
+      </a:schemeClr>
+    </dgm:fillClrLst>
+    <dgm:linClrLst meth="repeat">
+      <a:schemeClr val="accent1"/>
+    </dgm:linClrLst>
+    <dgm:effectClrLst/>
+    <dgm:txLinClrLst/>
+    <dgm:txFillClrLst meth="repeat">
+      <a:schemeClr val="dk1"/>
+    </dgm:txFillClrLst>
+    <dgm:txEffectClrLst/>
+  </dgm:styleLbl>
+  <dgm:styleLbl name="fgAcc4">
+    <dgm:fillClrLst meth="repeat">
+      <a:schemeClr val="lt1">
+        <a:alpha val="90000"/>
+      </a:schemeClr>
+    </dgm:fillClrLst>
+    <dgm:linClrLst meth="repeat">
+      <a:schemeClr val="accent1"/>
+    </dgm:linClrLst>
+    <dgm:effectClrLst/>
+    <dgm:txLinClrLst/>
+    <dgm:txFillClrLst meth="repeat">
+      <a:schemeClr val="dk1"/>
+    </dgm:txFillClrLst>
+    <dgm:txEffectClrLst/>
+  </dgm:styleLbl>
+  <dgm:styleLbl name="bgShp">
+    <dgm:fillClrLst meth="repeat">
+      <a:schemeClr val="accent1">
+        <a:tint val="40000"/>
+      </a:schemeClr>
+    </dgm:fillClrLst>
+    <dgm:linClrLst meth="repeat">
+      <a:schemeClr val="accent1"/>
+    </dgm:linClrLst>
+    <dgm:effectClrLst/>
+    <dgm:txLinClrLst/>
+    <dgm:txFillClrLst meth="repeat">
+      <a:schemeClr val="dk1"/>
+    </dgm:txFillClrLst>
+    <dgm:txEffectClrLst/>
+  </dgm:styleLbl>
+  <dgm:styleLbl name="dkBgShp">
+    <dgm:fillClrLst meth="repeat">
+      <a:schemeClr val="accent1">
+        <a:shade val="80000"/>
+      </a:schemeClr>
+    </dgm:fillClrLst>
+    <dgm:linClrLst meth="repeat">
+      <a:schemeClr val="accent1"/>
+    </dgm:linClrLst>
+    <dgm:effectClrLst/>
+    <dgm:txLinClrLst/>
+    <dgm:txFillClrLst meth="repeat">
+      <a:schemeClr val="lt1"/>
+    </dgm:txFillClrLst>
+    <dgm:txEffectClrLst/>
+  </dgm:styleLbl>
+  <dgm:styleLbl name="trBgShp">
+    <dgm:fillClrLst meth="repeat">
+      <a:schemeClr val="accent1">
+        <a:tint val="50000"/>
+        <a:alpha val="40000"/>
+      </a:schemeClr>
+    </dgm:fillClrLst>
+    <dgm:linClrLst meth="repeat">
+      <a:schemeClr val="accent1"/>
+    </dgm:linClrLst>
+    <dgm:effectClrLst/>
+    <dgm:txLinClrLst/>
+    <dgm:txFillClrLst meth="repeat">
+      <a:schemeClr val="lt1"/>
+    </dgm:txFillClrLst>
+    <dgm:txEffectClrLst/>
+  </dgm:styleLbl>
+  <dgm:styleLbl name="fgShp">
+    <dgm:fillClrLst meth="repeat">
+      <a:schemeClr val="accent1">
+        <a:tint val="60000"/>
+      </a:schemeClr>
+    </dgm:fillClrLst>
+    <dgm:linClrLst meth="repeat">
+      <a:schemeClr val="lt1"/>
+    </dgm:linClrLst>
+    <dgm:effectClrLst/>
+    <dgm:txLinClrLst/>
+    <dgm:txFillClrLst meth="repeat">
+      <a:schemeClr val="dk1"/>
+    </dgm:txFillClrLst>
+    <dgm:txEffectClrLst/>
+  </dgm:styleLbl>
+  <dgm:styleLbl name="revTx">
+    <dgm:fillClrLst meth="repeat">
+      <a:schemeClr val="lt1">
+        <a:alpha val="0"/>
+      </a:schemeClr>
+    </dgm:fillClrLst>
+    <dgm:linClrLst meth="repeat">
+      <a:schemeClr val="dk1">
+        <a:alpha val="0"/>
+      </a:schemeClr>
+    </dgm:linClrLst>
+    <dgm:effectClrLst/>
+    <dgm:txLinClrLst/>
+    <dgm:txFillClrLst meth="repeat">
+      <a:schemeClr val="tx1"/>
+    </dgm:txFillClrLst>
+    <dgm:txEffectClrLst/>
+  </dgm:styleLbl>
+</dgm:colorsDef>
+</file>
+
+<file path=ppt/diagrams/data1.xml><?xml version="1.0" encoding="utf-8"?>
+<dgm:dataModel xmlns:dgm="http://schemas.openxmlformats.org/drawingml/2006/diagram" xmlns:a="http://schemas.openxmlformats.org/drawingml/2006/main">
+  <dgm:ptLst>
+    <dgm:pt modelId="{EFA2DF3C-BF69-4C9B-9350-438E78945F39}" type="doc">
+      <dgm:prSet loTypeId="urn:microsoft.com/office/officeart/2005/8/layout/process1" loCatId="process" qsTypeId="urn:microsoft.com/office/officeart/2005/8/quickstyle/simple1" qsCatId="simple" csTypeId="urn:microsoft.com/office/officeart/2005/8/colors/accent1_2" csCatId="accent1" phldr="1"/>
+      <dgm:spPr/>
+    </dgm:pt>
+    <dgm:pt modelId="{0139FA29-DAFD-4C1F-A259-415E75A4BDB3}">
+      <dgm:prSet phldrT="[Text]"/>
+      <dgm:spPr/>
+      <dgm:t>
+        <a:bodyPr/>
+        <a:lstStyle/>
+        <a:p>
+          <a:r>
+            <a:rPr lang="en-US" dirty="0" smtClean="0"/>
+            <a:t>Estimate number of storms per year</a:t>
+          </a:r>
+          <a:endParaRPr lang="en-US" dirty="0"/>
+        </a:p>
+      </dgm:t>
+    </dgm:pt>
+    <dgm:pt modelId="{17C74BB0-DEAF-4376-9C53-93CAE40DD8F1}" type="parTrans" cxnId="{9CF056B6-49FD-43D7-A4FC-DF97447A9C73}">
+      <dgm:prSet/>
+      <dgm:spPr/>
+      <dgm:t>
+        <a:bodyPr/>
+        <a:lstStyle/>
+        <a:p>
+          <a:endParaRPr lang="en-US"/>
+        </a:p>
+      </dgm:t>
+    </dgm:pt>
+    <dgm:pt modelId="{F4221D86-7D1F-4B61-AA04-7211508E1CA7}" type="sibTrans" cxnId="{9CF056B6-49FD-43D7-A4FC-DF97447A9C73}">
+      <dgm:prSet/>
+      <dgm:spPr/>
+      <dgm:t>
+        <a:bodyPr/>
+        <a:lstStyle/>
+        <a:p>
+          <a:endParaRPr lang="en-US"/>
+        </a:p>
+      </dgm:t>
+    </dgm:pt>
+    <dgm:pt modelId="{68B63CD5-F88C-42F6-B3B3-5BB7177A0780}">
+      <dgm:prSet phldrT="[Text]"/>
+      <dgm:spPr/>
+      <dgm:t>
+        <a:bodyPr/>
+        <a:lstStyle/>
+        <a:p>
+          <a:r>
+            <a:rPr lang="en-US" dirty="0" smtClean="0"/>
+            <a:t>For each storm, determine landfall location</a:t>
+          </a:r>
+          <a:endParaRPr lang="en-US" dirty="0"/>
+        </a:p>
+      </dgm:t>
+    </dgm:pt>
+    <dgm:pt modelId="{903AE8EE-E223-489B-A952-301DBBFC187A}" type="parTrans" cxnId="{04E7F966-0131-406A-927D-62DB17F164D7}">
+      <dgm:prSet/>
+      <dgm:spPr/>
+      <dgm:t>
+        <a:bodyPr/>
+        <a:lstStyle/>
+        <a:p>
+          <a:endParaRPr lang="en-US"/>
+        </a:p>
+      </dgm:t>
+    </dgm:pt>
+    <dgm:pt modelId="{D20FCF4F-51CB-42CB-AA54-7582DC08E1E8}" type="sibTrans" cxnId="{04E7F966-0131-406A-927D-62DB17F164D7}">
+      <dgm:prSet/>
+      <dgm:spPr/>
+      <dgm:t>
+        <a:bodyPr/>
+        <a:lstStyle/>
+        <a:p>
+          <a:endParaRPr lang="en-US"/>
+        </a:p>
+      </dgm:t>
+    </dgm:pt>
+    <dgm:pt modelId="{A2266812-7021-4A42-A6A5-427CD8A2DA2F}">
+      <dgm:prSet phldrT="[Text]"/>
+      <dgm:spPr/>
+      <dgm:t>
+        <a:bodyPr/>
+        <a:lstStyle/>
+        <a:p>
+          <a:r>
+            <a:rPr lang="en-US" dirty="0" smtClean="0"/>
+            <a:t>For each storm, determine storm track</a:t>
+          </a:r>
+          <a:endParaRPr lang="en-US" dirty="0"/>
+        </a:p>
+      </dgm:t>
+    </dgm:pt>
+    <dgm:pt modelId="{D84BBC4D-D415-4D45-9E0F-B30294BF5A94}" type="parTrans" cxnId="{8A86C32D-040D-41C0-A735-195CC3CEDA25}">
+      <dgm:prSet/>
+      <dgm:spPr/>
+      <dgm:t>
+        <a:bodyPr/>
+        <a:lstStyle/>
+        <a:p>
+          <a:endParaRPr lang="en-US"/>
+        </a:p>
+      </dgm:t>
+    </dgm:pt>
+    <dgm:pt modelId="{820C187F-6546-49B6-B745-3B2EEEA2AB34}" type="sibTrans" cxnId="{8A86C32D-040D-41C0-A735-195CC3CEDA25}">
+      <dgm:prSet/>
+      <dgm:spPr/>
+      <dgm:t>
+        <a:bodyPr/>
+        <a:lstStyle/>
+        <a:p>
+          <a:endParaRPr lang="en-US"/>
+        </a:p>
+      </dgm:t>
+    </dgm:pt>
+    <dgm:pt modelId="{A9B395D1-F821-42B8-AFA1-192FF739186F}">
+      <dgm:prSet phldrT="[Text]"/>
+      <dgm:spPr/>
+      <dgm:t>
+        <a:bodyPr/>
+        <a:lstStyle/>
+        <a:p>
+          <a:r>
+            <a:rPr lang="en-US" dirty="0" smtClean="0"/>
+            <a:t>For each storm, determine maximum wind speed at landfall</a:t>
+          </a:r>
+          <a:endParaRPr lang="en-US" dirty="0"/>
+        </a:p>
+      </dgm:t>
+    </dgm:pt>
+    <dgm:pt modelId="{74843652-F681-4ABF-AC22-2905A081CCF0}" type="parTrans" cxnId="{CB1AFB34-52E8-427B-AF91-754D9A5BD3DC}">
+      <dgm:prSet/>
+      <dgm:spPr/>
+      <dgm:t>
+        <a:bodyPr/>
+        <a:lstStyle/>
+        <a:p>
+          <a:endParaRPr lang="en-US"/>
+        </a:p>
+      </dgm:t>
+    </dgm:pt>
+    <dgm:pt modelId="{E3525A05-7900-4E51-867B-3292091957DB}" type="sibTrans" cxnId="{CB1AFB34-52E8-427B-AF91-754D9A5BD3DC}">
+      <dgm:prSet/>
+      <dgm:spPr/>
+      <dgm:t>
+        <a:bodyPr/>
+        <a:lstStyle/>
+        <a:p>
+          <a:endParaRPr lang="en-US"/>
+        </a:p>
+      </dgm:t>
+    </dgm:pt>
+    <dgm:pt modelId="{C2A0753F-B227-4AD3-BC9D-E3673E280227}">
+      <dgm:prSet phldrT="[Text]"/>
+      <dgm:spPr/>
+      <dgm:t>
+        <a:bodyPr/>
+        <a:lstStyle/>
+        <a:p>
+          <a:r>
+            <a:rPr lang="en-US" dirty="0" smtClean="0"/>
+            <a:t>Calculate wind field for the study area, given maximum wind speed at landfall and storm track</a:t>
+          </a:r>
+          <a:endParaRPr lang="en-US" dirty="0"/>
+        </a:p>
+      </dgm:t>
+    </dgm:pt>
+    <dgm:pt modelId="{3A401456-AD3D-4F14-97B2-25DD6E5AB91F}" type="parTrans" cxnId="{DF59192C-B7B3-4753-9C0D-6DE115061131}">
+      <dgm:prSet/>
+      <dgm:spPr/>
+      <dgm:t>
+        <a:bodyPr/>
+        <a:lstStyle/>
+        <a:p>
+          <a:endParaRPr lang="en-US"/>
+        </a:p>
+      </dgm:t>
+    </dgm:pt>
+    <dgm:pt modelId="{66EF8AC7-CAE6-499C-916B-29E611CA0F1C}" type="sibTrans" cxnId="{DF59192C-B7B3-4753-9C0D-6DE115061131}">
+      <dgm:prSet/>
+      <dgm:spPr/>
+      <dgm:t>
+        <a:bodyPr/>
+        <a:lstStyle/>
+        <a:p>
+          <a:endParaRPr lang="en-US"/>
+        </a:p>
+      </dgm:t>
+    </dgm:pt>
+    <dgm:pt modelId="{14755E8A-E90B-4D21-9B36-B61A763A627B}">
+      <dgm:prSet phldrT="[Text]"/>
+      <dgm:spPr/>
+      <dgm:t>
+        <a:bodyPr/>
+        <a:lstStyle/>
+        <a:p>
+          <a:r>
+            <a:rPr lang="en-US" dirty="0" smtClean="0"/>
+            <a:t>For each active cell, determine cohort mortality as a function of cell level wind speed</a:t>
+          </a:r>
+          <a:endParaRPr lang="en-US" dirty="0"/>
+        </a:p>
+      </dgm:t>
+    </dgm:pt>
+    <dgm:pt modelId="{C67BBF91-84CD-4FC8-B19D-B9DBB0637D38}" type="parTrans" cxnId="{8620F4A2-CBF7-4D86-A431-85AFA3328408}">
+      <dgm:prSet/>
+      <dgm:spPr/>
+      <dgm:t>
+        <a:bodyPr/>
+        <a:lstStyle/>
+        <a:p>
+          <a:endParaRPr lang="en-US"/>
+        </a:p>
+      </dgm:t>
+    </dgm:pt>
+    <dgm:pt modelId="{3425094C-1DDE-43D5-B5B8-9FC48CB84EA5}" type="sibTrans" cxnId="{8620F4A2-CBF7-4D86-A431-85AFA3328408}">
+      <dgm:prSet/>
+      <dgm:spPr/>
+      <dgm:t>
+        <a:bodyPr/>
+        <a:lstStyle/>
+        <a:p>
+          <a:endParaRPr lang="en-US"/>
+        </a:p>
+      </dgm:t>
+    </dgm:pt>
+    <dgm:pt modelId="{47253D9D-03AD-4B26-9900-E0004AE47C92}">
+      <dgm:prSet phldrT="[Text]"/>
+      <dgm:spPr/>
+      <dgm:t>
+        <a:bodyPr/>
+        <a:lstStyle/>
+        <a:p>
+          <a:r>
+            <a:rPr lang="en-US" dirty="0" smtClean="0"/>
+            <a:t>Adjust cell-level wind speed dependent on wind exposure</a:t>
+          </a:r>
+          <a:endParaRPr lang="en-US" dirty="0"/>
+        </a:p>
+      </dgm:t>
+    </dgm:pt>
+    <dgm:pt modelId="{A5E71F9C-ED31-40C5-B74D-4FC84B925D4A}" type="parTrans" cxnId="{BFF34C54-20C2-4A7E-8443-02FF3AE1B189}">
+      <dgm:prSet/>
+      <dgm:spPr/>
+      <dgm:t>
+        <a:bodyPr/>
+        <a:lstStyle/>
+        <a:p>
+          <a:endParaRPr lang="en-US"/>
+        </a:p>
+      </dgm:t>
+    </dgm:pt>
+    <dgm:pt modelId="{B5860319-AAEA-4A6C-9C79-B2EB24D40A39}" type="sibTrans" cxnId="{BFF34C54-20C2-4A7E-8443-02FF3AE1B189}">
+      <dgm:prSet/>
+      <dgm:spPr/>
+      <dgm:t>
+        <a:bodyPr/>
+        <a:lstStyle/>
+        <a:p>
+          <a:endParaRPr lang="en-US"/>
+        </a:p>
+      </dgm:t>
+    </dgm:pt>
+    <dgm:pt modelId="{F67BE7FA-467F-4358-AF3F-BB535BA58B99}">
+      <dgm:prSet phldrT="[Text]"/>
+      <dgm:spPr/>
+      <dgm:t>
+        <a:bodyPr/>
+        <a:lstStyle/>
+        <a:p>
+          <a:r>
+            <a:rPr lang="en-US" dirty="0" smtClean="0"/>
+            <a:t>At each time step:</a:t>
+          </a:r>
+          <a:endParaRPr lang="en-US" dirty="0"/>
+        </a:p>
+      </dgm:t>
+    </dgm:pt>
+    <dgm:pt modelId="{33073A9D-19ED-43AA-8059-4606A73E23BA}" type="parTrans" cxnId="{7C1EF41E-0322-4AE7-839C-805B8D5E642C}">
+      <dgm:prSet/>
+      <dgm:spPr/>
+      <dgm:t>
+        <a:bodyPr/>
+        <a:lstStyle/>
+        <a:p>
+          <a:endParaRPr lang="en-US"/>
+        </a:p>
+      </dgm:t>
+    </dgm:pt>
+    <dgm:pt modelId="{048012C2-D4D6-4280-B6E4-D2AF9D3CF29A}" type="sibTrans" cxnId="{7C1EF41E-0322-4AE7-839C-805B8D5E642C}">
+      <dgm:prSet/>
+      <dgm:spPr/>
+      <dgm:t>
+        <a:bodyPr/>
+        <a:lstStyle/>
+        <a:p>
+          <a:endParaRPr lang="en-US"/>
+        </a:p>
+      </dgm:t>
+    </dgm:pt>
+    <dgm:pt modelId="{91BDF96F-BB99-44E3-B8EC-345BC139D845}" type="pres">
+      <dgm:prSet presAssocID="{EFA2DF3C-BF69-4C9B-9350-438E78945F39}" presName="Name0" presStyleCnt="0">
+        <dgm:presLayoutVars>
+          <dgm:dir/>
+          <dgm:resizeHandles val="exact"/>
+        </dgm:presLayoutVars>
+      </dgm:prSet>
+      <dgm:spPr/>
+    </dgm:pt>
+    <dgm:pt modelId="{099DBDD9-F31C-47D6-B6CD-6D7251FC86EC}" type="pres">
+      <dgm:prSet presAssocID="{F67BE7FA-467F-4358-AF3F-BB535BA58B99}" presName="node" presStyleLbl="node1" presStyleIdx="0" presStyleCnt="8" custLinFactX="82615" custLinFactNeighborX="100000">
+        <dgm:presLayoutVars>
+          <dgm:bulletEnabled val="1"/>
+        </dgm:presLayoutVars>
+      </dgm:prSet>
+      <dgm:spPr/>
+    </dgm:pt>
+    <dgm:pt modelId="{561026EE-1036-47FD-B55E-2D9CD55AE537}" type="pres">
+      <dgm:prSet presAssocID="{048012C2-D4D6-4280-B6E4-D2AF9D3CF29A}" presName="sibTrans" presStyleLbl="sibTrans2D1" presStyleIdx="0" presStyleCnt="7"/>
+      <dgm:spPr/>
+    </dgm:pt>
+    <dgm:pt modelId="{F8236CC5-59DA-4405-98B2-688B620422C2}" type="pres">
+      <dgm:prSet presAssocID="{048012C2-D4D6-4280-B6E4-D2AF9D3CF29A}" presName="connectorText" presStyleLbl="sibTrans2D1" presStyleIdx="0" presStyleCnt="7"/>
+      <dgm:spPr/>
+    </dgm:pt>
+    <dgm:pt modelId="{C5E93903-E9F9-4B69-AA38-970E6CAF0888}" type="pres">
+      <dgm:prSet presAssocID="{0139FA29-DAFD-4C1F-A259-415E75A4BDB3}" presName="node" presStyleLbl="node1" presStyleIdx="1" presStyleCnt="8" custLinFactX="82615" custLinFactNeighborX="100000">
+        <dgm:presLayoutVars>
+          <dgm:bulletEnabled val="1"/>
+        </dgm:presLayoutVars>
+      </dgm:prSet>
+      <dgm:spPr/>
+      <dgm:t>
+        <a:bodyPr/>
+        <a:lstStyle/>
+        <a:p>
+          <a:endParaRPr lang="en-US"/>
+        </a:p>
+      </dgm:t>
+    </dgm:pt>
+    <dgm:pt modelId="{3908A217-5655-484D-B9CF-54DDFEDA7F6C}" type="pres">
+      <dgm:prSet presAssocID="{F4221D86-7D1F-4B61-AA04-7211508E1CA7}" presName="sibTrans" presStyleLbl="sibTrans2D1" presStyleIdx="1" presStyleCnt="7"/>
+      <dgm:spPr/>
+    </dgm:pt>
+    <dgm:pt modelId="{0C894C52-E167-495D-84CE-DB5982082DD4}" type="pres">
+      <dgm:prSet presAssocID="{F4221D86-7D1F-4B61-AA04-7211508E1CA7}" presName="connectorText" presStyleLbl="sibTrans2D1" presStyleIdx="1" presStyleCnt="7"/>
+      <dgm:spPr/>
+    </dgm:pt>
+    <dgm:pt modelId="{07A77192-2205-470C-B71D-9F8E95921F13}" type="pres">
+      <dgm:prSet presAssocID="{68B63CD5-F88C-42F6-B3B3-5BB7177A0780}" presName="node" presStyleLbl="node1" presStyleIdx="2" presStyleCnt="8" custLinFactX="82615" custLinFactNeighborX="100000">
+        <dgm:presLayoutVars>
+          <dgm:bulletEnabled val="1"/>
+        </dgm:presLayoutVars>
+      </dgm:prSet>
+      <dgm:spPr/>
+      <dgm:t>
+        <a:bodyPr/>
+        <a:lstStyle/>
+        <a:p>
+          <a:endParaRPr lang="en-US"/>
+        </a:p>
+      </dgm:t>
+    </dgm:pt>
+    <dgm:pt modelId="{C0AEFF92-62F7-48CE-887C-373B24614F51}" type="pres">
+      <dgm:prSet presAssocID="{D20FCF4F-51CB-42CB-AA54-7582DC08E1E8}" presName="sibTrans" presStyleLbl="sibTrans2D1" presStyleIdx="2" presStyleCnt="7"/>
+      <dgm:spPr/>
+    </dgm:pt>
+    <dgm:pt modelId="{A17277C0-F59F-48DA-9EDE-76179D845B70}" type="pres">
+      <dgm:prSet presAssocID="{D20FCF4F-51CB-42CB-AA54-7582DC08E1E8}" presName="connectorText" presStyleLbl="sibTrans2D1" presStyleIdx="2" presStyleCnt="7"/>
+      <dgm:spPr/>
+    </dgm:pt>
+    <dgm:pt modelId="{7FFF52F4-146B-49ED-B20D-A3F38FD48C7F}" type="pres">
+      <dgm:prSet presAssocID="{A2266812-7021-4A42-A6A5-427CD8A2DA2F}" presName="node" presStyleLbl="node1" presStyleIdx="3" presStyleCnt="8" custLinFactX="82615" custLinFactNeighborX="100000">
+        <dgm:presLayoutVars>
+          <dgm:bulletEnabled val="1"/>
+        </dgm:presLayoutVars>
+      </dgm:prSet>
+      <dgm:spPr/>
+      <dgm:t>
+        <a:bodyPr/>
+        <a:lstStyle/>
+        <a:p>
+          <a:endParaRPr lang="en-US"/>
+        </a:p>
+      </dgm:t>
+    </dgm:pt>
+    <dgm:pt modelId="{8AAEA2DC-C596-45B6-8914-BFF073B75E8D}" type="pres">
+      <dgm:prSet presAssocID="{820C187F-6546-49B6-B745-3B2EEEA2AB34}" presName="sibTrans" presStyleLbl="sibTrans2D1" presStyleIdx="3" presStyleCnt="7"/>
+      <dgm:spPr/>
+    </dgm:pt>
+    <dgm:pt modelId="{26990412-FFBC-416B-9335-BD658E43CED1}" type="pres">
+      <dgm:prSet presAssocID="{820C187F-6546-49B6-B745-3B2EEEA2AB34}" presName="connectorText" presStyleLbl="sibTrans2D1" presStyleIdx="3" presStyleCnt="7"/>
+      <dgm:spPr/>
+    </dgm:pt>
+    <dgm:pt modelId="{E6539BB4-4D6D-4E5D-B1FD-39EB1C939A8C}" type="pres">
+      <dgm:prSet presAssocID="{A9B395D1-F821-42B8-AFA1-192FF739186F}" presName="node" presStyleLbl="node1" presStyleIdx="4" presStyleCnt="8" custLinFactY="37017" custLinFactNeighborX="-44032" custLinFactNeighborY="100000">
+        <dgm:presLayoutVars>
+          <dgm:bulletEnabled val="1"/>
+        </dgm:presLayoutVars>
+      </dgm:prSet>
+      <dgm:spPr/>
+      <dgm:t>
+        <a:bodyPr/>
+        <a:lstStyle/>
+        <a:p>
+          <a:endParaRPr lang="en-US"/>
+        </a:p>
+      </dgm:t>
+    </dgm:pt>
+    <dgm:pt modelId="{EB1E7565-34D5-4EA9-8E08-3454C3FE4893}" type="pres">
+      <dgm:prSet presAssocID="{E3525A05-7900-4E51-867B-3292091957DB}" presName="sibTrans" presStyleLbl="sibTrans2D1" presStyleIdx="4" presStyleCnt="7"/>
+      <dgm:spPr/>
+    </dgm:pt>
+    <dgm:pt modelId="{944741C6-E1A6-4573-8DD6-E59497754B5B}" type="pres">
+      <dgm:prSet presAssocID="{E3525A05-7900-4E51-867B-3292091957DB}" presName="connectorText" presStyleLbl="sibTrans2D1" presStyleIdx="4" presStyleCnt="7"/>
+      <dgm:spPr/>
+    </dgm:pt>
+    <dgm:pt modelId="{855DC811-56EA-4817-920C-700B1DE14FBA}" type="pres">
+      <dgm:prSet presAssocID="{C2A0753F-B227-4AD3-BC9D-E3673E280227}" presName="node" presStyleLbl="node1" presStyleIdx="5" presStyleCnt="8" custLinFactX="-200000" custLinFactY="37639" custLinFactNeighborX="-249271" custLinFactNeighborY="100000">
+        <dgm:presLayoutVars>
+          <dgm:bulletEnabled val="1"/>
+        </dgm:presLayoutVars>
+      </dgm:prSet>
+      <dgm:spPr/>
+      <dgm:t>
+        <a:bodyPr/>
+        <a:lstStyle/>
+        <a:p>
+          <a:endParaRPr lang="en-US"/>
+        </a:p>
+      </dgm:t>
+    </dgm:pt>
+    <dgm:pt modelId="{528C7544-23DC-43D8-90F1-7ECA7BF36F17}" type="pres">
+      <dgm:prSet presAssocID="{66EF8AC7-CAE6-499C-916B-29E611CA0F1C}" presName="sibTrans" presStyleLbl="sibTrans2D1" presStyleIdx="5" presStyleCnt="7"/>
+      <dgm:spPr/>
+    </dgm:pt>
+    <dgm:pt modelId="{508992F5-1660-4FCD-95A2-9C74276BEF67}" type="pres">
+      <dgm:prSet presAssocID="{66EF8AC7-CAE6-499C-916B-29E611CA0F1C}" presName="connectorText" presStyleLbl="sibTrans2D1" presStyleIdx="5" presStyleCnt="7"/>
+      <dgm:spPr/>
+    </dgm:pt>
+    <dgm:pt modelId="{E318FEC7-795C-4EF8-A933-17C00F0AC780}" type="pres">
+      <dgm:prSet presAssocID="{47253D9D-03AD-4B26-9900-E0004AE47C92}" presName="node" presStyleLbl="node1" presStyleIdx="6" presStyleCnt="8" custLinFactX="-400000" custLinFactY="38692" custLinFactNeighborX="-442300" custLinFactNeighborY="100000">
+        <dgm:presLayoutVars>
+          <dgm:bulletEnabled val="1"/>
+        </dgm:presLayoutVars>
+      </dgm:prSet>
+      <dgm:spPr/>
+      <dgm:t>
+        <a:bodyPr/>
+        <a:lstStyle/>
+        <a:p>
+          <a:endParaRPr lang="en-US"/>
+        </a:p>
+      </dgm:t>
+    </dgm:pt>
+    <dgm:pt modelId="{9FC9AF0E-8FBA-4682-A09B-E9FBB9A1A48D}" type="pres">
+      <dgm:prSet presAssocID="{B5860319-AAEA-4A6C-9C79-B2EB24D40A39}" presName="sibTrans" presStyleLbl="sibTrans2D1" presStyleIdx="6" presStyleCnt="7"/>
+      <dgm:spPr/>
+    </dgm:pt>
+    <dgm:pt modelId="{E25EA83E-DE91-429A-8A2B-8B124697F6DE}" type="pres">
+      <dgm:prSet presAssocID="{B5860319-AAEA-4A6C-9C79-B2EB24D40A39}" presName="connectorText" presStyleLbl="sibTrans2D1" presStyleIdx="6" presStyleCnt="7"/>
+      <dgm:spPr/>
+    </dgm:pt>
+    <dgm:pt modelId="{BFCF5256-D389-47EA-8D10-AF8317C3B6E7}" type="pres">
+      <dgm:prSet presAssocID="{14755E8A-E90B-4D21-9B36-B61A763A627B}" presName="node" presStyleLbl="node1" presStyleIdx="7" presStyleCnt="8" custLinFactX="-600000" custLinFactY="38884" custLinFactNeighborX="-631836" custLinFactNeighborY="100000">
+        <dgm:presLayoutVars>
+          <dgm:bulletEnabled val="1"/>
+        </dgm:presLayoutVars>
+      </dgm:prSet>
+      <dgm:spPr/>
+      <dgm:t>
+        <a:bodyPr/>
+        <a:lstStyle/>
+        <a:p>
+          <a:endParaRPr lang="en-US"/>
+        </a:p>
+      </dgm:t>
+    </dgm:pt>
+  </dgm:ptLst>
+  <dgm:cxnLst>
+    <dgm:cxn modelId="{00FBC098-7A36-4200-9E3D-A8D662EC3A63}" type="presOf" srcId="{66EF8AC7-CAE6-499C-916B-29E611CA0F1C}" destId="{508992F5-1660-4FCD-95A2-9C74276BEF67}" srcOrd="1" destOrd="0" presId="urn:microsoft.com/office/officeart/2005/8/layout/process1"/>
+    <dgm:cxn modelId="{39038C6E-814A-4C35-8BD5-33118C816AB2}" type="presOf" srcId="{47253D9D-03AD-4B26-9900-E0004AE47C92}" destId="{E318FEC7-795C-4EF8-A933-17C00F0AC780}" srcOrd="0" destOrd="0" presId="urn:microsoft.com/office/officeart/2005/8/layout/process1"/>
+    <dgm:cxn modelId="{3B009194-1CED-4347-8929-89CB39D5A19F}" type="presOf" srcId="{D20FCF4F-51CB-42CB-AA54-7582DC08E1E8}" destId="{A17277C0-F59F-48DA-9EDE-76179D845B70}" srcOrd="1" destOrd="0" presId="urn:microsoft.com/office/officeart/2005/8/layout/process1"/>
+    <dgm:cxn modelId="{8A86C32D-040D-41C0-A735-195CC3CEDA25}" srcId="{EFA2DF3C-BF69-4C9B-9350-438E78945F39}" destId="{A2266812-7021-4A42-A6A5-427CD8A2DA2F}" srcOrd="3" destOrd="0" parTransId="{D84BBC4D-D415-4D45-9E0F-B30294BF5A94}" sibTransId="{820C187F-6546-49B6-B745-3B2EEEA2AB34}"/>
+    <dgm:cxn modelId="{053B547A-3DEB-451D-8B0C-C095EF56484D}" type="presOf" srcId="{D20FCF4F-51CB-42CB-AA54-7582DC08E1E8}" destId="{C0AEFF92-62F7-48CE-887C-373B24614F51}" srcOrd="0" destOrd="0" presId="urn:microsoft.com/office/officeart/2005/8/layout/process1"/>
+    <dgm:cxn modelId="{7084A4C5-15EC-4B63-902F-D89F575D0B70}" type="presOf" srcId="{B5860319-AAEA-4A6C-9C79-B2EB24D40A39}" destId="{9FC9AF0E-8FBA-4682-A09B-E9FBB9A1A48D}" srcOrd="0" destOrd="0" presId="urn:microsoft.com/office/officeart/2005/8/layout/process1"/>
+    <dgm:cxn modelId="{A4A47872-DFC0-45E5-8080-A490B10CF47B}" type="presOf" srcId="{E3525A05-7900-4E51-867B-3292091957DB}" destId="{EB1E7565-34D5-4EA9-8E08-3454C3FE4893}" srcOrd="0" destOrd="0" presId="urn:microsoft.com/office/officeart/2005/8/layout/process1"/>
+    <dgm:cxn modelId="{9CF056B6-49FD-43D7-A4FC-DF97447A9C73}" srcId="{EFA2DF3C-BF69-4C9B-9350-438E78945F39}" destId="{0139FA29-DAFD-4C1F-A259-415E75A4BDB3}" srcOrd="1" destOrd="0" parTransId="{17C74BB0-DEAF-4376-9C53-93CAE40DD8F1}" sibTransId="{F4221D86-7D1F-4B61-AA04-7211508E1CA7}"/>
+    <dgm:cxn modelId="{C208CDA0-1E9D-4563-8B60-152A6BBC8798}" type="presOf" srcId="{F67BE7FA-467F-4358-AF3F-BB535BA58B99}" destId="{099DBDD9-F31C-47D6-B6CD-6D7251FC86EC}" srcOrd="0" destOrd="0" presId="urn:microsoft.com/office/officeart/2005/8/layout/process1"/>
+    <dgm:cxn modelId="{04E7F966-0131-406A-927D-62DB17F164D7}" srcId="{EFA2DF3C-BF69-4C9B-9350-438E78945F39}" destId="{68B63CD5-F88C-42F6-B3B3-5BB7177A0780}" srcOrd="2" destOrd="0" parTransId="{903AE8EE-E223-489B-A952-301DBBFC187A}" sibTransId="{D20FCF4F-51CB-42CB-AA54-7582DC08E1E8}"/>
+    <dgm:cxn modelId="{31D3B460-3CC4-4ABB-BFD0-1F58830B722B}" type="presOf" srcId="{14755E8A-E90B-4D21-9B36-B61A763A627B}" destId="{BFCF5256-D389-47EA-8D10-AF8317C3B6E7}" srcOrd="0" destOrd="0" presId="urn:microsoft.com/office/officeart/2005/8/layout/process1"/>
+    <dgm:cxn modelId="{7A528F2E-3B10-43CE-BC28-B13480C872D3}" type="presOf" srcId="{820C187F-6546-49B6-B745-3B2EEEA2AB34}" destId="{26990412-FFBC-416B-9335-BD658E43CED1}" srcOrd="1" destOrd="0" presId="urn:microsoft.com/office/officeart/2005/8/layout/process1"/>
+    <dgm:cxn modelId="{56E7612E-1001-435B-9995-864C99902A1E}" type="presOf" srcId="{048012C2-D4D6-4280-B6E4-D2AF9D3CF29A}" destId="{561026EE-1036-47FD-B55E-2D9CD55AE537}" srcOrd="0" destOrd="0" presId="urn:microsoft.com/office/officeart/2005/8/layout/process1"/>
+    <dgm:cxn modelId="{7779342B-BCDE-4FAC-9B22-F10B09F2AEA2}" type="presOf" srcId="{820C187F-6546-49B6-B745-3B2EEEA2AB34}" destId="{8AAEA2DC-C596-45B6-8914-BFF073B75E8D}" srcOrd="0" destOrd="0" presId="urn:microsoft.com/office/officeart/2005/8/layout/process1"/>
+    <dgm:cxn modelId="{83AF290F-931A-41B8-8169-EAA1ECDFA28E}" type="presOf" srcId="{A9B395D1-F821-42B8-AFA1-192FF739186F}" destId="{E6539BB4-4D6D-4E5D-B1FD-39EB1C939A8C}" srcOrd="0" destOrd="0" presId="urn:microsoft.com/office/officeart/2005/8/layout/process1"/>
+    <dgm:cxn modelId="{BFF34C54-20C2-4A7E-8443-02FF3AE1B189}" srcId="{EFA2DF3C-BF69-4C9B-9350-438E78945F39}" destId="{47253D9D-03AD-4B26-9900-E0004AE47C92}" srcOrd="6" destOrd="0" parTransId="{A5E71F9C-ED31-40C5-B74D-4FC84B925D4A}" sibTransId="{B5860319-AAEA-4A6C-9C79-B2EB24D40A39}"/>
+    <dgm:cxn modelId="{334F86EF-4796-4E07-A33C-64FFBC046BA0}" type="presOf" srcId="{B5860319-AAEA-4A6C-9C79-B2EB24D40A39}" destId="{E25EA83E-DE91-429A-8A2B-8B124697F6DE}" srcOrd="1" destOrd="0" presId="urn:microsoft.com/office/officeart/2005/8/layout/process1"/>
+    <dgm:cxn modelId="{5C898CC8-34E1-4DCD-BED6-D86DDC868DE3}" type="presOf" srcId="{66EF8AC7-CAE6-499C-916B-29E611CA0F1C}" destId="{528C7544-23DC-43D8-90F1-7ECA7BF36F17}" srcOrd="0" destOrd="0" presId="urn:microsoft.com/office/officeart/2005/8/layout/process1"/>
+    <dgm:cxn modelId="{16771112-222F-4296-9DBA-1DC77D4AF7A7}" type="presOf" srcId="{C2A0753F-B227-4AD3-BC9D-E3673E280227}" destId="{855DC811-56EA-4817-920C-700B1DE14FBA}" srcOrd="0" destOrd="0" presId="urn:microsoft.com/office/officeart/2005/8/layout/process1"/>
+    <dgm:cxn modelId="{C1923107-1CBA-47BD-8A7C-2C9704A3614B}" type="presOf" srcId="{EFA2DF3C-BF69-4C9B-9350-438E78945F39}" destId="{91BDF96F-BB99-44E3-B8EC-345BC139D845}" srcOrd="0" destOrd="0" presId="urn:microsoft.com/office/officeart/2005/8/layout/process1"/>
+    <dgm:cxn modelId="{4D8B0657-57CC-45DD-A2FD-0E2BBD70DC3E}" type="presOf" srcId="{048012C2-D4D6-4280-B6E4-D2AF9D3CF29A}" destId="{F8236CC5-59DA-4405-98B2-688B620422C2}" srcOrd="1" destOrd="0" presId="urn:microsoft.com/office/officeart/2005/8/layout/process1"/>
+    <dgm:cxn modelId="{CB1AFB34-52E8-427B-AF91-754D9A5BD3DC}" srcId="{EFA2DF3C-BF69-4C9B-9350-438E78945F39}" destId="{A9B395D1-F821-42B8-AFA1-192FF739186F}" srcOrd="4" destOrd="0" parTransId="{74843652-F681-4ABF-AC22-2905A081CCF0}" sibTransId="{E3525A05-7900-4E51-867B-3292091957DB}"/>
+    <dgm:cxn modelId="{DF59192C-B7B3-4753-9C0D-6DE115061131}" srcId="{EFA2DF3C-BF69-4C9B-9350-438E78945F39}" destId="{C2A0753F-B227-4AD3-BC9D-E3673E280227}" srcOrd="5" destOrd="0" parTransId="{3A401456-AD3D-4F14-97B2-25DD6E5AB91F}" sibTransId="{66EF8AC7-CAE6-499C-916B-29E611CA0F1C}"/>
+    <dgm:cxn modelId="{7C1EF41E-0322-4AE7-839C-805B8D5E642C}" srcId="{EFA2DF3C-BF69-4C9B-9350-438E78945F39}" destId="{F67BE7FA-467F-4358-AF3F-BB535BA58B99}" srcOrd="0" destOrd="0" parTransId="{33073A9D-19ED-43AA-8059-4606A73E23BA}" sibTransId="{048012C2-D4D6-4280-B6E4-D2AF9D3CF29A}"/>
+    <dgm:cxn modelId="{C31FB4E1-955B-44B4-B387-5AF817A09EE1}" type="presOf" srcId="{68B63CD5-F88C-42F6-B3B3-5BB7177A0780}" destId="{07A77192-2205-470C-B71D-9F8E95921F13}" srcOrd="0" destOrd="0" presId="urn:microsoft.com/office/officeart/2005/8/layout/process1"/>
+    <dgm:cxn modelId="{E439ADAC-21AC-4FB0-BD8A-20FFE71C15DB}" type="presOf" srcId="{E3525A05-7900-4E51-867B-3292091957DB}" destId="{944741C6-E1A6-4573-8DD6-E59497754B5B}" srcOrd="1" destOrd="0" presId="urn:microsoft.com/office/officeart/2005/8/layout/process1"/>
+    <dgm:cxn modelId="{8620F4A2-CBF7-4D86-A431-85AFA3328408}" srcId="{EFA2DF3C-BF69-4C9B-9350-438E78945F39}" destId="{14755E8A-E90B-4D21-9B36-B61A763A627B}" srcOrd="7" destOrd="0" parTransId="{C67BBF91-84CD-4FC8-B19D-B9DBB0637D38}" sibTransId="{3425094C-1DDE-43D5-B5B8-9FC48CB84EA5}"/>
+    <dgm:cxn modelId="{0AEF58A6-06EC-4E75-8180-D4294281BDFB}" type="presOf" srcId="{A2266812-7021-4A42-A6A5-427CD8A2DA2F}" destId="{7FFF52F4-146B-49ED-B20D-A3F38FD48C7F}" srcOrd="0" destOrd="0" presId="urn:microsoft.com/office/officeart/2005/8/layout/process1"/>
+    <dgm:cxn modelId="{F46181F1-7EA9-4139-8051-38DCD2BB38B8}" type="presOf" srcId="{F4221D86-7D1F-4B61-AA04-7211508E1CA7}" destId="{0C894C52-E167-495D-84CE-DB5982082DD4}" srcOrd="1" destOrd="0" presId="urn:microsoft.com/office/officeart/2005/8/layout/process1"/>
+    <dgm:cxn modelId="{CA5055DA-18A3-44CA-A847-8AACA5E6ED9B}" type="presOf" srcId="{F4221D86-7D1F-4B61-AA04-7211508E1CA7}" destId="{3908A217-5655-484D-B9CF-54DDFEDA7F6C}" srcOrd="0" destOrd="0" presId="urn:microsoft.com/office/officeart/2005/8/layout/process1"/>
+    <dgm:cxn modelId="{3355CCE2-98AA-4233-B8E5-2E380B66D34D}" type="presOf" srcId="{0139FA29-DAFD-4C1F-A259-415E75A4BDB3}" destId="{C5E93903-E9F9-4B69-AA38-970E6CAF0888}" srcOrd="0" destOrd="0" presId="urn:microsoft.com/office/officeart/2005/8/layout/process1"/>
+    <dgm:cxn modelId="{F4E4E1A8-90FC-4B04-917A-DBCE7D164A3E}" type="presParOf" srcId="{91BDF96F-BB99-44E3-B8EC-345BC139D845}" destId="{099DBDD9-F31C-47D6-B6CD-6D7251FC86EC}" srcOrd="0" destOrd="0" presId="urn:microsoft.com/office/officeart/2005/8/layout/process1"/>
+    <dgm:cxn modelId="{A0741537-4808-40E8-8FBC-865BD0B6F1A1}" type="presParOf" srcId="{91BDF96F-BB99-44E3-B8EC-345BC139D845}" destId="{561026EE-1036-47FD-B55E-2D9CD55AE537}" srcOrd="1" destOrd="0" presId="urn:microsoft.com/office/officeart/2005/8/layout/process1"/>
+    <dgm:cxn modelId="{6F991544-DF29-4D53-815B-E459B46FA0DE}" type="presParOf" srcId="{561026EE-1036-47FD-B55E-2D9CD55AE537}" destId="{F8236CC5-59DA-4405-98B2-688B620422C2}" srcOrd="0" destOrd="0" presId="urn:microsoft.com/office/officeart/2005/8/layout/process1"/>
+    <dgm:cxn modelId="{484F5D6C-5B94-4893-94AA-9A569EAE66FC}" type="presParOf" srcId="{91BDF96F-BB99-44E3-B8EC-345BC139D845}" destId="{C5E93903-E9F9-4B69-AA38-970E6CAF0888}" srcOrd="2" destOrd="0" presId="urn:microsoft.com/office/officeart/2005/8/layout/process1"/>
+    <dgm:cxn modelId="{72EBDA14-9531-45B8-BEEA-2A821C5FEED6}" type="presParOf" srcId="{91BDF96F-BB99-44E3-B8EC-345BC139D845}" destId="{3908A217-5655-484D-B9CF-54DDFEDA7F6C}" srcOrd="3" destOrd="0" presId="urn:microsoft.com/office/officeart/2005/8/layout/process1"/>
+    <dgm:cxn modelId="{465B7830-6FC2-466F-BF89-D0D6BFB00BF9}" type="presParOf" srcId="{3908A217-5655-484D-B9CF-54DDFEDA7F6C}" destId="{0C894C52-E167-495D-84CE-DB5982082DD4}" srcOrd="0" destOrd="0" presId="urn:microsoft.com/office/officeart/2005/8/layout/process1"/>
+    <dgm:cxn modelId="{E2D6A96A-E62A-446C-BD86-ECE4090C910B}" type="presParOf" srcId="{91BDF96F-BB99-44E3-B8EC-345BC139D845}" destId="{07A77192-2205-470C-B71D-9F8E95921F13}" srcOrd="4" destOrd="0" presId="urn:microsoft.com/office/officeart/2005/8/layout/process1"/>
+    <dgm:cxn modelId="{22EB7D10-C065-4844-8CF5-0687E3968162}" type="presParOf" srcId="{91BDF96F-BB99-44E3-B8EC-345BC139D845}" destId="{C0AEFF92-62F7-48CE-887C-373B24614F51}" srcOrd="5" destOrd="0" presId="urn:microsoft.com/office/officeart/2005/8/layout/process1"/>
+    <dgm:cxn modelId="{723F86F6-8FE3-423B-BA61-AB583D71135C}" type="presParOf" srcId="{C0AEFF92-62F7-48CE-887C-373B24614F51}" destId="{A17277C0-F59F-48DA-9EDE-76179D845B70}" srcOrd="0" destOrd="0" presId="urn:microsoft.com/office/officeart/2005/8/layout/process1"/>
+    <dgm:cxn modelId="{4400CC43-8983-4AC4-8979-385E11EADF70}" type="presParOf" srcId="{91BDF96F-BB99-44E3-B8EC-345BC139D845}" destId="{7FFF52F4-146B-49ED-B20D-A3F38FD48C7F}" srcOrd="6" destOrd="0" presId="urn:microsoft.com/office/officeart/2005/8/layout/process1"/>
+    <dgm:cxn modelId="{1169E56D-A332-4AFD-BFAA-F3AF8F78032F}" type="presParOf" srcId="{91BDF96F-BB99-44E3-B8EC-345BC139D845}" destId="{8AAEA2DC-C596-45B6-8914-BFF073B75E8D}" srcOrd="7" destOrd="0" presId="urn:microsoft.com/office/officeart/2005/8/layout/process1"/>
+    <dgm:cxn modelId="{D6C953B7-B1F8-4B23-BDB2-2D4F289E4835}" type="presParOf" srcId="{8AAEA2DC-C596-45B6-8914-BFF073B75E8D}" destId="{26990412-FFBC-416B-9335-BD658E43CED1}" srcOrd="0" destOrd="0" presId="urn:microsoft.com/office/officeart/2005/8/layout/process1"/>
+    <dgm:cxn modelId="{A0B8A4A1-9711-43D1-A684-83B70B24FF80}" type="presParOf" srcId="{91BDF96F-BB99-44E3-B8EC-345BC139D845}" destId="{E6539BB4-4D6D-4E5D-B1FD-39EB1C939A8C}" srcOrd="8" destOrd="0" presId="urn:microsoft.com/office/officeart/2005/8/layout/process1"/>
+    <dgm:cxn modelId="{1509F1A1-E99E-4BAF-A8D5-FEA634AF9A38}" type="presParOf" srcId="{91BDF96F-BB99-44E3-B8EC-345BC139D845}" destId="{EB1E7565-34D5-4EA9-8E08-3454C3FE4893}" srcOrd="9" destOrd="0" presId="urn:microsoft.com/office/officeart/2005/8/layout/process1"/>
+    <dgm:cxn modelId="{D0B8EF39-DFF6-4C6C-9370-88FCF9BBEE86}" type="presParOf" srcId="{EB1E7565-34D5-4EA9-8E08-3454C3FE4893}" destId="{944741C6-E1A6-4573-8DD6-E59497754B5B}" srcOrd="0" destOrd="0" presId="urn:microsoft.com/office/officeart/2005/8/layout/process1"/>
+    <dgm:cxn modelId="{62794CF1-D46C-4987-936A-BEC1EEC46AB3}" type="presParOf" srcId="{91BDF96F-BB99-44E3-B8EC-345BC139D845}" destId="{855DC811-56EA-4817-920C-700B1DE14FBA}" srcOrd="10" destOrd="0" presId="urn:microsoft.com/office/officeart/2005/8/layout/process1"/>
+    <dgm:cxn modelId="{C843D896-3DBD-457F-957B-47162D1317F1}" type="presParOf" srcId="{91BDF96F-BB99-44E3-B8EC-345BC139D845}" destId="{528C7544-23DC-43D8-90F1-7ECA7BF36F17}" srcOrd="11" destOrd="0" presId="urn:microsoft.com/office/officeart/2005/8/layout/process1"/>
+    <dgm:cxn modelId="{4908C044-2FF3-4593-8B72-9404D8D48B9C}" type="presParOf" srcId="{528C7544-23DC-43D8-90F1-7ECA7BF36F17}" destId="{508992F5-1660-4FCD-95A2-9C74276BEF67}" srcOrd="0" destOrd="0" presId="urn:microsoft.com/office/officeart/2005/8/layout/process1"/>
+    <dgm:cxn modelId="{5748C388-C25C-48C9-9005-D029E293CD22}" type="presParOf" srcId="{91BDF96F-BB99-44E3-B8EC-345BC139D845}" destId="{E318FEC7-795C-4EF8-A933-17C00F0AC780}" srcOrd="12" destOrd="0" presId="urn:microsoft.com/office/officeart/2005/8/layout/process1"/>
+    <dgm:cxn modelId="{2F64006D-D2B8-4314-81D8-D37A6CFDE71B}" type="presParOf" srcId="{91BDF96F-BB99-44E3-B8EC-345BC139D845}" destId="{9FC9AF0E-8FBA-4682-A09B-E9FBB9A1A48D}" srcOrd="13" destOrd="0" presId="urn:microsoft.com/office/officeart/2005/8/layout/process1"/>
+    <dgm:cxn modelId="{EE7A042F-5587-4364-8390-3A355913AB5E}" type="presParOf" srcId="{9FC9AF0E-8FBA-4682-A09B-E9FBB9A1A48D}" destId="{E25EA83E-DE91-429A-8A2B-8B124697F6DE}" srcOrd="0" destOrd="0" presId="urn:microsoft.com/office/officeart/2005/8/layout/process1"/>
+    <dgm:cxn modelId="{8DCB6572-2882-4D03-BDC7-38F5C34F3961}" type="presParOf" srcId="{91BDF96F-BB99-44E3-B8EC-345BC139D845}" destId="{BFCF5256-D389-47EA-8D10-AF8317C3B6E7}" srcOrd="14" destOrd="0" presId="urn:microsoft.com/office/officeart/2005/8/layout/process1"/>
+  </dgm:cxnLst>
+  <dgm:bg/>
+  <dgm:whole/>
+  <dgm:extLst>
+    <a:ext uri="http://schemas.microsoft.com/office/drawing/2008/diagram">
+      <dsp:dataModelExt xmlns:dsp="http://schemas.microsoft.com/office/drawing/2008/diagram" relId="rId6" minVer="http://schemas.openxmlformats.org/drawingml/2006/diagram"/>
+    </a:ext>
+  </dgm:extLst>
+</dgm:dataModel>
+</file>
+
+<file path=ppt/diagrams/drawing1.xml><?xml version="1.0" encoding="utf-8"?>
+<dsp:drawing xmlns:dgm="http://schemas.openxmlformats.org/drawingml/2006/diagram" xmlns:dsp="http://schemas.microsoft.com/office/drawing/2008/diagram" xmlns:a="http://schemas.openxmlformats.org/drawingml/2006/main">
+  <dsp:spTree>
+    <dsp:nvGrpSpPr>
+      <dsp:cNvPr id="0" name=""/>
+      <dsp:cNvGrpSpPr/>
+    </dsp:nvGrpSpPr>
+    <dsp:grpSpPr/>
+    <dsp:sp modelId="{099DBDD9-F31C-47D6-B6CD-6D7251FC86EC}">
+      <dsp:nvSpPr>
+        <dsp:cNvPr id="0" name=""/>
+        <dsp:cNvSpPr/>
+      </dsp:nvSpPr>
+      <dsp:spPr>
+        <a:xfrm>
+          <a:off x="924938" y="2203443"/>
+          <a:ext cx="752078" cy="1011780"/>
+        </a:xfrm>
+        <a:prstGeom prst="roundRect">
+          <a:avLst>
+            <a:gd name="adj" fmla="val 10000"/>
+          </a:avLst>
+        </a:prstGeom>
+        <a:solidFill>
+          <a:schemeClr val="accent1">
+            <a:hueOff val="0"/>
+            <a:satOff val="0"/>
+            <a:lumOff val="0"/>
+            <a:alphaOff val="0"/>
+          </a:schemeClr>
+        </a:solidFill>
+        <a:ln w="12700" cap="flat" cmpd="sng" algn="ctr">
+          <a:solidFill>
+            <a:schemeClr val="lt1">
+              <a:hueOff val="0"/>
+              <a:satOff val="0"/>
+              <a:lumOff val="0"/>
+              <a:alphaOff val="0"/>
+            </a:schemeClr>
+          </a:solidFill>
+          <a:prstDash val="solid"/>
+          <a:miter lim="800000"/>
+        </a:ln>
+        <a:effectLst/>
+      </dsp:spPr>
+      <dsp:style>
+        <a:lnRef idx="2">
+          <a:scrgbClr r="0" g="0" b="0"/>
+        </a:lnRef>
+        <a:fillRef idx="1">
+          <a:scrgbClr r="0" g="0" b="0"/>
+        </a:fillRef>
+        <a:effectRef idx="0">
+          <a:scrgbClr r="0" g="0" b="0"/>
+        </a:effectRef>
+        <a:fontRef idx="minor">
+          <a:schemeClr val="lt1"/>
+        </a:fontRef>
+      </dsp:style>
+      <dsp:txBody>
+        <a:bodyPr spcFirstLastPara="0" vert="horz" wrap="square" lIns="30480" tIns="30480" rIns="30480" bIns="30480" numCol="1" spcCol="1270" anchor="ctr" anchorCtr="0">
+          <a:noAutofit/>
+        </a:bodyPr>
+        <a:lstStyle/>
+        <a:p>
+          <a:pPr lvl="0" algn="ctr" defTabSz="355600">
+            <a:lnSpc>
+              <a:spcPct val="90000"/>
+            </a:lnSpc>
+            <a:spcBef>
+              <a:spcPct val="0"/>
+            </a:spcBef>
+            <a:spcAft>
+              <a:spcPct val="35000"/>
+            </a:spcAft>
+          </a:pPr>
+          <a:r>
+            <a:rPr lang="en-US" sz="800" kern="1200" dirty="0" smtClean="0"/>
+            <a:t>At each time step:</a:t>
+          </a:r>
+          <a:endParaRPr lang="en-US" sz="800" kern="1200" dirty="0"/>
+        </a:p>
+      </dsp:txBody>
+      <dsp:txXfrm>
+        <a:off x="946966" y="2225471"/>
+        <a:ext cx="708022" cy="967724"/>
+      </dsp:txXfrm>
+    </dsp:sp>
+    <dsp:sp modelId="{561026EE-1036-47FD-B55E-2D9CD55AE537}">
+      <dsp:nvSpPr>
+        <dsp:cNvPr id="0" name=""/>
+        <dsp:cNvSpPr/>
+      </dsp:nvSpPr>
+      <dsp:spPr>
+        <a:xfrm>
+          <a:off x="1752224" y="2616075"/>
+          <a:ext cx="159440" cy="186515"/>
+        </a:xfrm>
+        <a:prstGeom prst="rightArrow">
+          <a:avLst>
+            <a:gd name="adj1" fmla="val 60000"/>
+            <a:gd name="adj2" fmla="val 50000"/>
+          </a:avLst>
+        </a:prstGeom>
+        <a:solidFill>
+          <a:schemeClr val="accent1">
+            <a:tint val="60000"/>
+            <a:hueOff val="0"/>
+            <a:satOff val="0"/>
+            <a:lumOff val="0"/>
+            <a:alphaOff val="0"/>
+          </a:schemeClr>
+        </a:solidFill>
+        <a:ln>
+          <a:noFill/>
+        </a:ln>
+        <a:effectLst/>
+      </dsp:spPr>
+      <dsp:style>
+        <a:lnRef idx="0">
+          <a:scrgbClr r="0" g="0" b="0"/>
+        </a:lnRef>
+        <a:fillRef idx="1">
+          <a:scrgbClr r="0" g="0" b="0"/>
+        </a:fillRef>
+        <a:effectRef idx="0">
+          <a:scrgbClr r="0" g="0" b="0"/>
+        </a:effectRef>
+        <a:fontRef idx="minor">
+          <a:schemeClr val="lt1"/>
+        </a:fontRef>
+      </dsp:style>
+      <dsp:txBody>
+        <a:bodyPr spcFirstLastPara="0" vert="horz" wrap="square" lIns="0" tIns="0" rIns="0" bIns="0" numCol="1" spcCol="1270" anchor="ctr" anchorCtr="0">
+          <a:noAutofit/>
+        </a:bodyPr>
+        <a:lstStyle/>
+        <a:p>
+          <a:pPr lvl="0" algn="ctr" defTabSz="311150">
+            <a:lnSpc>
+              <a:spcPct val="90000"/>
+            </a:lnSpc>
+            <a:spcBef>
+              <a:spcPct val="0"/>
+            </a:spcBef>
+            <a:spcAft>
+              <a:spcPct val="35000"/>
+            </a:spcAft>
+          </a:pPr>
+          <a:endParaRPr lang="en-US" sz="700" kern="1200"/>
+        </a:p>
+      </dsp:txBody>
+      <dsp:txXfrm>
+        <a:off x="1752224" y="2653378"/>
+        <a:ext cx="111608" cy="111909"/>
+      </dsp:txXfrm>
+    </dsp:sp>
+    <dsp:sp modelId="{C5E93903-E9F9-4B69-AA38-970E6CAF0888}">
+      <dsp:nvSpPr>
+        <dsp:cNvPr id="0" name=""/>
+        <dsp:cNvSpPr/>
+      </dsp:nvSpPr>
+      <dsp:spPr>
+        <a:xfrm>
+          <a:off x="1977848" y="2203443"/>
+          <a:ext cx="752078" cy="1011780"/>
+        </a:xfrm>
+        <a:prstGeom prst="roundRect">
+          <a:avLst>
+            <a:gd name="adj" fmla="val 10000"/>
+          </a:avLst>
+        </a:prstGeom>
+        <a:solidFill>
+          <a:schemeClr val="accent1">
+            <a:hueOff val="0"/>
+            <a:satOff val="0"/>
+            <a:lumOff val="0"/>
+            <a:alphaOff val="0"/>
+          </a:schemeClr>
+        </a:solidFill>
+        <a:ln w="12700" cap="flat" cmpd="sng" algn="ctr">
+          <a:solidFill>
+            <a:schemeClr val="lt1">
+              <a:hueOff val="0"/>
+              <a:satOff val="0"/>
+              <a:lumOff val="0"/>
+              <a:alphaOff val="0"/>
+            </a:schemeClr>
+          </a:solidFill>
+          <a:prstDash val="solid"/>
+          <a:miter lim="800000"/>
+        </a:ln>
+        <a:effectLst/>
+      </dsp:spPr>
+      <dsp:style>
+        <a:lnRef idx="2">
+          <a:scrgbClr r="0" g="0" b="0"/>
+        </a:lnRef>
+        <a:fillRef idx="1">
+          <a:scrgbClr r="0" g="0" b="0"/>
+        </a:fillRef>
+        <a:effectRef idx="0">
+          <a:scrgbClr r="0" g="0" b="0"/>
+        </a:effectRef>
+        <a:fontRef idx="minor">
+          <a:schemeClr val="lt1"/>
+        </a:fontRef>
+      </dsp:style>
+      <dsp:txBody>
+        <a:bodyPr spcFirstLastPara="0" vert="horz" wrap="square" lIns="30480" tIns="30480" rIns="30480" bIns="30480" numCol="1" spcCol="1270" anchor="ctr" anchorCtr="0">
+          <a:noAutofit/>
+        </a:bodyPr>
+        <a:lstStyle/>
+        <a:p>
+          <a:pPr lvl="0" algn="ctr" defTabSz="355600">
+            <a:lnSpc>
+              <a:spcPct val="90000"/>
+            </a:lnSpc>
+            <a:spcBef>
+              <a:spcPct val="0"/>
+            </a:spcBef>
+            <a:spcAft>
+              <a:spcPct val="35000"/>
+            </a:spcAft>
+          </a:pPr>
+          <a:r>
+            <a:rPr lang="en-US" sz="800" kern="1200" dirty="0" smtClean="0"/>
+            <a:t>Estimate number of storms per year</a:t>
+          </a:r>
+          <a:endParaRPr lang="en-US" sz="800" kern="1200" dirty="0"/>
+        </a:p>
+      </dsp:txBody>
+      <dsp:txXfrm>
+        <a:off x="1999876" y="2225471"/>
+        <a:ext cx="708022" cy="967724"/>
+      </dsp:txXfrm>
+    </dsp:sp>
+    <dsp:sp modelId="{3908A217-5655-484D-B9CF-54DDFEDA7F6C}">
+      <dsp:nvSpPr>
+        <dsp:cNvPr id="0" name=""/>
+        <dsp:cNvSpPr/>
+      </dsp:nvSpPr>
+      <dsp:spPr>
+        <a:xfrm>
+          <a:off x="2805134" y="2616075"/>
+          <a:ext cx="159440" cy="186515"/>
+        </a:xfrm>
+        <a:prstGeom prst="rightArrow">
+          <a:avLst>
+            <a:gd name="adj1" fmla="val 60000"/>
+            <a:gd name="adj2" fmla="val 50000"/>
+          </a:avLst>
+        </a:prstGeom>
+        <a:solidFill>
+          <a:schemeClr val="accent1">
+            <a:tint val="60000"/>
+            <a:hueOff val="0"/>
+            <a:satOff val="0"/>
+            <a:lumOff val="0"/>
+            <a:alphaOff val="0"/>
+          </a:schemeClr>
+        </a:solidFill>
+        <a:ln>
+          <a:noFill/>
+        </a:ln>
+        <a:effectLst/>
+      </dsp:spPr>
+      <dsp:style>
+        <a:lnRef idx="0">
+          <a:scrgbClr r="0" g="0" b="0"/>
+        </a:lnRef>
+        <a:fillRef idx="1">
+          <a:scrgbClr r="0" g="0" b="0"/>
+        </a:fillRef>
+        <a:effectRef idx="0">
+          <a:scrgbClr r="0" g="0" b="0"/>
+        </a:effectRef>
+        <a:fontRef idx="minor">
+          <a:schemeClr val="lt1"/>
+        </a:fontRef>
+      </dsp:style>
+      <dsp:txBody>
+        <a:bodyPr spcFirstLastPara="0" vert="horz" wrap="square" lIns="0" tIns="0" rIns="0" bIns="0" numCol="1" spcCol="1270" anchor="ctr" anchorCtr="0">
+          <a:noAutofit/>
+        </a:bodyPr>
+        <a:lstStyle/>
+        <a:p>
+          <a:pPr lvl="0" algn="ctr" defTabSz="311150">
+            <a:lnSpc>
+              <a:spcPct val="90000"/>
+            </a:lnSpc>
+            <a:spcBef>
+              <a:spcPct val="0"/>
+            </a:spcBef>
+            <a:spcAft>
+              <a:spcPct val="35000"/>
+            </a:spcAft>
+          </a:pPr>
+          <a:endParaRPr lang="en-US" sz="700" kern="1200"/>
+        </a:p>
+      </dsp:txBody>
+      <dsp:txXfrm>
+        <a:off x="2805134" y="2653378"/>
+        <a:ext cx="111608" cy="111909"/>
+      </dsp:txXfrm>
+    </dsp:sp>
+    <dsp:sp modelId="{07A77192-2205-470C-B71D-9F8E95921F13}">
+      <dsp:nvSpPr>
+        <dsp:cNvPr id="0" name=""/>
+        <dsp:cNvSpPr/>
+      </dsp:nvSpPr>
+      <dsp:spPr>
+        <a:xfrm>
+          <a:off x="3030757" y="2203443"/>
+          <a:ext cx="752078" cy="1011780"/>
+        </a:xfrm>
+        <a:prstGeom prst="roundRect">
+          <a:avLst>
+            <a:gd name="adj" fmla="val 10000"/>
+          </a:avLst>
+        </a:prstGeom>
+        <a:solidFill>
+          <a:schemeClr val="accent1">
+            <a:hueOff val="0"/>
+            <a:satOff val="0"/>
+            <a:lumOff val="0"/>
+            <a:alphaOff val="0"/>
+          </a:schemeClr>
+        </a:solidFill>
+        <a:ln w="12700" cap="flat" cmpd="sng" algn="ctr">
+          <a:solidFill>
+            <a:schemeClr val="lt1">
+              <a:hueOff val="0"/>
+              <a:satOff val="0"/>
+              <a:lumOff val="0"/>
+              <a:alphaOff val="0"/>
+            </a:schemeClr>
+          </a:solidFill>
+          <a:prstDash val="solid"/>
+          <a:miter lim="800000"/>
+        </a:ln>
+        <a:effectLst/>
+      </dsp:spPr>
+      <dsp:style>
+        <a:lnRef idx="2">
+          <a:scrgbClr r="0" g="0" b="0"/>
+        </a:lnRef>
+        <a:fillRef idx="1">
+          <a:scrgbClr r="0" g="0" b="0"/>
+        </a:fillRef>
+        <a:effectRef idx="0">
+          <a:scrgbClr r="0" g="0" b="0"/>
+        </a:effectRef>
+        <a:fontRef idx="minor">
+          <a:schemeClr val="lt1"/>
+        </a:fontRef>
+      </dsp:style>
+      <dsp:txBody>
+        <a:bodyPr spcFirstLastPara="0" vert="horz" wrap="square" lIns="30480" tIns="30480" rIns="30480" bIns="30480" numCol="1" spcCol="1270" anchor="ctr" anchorCtr="0">
+          <a:noAutofit/>
+        </a:bodyPr>
+        <a:lstStyle/>
+        <a:p>
+          <a:pPr lvl="0" algn="ctr" defTabSz="355600">
+            <a:lnSpc>
+              <a:spcPct val="90000"/>
+            </a:lnSpc>
+            <a:spcBef>
+              <a:spcPct val="0"/>
+            </a:spcBef>
+            <a:spcAft>
+              <a:spcPct val="35000"/>
+            </a:spcAft>
+          </a:pPr>
+          <a:r>
+            <a:rPr lang="en-US" sz="800" kern="1200" dirty="0" smtClean="0"/>
+            <a:t>For each storm, determine landfall location</a:t>
+          </a:r>
+          <a:endParaRPr lang="en-US" sz="800" kern="1200" dirty="0"/>
+        </a:p>
+      </dsp:txBody>
+      <dsp:txXfrm>
+        <a:off x="3052785" y="2225471"/>
+        <a:ext cx="708022" cy="967724"/>
+      </dsp:txXfrm>
+    </dsp:sp>
+    <dsp:sp modelId="{C0AEFF92-62F7-48CE-887C-373B24614F51}">
+      <dsp:nvSpPr>
+        <dsp:cNvPr id="0" name=""/>
+        <dsp:cNvSpPr/>
+      </dsp:nvSpPr>
+      <dsp:spPr>
+        <a:xfrm>
+          <a:off x="3858043" y="2616075"/>
+          <a:ext cx="159440" cy="186515"/>
+        </a:xfrm>
+        <a:prstGeom prst="rightArrow">
+          <a:avLst>
+            <a:gd name="adj1" fmla="val 60000"/>
+            <a:gd name="adj2" fmla="val 50000"/>
+          </a:avLst>
+        </a:prstGeom>
+        <a:solidFill>
+          <a:schemeClr val="accent1">
+            <a:tint val="60000"/>
+            <a:hueOff val="0"/>
+            <a:satOff val="0"/>
+            <a:lumOff val="0"/>
+            <a:alphaOff val="0"/>
+          </a:schemeClr>
+        </a:solidFill>
+        <a:ln>
+          <a:noFill/>
+        </a:ln>
+        <a:effectLst/>
+      </dsp:spPr>
+      <dsp:style>
+        <a:lnRef idx="0">
+          <a:scrgbClr r="0" g="0" b="0"/>
+        </a:lnRef>
+        <a:fillRef idx="1">
+          <a:scrgbClr r="0" g="0" b="0"/>
+        </a:fillRef>
+        <a:effectRef idx="0">
+          <a:scrgbClr r="0" g="0" b="0"/>
+        </a:effectRef>
+        <a:fontRef idx="minor">
+          <a:schemeClr val="lt1"/>
+        </a:fontRef>
+      </dsp:style>
+      <dsp:txBody>
+        <a:bodyPr spcFirstLastPara="0" vert="horz" wrap="square" lIns="0" tIns="0" rIns="0" bIns="0" numCol="1" spcCol="1270" anchor="ctr" anchorCtr="0">
+          <a:noAutofit/>
+        </a:bodyPr>
+        <a:lstStyle/>
+        <a:p>
+          <a:pPr lvl="0" algn="ctr" defTabSz="311150">
+            <a:lnSpc>
+              <a:spcPct val="90000"/>
+            </a:lnSpc>
+            <a:spcBef>
+              <a:spcPct val="0"/>
+            </a:spcBef>
+            <a:spcAft>
+              <a:spcPct val="35000"/>
+            </a:spcAft>
+          </a:pPr>
+          <a:endParaRPr lang="en-US" sz="700" kern="1200"/>
+        </a:p>
+      </dsp:txBody>
+      <dsp:txXfrm>
+        <a:off x="3858043" y="2653378"/>
+        <a:ext cx="111608" cy="111909"/>
+      </dsp:txXfrm>
+    </dsp:sp>
+    <dsp:sp modelId="{7FFF52F4-146B-49ED-B20D-A3F38FD48C7F}">
+      <dsp:nvSpPr>
+        <dsp:cNvPr id="0" name=""/>
+        <dsp:cNvSpPr/>
+      </dsp:nvSpPr>
+      <dsp:spPr>
+        <a:xfrm>
+          <a:off x="4083666" y="2203443"/>
+          <a:ext cx="752078" cy="1011780"/>
+        </a:xfrm>
+        <a:prstGeom prst="roundRect">
+          <a:avLst>
+            <a:gd name="adj" fmla="val 10000"/>
+          </a:avLst>
+        </a:prstGeom>
+        <a:solidFill>
+          <a:schemeClr val="accent1">
+            <a:hueOff val="0"/>
+            <a:satOff val="0"/>
+            <a:lumOff val="0"/>
+            <a:alphaOff val="0"/>
+          </a:schemeClr>
+        </a:solidFill>
+        <a:ln w="12700" cap="flat" cmpd="sng" algn="ctr">
+          <a:solidFill>
+            <a:schemeClr val="lt1">
+              <a:hueOff val="0"/>
+              <a:satOff val="0"/>
+              <a:lumOff val="0"/>
+              <a:alphaOff val="0"/>
+            </a:schemeClr>
+          </a:solidFill>
+          <a:prstDash val="solid"/>
+          <a:miter lim="800000"/>
+        </a:ln>
+        <a:effectLst/>
+      </dsp:spPr>
+      <dsp:style>
+        <a:lnRef idx="2">
+          <a:scrgbClr r="0" g="0" b="0"/>
+        </a:lnRef>
+        <a:fillRef idx="1">
+          <a:scrgbClr r="0" g="0" b="0"/>
+        </a:fillRef>
+        <a:effectRef idx="0">
+          <a:scrgbClr r="0" g="0" b="0"/>
+        </a:effectRef>
+        <a:fontRef idx="minor">
+          <a:schemeClr val="lt1"/>
+        </a:fontRef>
+      </dsp:style>
+      <dsp:txBody>
+        <a:bodyPr spcFirstLastPara="0" vert="horz" wrap="square" lIns="30480" tIns="30480" rIns="30480" bIns="30480" numCol="1" spcCol="1270" anchor="ctr" anchorCtr="0">
+          <a:noAutofit/>
+        </a:bodyPr>
+        <a:lstStyle/>
+        <a:p>
+          <a:pPr lvl="0" algn="ctr" defTabSz="355600">
+            <a:lnSpc>
+              <a:spcPct val="90000"/>
+            </a:lnSpc>
+            <a:spcBef>
+              <a:spcPct val="0"/>
+            </a:spcBef>
+            <a:spcAft>
+              <a:spcPct val="35000"/>
+            </a:spcAft>
+          </a:pPr>
+          <a:r>
+            <a:rPr lang="en-US" sz="800" kern="1200" dirty="0" smtClean="0"/>
+            <a:t>For each storm, determine storm track</a:t>
+          </a:r>
+          <a:endParaRPr lang="en-US" sz="800" kern="1200" dirty="0"/>
+        </a:p>
+      </dsp:txBody>
+      <dsp:txXfrm>
+        <a:off x="4105694" y="2225471"/>
+        <a:ext cx="708022" cy="967724"/>
+      </dsp:txXfrm>
+    </dsp:sp>
+    <dsp:sp modelId="{8AAEA2DC-C596-45B6-8914-BFF073B75E8D}">
+      <dsp:nvSpPr>
+        <dsp:cNvPr id="0" name=""/>
+        <dsp:cNvSpPr/>
+      </dsp:nvSpPr>
+      <dsp:spPr>
+        <a:xfrm rot="5404248">
+          <a:off x="4359591" y="3314849"/>
+          <a:ext cx="198501" cy="186515"/>
+        </a:xfrm>
+        <a:prstGeom prst="rightArrow">
+          <a:avLst>
+            <a:gd name="adj1" fmla="val 60000"/>
+            <a:gd name="adj2" fmla="val 50000"/>
+          </a:avLst>
+        </a:prstGeom>
+        <a:solidFill>
+          <a:schemeClr val="accent1">
+            <a:tint val="60000"/>
+            <a:hueOff val="0"/>
+            <a:satOff val="0"/>
+            <a:lumOff val="0"/>
+            <a:alphaOff val="0"/>
+          </a:schemeClr>
+        </a:solidFill>
+        <a:ln>
+          <a:noFill/>
+        </a:ln>
+        <a:effectLst/>
+      </dsp:spPr>
+      <dsp:style>
+        <a:lnRef idx="0">
+          <a:scrgbClr r="0" g="0" b="0"/>
+        </a:lnRef>
+        <a:fillRef idx="1">
+          <a:scrgbClr r="0" g="0" b="0"/>
+        </a:fillRef>
+        <a:effectRef idx="0">
+          <a:scrgbClr r="0" g="0" b="0"/>
+        </a:effectRef>
+        <a:fontRef idx="minor">
+          <a:schemeClr val="lt1"/>
+        </a:fontRef>
+      </dsp:style>
+      <dsp:txBody>
+        <a:bodyPr spcFirstLastPara="0" vert="horz" wrap="square" lIns="0" tIns="0" rIns="0" bIns="0" numCol="1" spcCol="1270" anchor="ctr" anchorCtr="0">
+          <a:noAutofit/>
+        </a:bodyPr>
+        <a:lstStyle/>
+        <a:p>
+          <a:pPr lvl="0" algn="ctr" defTabSz="311150">
+            <a:lnSpc>
+              <a:spcPct val="90000"/>
+            </a:lnSpc>
+            <a:spcBef>
+              <a:spcPct val="0"/>
+            </a:spcBef>
+            <a:spcAft>
+              <a:spcPct val="35000"/>
+            </a:spcAft>
+          </a:pPr>
+          <a:endParaRPr lang="en-US" sz="700" kern="1200"/>
+        </a:p>
+      </dsp:txBody>
+      <dsp:txXfrm rot="10800000">
+        <a:off x="4387603" y="3324175"/>
+        <a:ext cx="142547" cy="111909"/>
+      </dsp:txXfrm>
+    </dsp:sp>
+    <dsp:sp modelId="{E6539BB4-4D6D-4E5D-B1FD-39EB1C939A8C}">
+      <dsp:nvSpPr>
+        <dsp:cNvPr id="0" name=""/>
+        <dsp:cNvSpPr/>
+      </dsp:nvSpPr>
+      <dsp:spPr>
+        <a:xfrm>
+          <a:off x="4081953" y="3589754"/>
+          <a:ext cx="752078" cy="1011780"/>
+        </a:xfrm>
+        <a:prstGeom prst="roundRect">
+          <a:avLst>
+            <a:gd name="adj" fmla="val 10000"/>
+          </a:avLst>
+        </a:prstGeom>
+        <a:solidFill>
+          <a:schemeClr val="accent1">
+            <a:hueOff val="0"/>
+            <a:satOff val="0"/>
+            <a:lumOff val="0"/>
+            <a:alphaOff val="0"/>
+          </a:schemeClr>
+        </a:solidFill>
+        <a:ln w="12700" cap="flat" cmpd="sng" algn="ctr">
+          <a:solidFill>
+            <a:schemeClr val="lt1">
+              <a:hueOff val="0"/>
+              <a:satOff val="0"/>
+              <a:lumOff val="0"/>
+              <a:alphaOff val="0"/>
+            </a:schemeClr>
+          </a:solidFill>
+          <a:prstDash val="solid"/>
+          <a:miter lim="800000"/>
+        </a:ln>
+        <a:effectLst/>
+      </dsp:spPr>
+      <dsp:style>
+        <a:lnRef idx="2">
+          <a:scrgbClr r="0" g="0" b="0"/>
+        </a:lnRef>
+        <a:fillRef idx="1">
+          <a:scrgbClr r="0" g="0" b="0"/>
+        </a:fillRef>
+        <a:effectRef idx="0">
+          <a:scrgbClr r="0" g="0" b="0"/>
+        </a:effectRef>
+        <a:fontRef idx="minor">
+          <a:schemeClr val="lt1"/>
+        </a:fontRef>
+      </dsp:style>
+      <dsp:txBody>
+        <a:bodyPr spcFirstLastPara="0" vert="horz" wrap="square" lIns="30480" tIns="30480" rIns="30480" bIns="30480" numCol="1" spcCol="1270" anchor="ctr" anchorCtr="0">
+          <a:noAutofit/>
+        </a:bodyPr>
+        <a:lstStyle/>
+        <a:p>
+          <a:pPr lvl="0" algn="ctr" defTabSz="355600">
+            <a:lnSpc>
+              <a:spcPct val="90000"/>
+            </a:lnSpc>
+            <a:spcBef>
+              <a:spcPct val="0"/>
+            </a:spcBef>
+            <a:spcAft>
+              <a:spcPct val="35000"/>
+            </a:spcAft>
+          </a:pPr>
+          <a:r>
+            <a:rPr lang="en-US" sz="800" kern="1200" dirty="0" smtClean="0"/>
+            <a:t>For each storm, determine maximum wind speed at landfall</a:t>
+          </a:r>
+          <a:endParaRPr lang="en-US" sz="800" kern="1200" dirty="0"/>
+        </a:p>
+      </dsp:txBody>
+      <dsp:txXfrm>
+        <a:off x="4103981" y="3611782"/>
+        <a:ext cx="708022" cy="967724"/>
+      </dsp:txXfrm>
+    </dsp:sp>
+    <dsp:sp modelId="{EB1E7565-34D5-4EA9-8E08-3454C3FE4893}">
+      <dsp:nvSpPr>
+        <dsp:cNvPr id="0" name=""/>
+        <dsp:cNvSpPr/>
+      </dsp:nvSpPr>
+      <dsp:spPr>
+        <a:xfrm rot="10779756">
+          <a:off x="3835010" y="4005561"/>
+          <a:ext cx="167796" cy="186515"/>
+        </a:xfrm>
+        <a:prstGeom prst="rightArrow">
+          <a:avLst>
+            <a:gd name="adj1" fmla="val 60000"/>
+            <a:gd name="adj2" fmla="val 50000"/>
+          </a:avLst>
+        </a:prstGeom>
+        <a:solidFill>
+          <a:schemeClr val="accent1">
+            <a:tint val="60000"/>
+            <a:hueOff val="0"/>
+            <a:satOff val="0"/>
+            <a:lumOff val="0"/>
+            <a:alphaOff val="0"/>
+          </a:schemeClr>
+        </a:solidFill>
+        <a:ln>
+          <a:noFill/>
+        </a:ln>
+        <a:effectLst/>
+      </dsp:spPr>
+      <dsp:style>
+        <a:lnRef idx="0">
+          <a:scrgbClr r="0" g="0" b="0"/>
+        </a:lnRef>
+        <a:fillRef idx="1">
+          <a:scrgbClr r="0" g="0" b="0"/>
+        </a:fillRef>
+        <a:effectRef idx="0">
+          <a:scrgbClr r="0" g="0" b="0"/>
+        </a:effectRef>
+        <a:fontRef idx="minor">
+          <a:schemeClr val="lt1"/>
+        </a:fontRef>
+      </dsp:style>
+      <dsp:txBody>
+        <a:bodyPr spcFirstLastPara="0" vert="horz" wrap="square" lIns="0" tIns="0" rIns="0" bIns="0" numCol="1" spcCol="1270" anchor="ctr" anchorCtr="0">
+          <a:noAutofit/>
+        </a:bodyPr>
+        <a:lstStyle/>
+        <a:p>
+          <a:pPr lvl="0" algn="ctr" defTabSz="311150">
+            <a:lnSpc>
+              <a:spcPct val="90000"/>
+            </a:lnSpc>
+            <a:spcBef>
+              <a:spcPct val="0"/>
+            </a:spcBef>
+            <a:spcAft>
+              <a:spcPct val="35000"/>
+            </a:spcAft>
+          </a:pPr>
+          <a:endParaRPr lang="en-US" sz="700" kern="1200"/>
+        </a:p>
+      </dsp:txBody>
+      <dsp:txXfrm rot="10800000">
+        <a:off x="3885349" y="4042716"/>
+        <a:ext cx="117457" cy="111909"/>
+      </dsp:txXfrm>
+    </dsp:sp>
+    <dsp:sp modelId="{855DC811-56EA-4817-920C-700B1DE14FBA}">
+      <dsp:nvSpPr>
+        <dsp:cNvPr id="0" name=""/>
+        <dsp:cNvSpPr/>
+      </dsp:nvSpPr>
+      <dsp:spPr>
+        <a:xfrm>
+          <a:off x="3013283" y="3596047"/>
+          <a:ext cx="752078" cy="1011780"/>
+        </a:xfrm>
+        <a:prstGeom prst="roundRect">
+          <a:avLst>
+            <a:gd name="adj" fmla="val 10000"/>
+          </a:avLst>
+        </a:prstGeom>
+        <a:solidFill>
+          <a:schemeClr val="accent1">
+            <a:hueOff val="0"/>
+            <a:satOff val="0"/>
+            <a:lumOff val="0"/>
+            <a:alphaOff val="0"/>
+          </a:schemeClr>
+        </a:solidFill>
+        <a:ln w="12700" cap="flat" cmpd="sng" algn="ctr">
+          <a:solidFill>
+            <a:schemeClr val="lt1">
+              <a:hueOff val="0"/>
+              <a:satOff val="0"/>
+              <a:lumOff val="0"/>
+              <a:alphaOff val="0"/>
+            </a:schemeClr>
+          </a:solidFill>
+          <a:prstDash val="solid"/>
+          <a:miter lim="800000"/>
+        </a:ln>
+        <a:effectLst/>
+      </dsp:spPr>
+      <dsp:style>
+        <a:lnRef idx="2">
+          <a:scrgbClr r="0" g="0" b="0"/>
+        </a:lnRef>
+        <a:fillRef idx="1">
+          <a:scrgbClr r="0" g="0" b="0"/>
+        </a:fillRef>
+        <a:effectRef idx="0">
+          <a:scrgbClr r="0" g="0" b="0"/>
+        </a:effectRef>
+        <a:fontRef idx="minor">
+          <a:schemeClr val="lt1"/>
+        </a:fontRef>
+      </dsp:style>
+      <dsp:txBody>
+        <a:bodyPr spcFirstLastPara="0" vert="horz" wrap="square" lIns="30480" tIns="30480" rIns="30480" bIns="30480" numCol="1" spcCol="1270" anchor="ctr" anchorCtr="0">
+          <a:noAutofit/>
+        </a:bodyPr>
+        <a:lstStyle/>
+        <a:p>
+          <a:pPr lvl="0" algn="ctr" defTabSz="355600">
+            <a:lnSpc>
+              <a:spcPct val="90000"/>
+            </a:lnSpc>
+            <a:spcBef>
+              <a:spcPct val="0"/>
+            </a:spcBef>
+            <a:spcAft>
+              <a:spcPct val="35000"/>
+            </a:spcAft>
+          </a:pPr>
+          <a:r>
+            <a:rPr lang="en-US" sz="800" kern="1200" dirty="0" smtClean="0"/>
+            <a:t>Calculate wind field for the study area, given maximum wind speed at landfall and storm track</a:t>
+          </a:r>
+          <a:endParaRPr lang="en-US" sz="800" kern="1200" dirty="0"/>
+        </a:p>
+      </dsp:txBody>
+      <dsp:txXfrm>
+        <a:off x="3035311" y="3618075"/>
+        <a:ext cx="708022" cy="967724"/>
+      </dsp:txXfrm>
+    </dsp:sp>
+    <dsp:sp modelId="{528C7544-23DC-43D8-90F1-7ECA7BF36F17}">
+      <dsp:nvSpPr>
+        <dsp:cNvPr id="0" name=""/>
+        <dsp:cNvSpPr/>
+      </dsp:nvSpPr>
+      <dsp:spPr>
+        <a:xfrm rot="10764509">
+          <a:off x="2794988" y="4014050"/>
+          <a:ext cx="148333" cy="186515"/>
+        </a:xfrm>
+        <a:prstGeom prst="rightArrow">
+          <a:avLst>
+            <a:gd name="adj1" fmla="val 60000"/>
+            <a:gd name="adj2" fmla="val 50000"/>
+          </a:avLst>
+        </a:prstGeom>
+        <a:solidFill>
+          <a:schemeClr val="accent1">
+            <a:tint val="60000"/>
+            <a:hueOff val="0"/>
+            <a:satOff val="0"/>
+            <a:lumOff val="0"/>
+            <a:alphaOff val="0"/>
+          </a:schemeClr>
+        </a:solidFill>
+        <a:ln>
+          <a:noFill/>
+        </a:ln>
+        <a:effectLst/>
+      </dsp:spPr>
+      <dsp:style>
+        <a:lnRef idx="0">
+          <a:scrgbClr r="0" g="0" b="0"/>
+        </a:lnRef>
+        <a:fillRef idx="1">
+          <a:scrgbClr r="0" g="0" b="0"/>
+        </a:fillRef>
+        <a:effectRef idx="0">
+          <a:scrgbClr r="0" g="0" b="0"/>
+        </a:effectRef>
+        <a:fontRef idx="minor">
+          <a:schemeClr val="lt1"/>
+        </a:fontRef>
+      </dsp:style>
+      <dsp:txBody>
+        <a:bodyPr spcFirstLastPara="0" vert="horz" wrap="square" lIns="0" tIns="0" rIns="0" bIns="0" numCol="1" spcCol="1270" anchor="ctr" anchorCtr="0">
+          <a:noAutofit/>
+        </a:bodyPr>
+        <a:lstStyle/>
+        <a:p>
+          <a:pPr lvl="0" algn="ctr" defTabSz="311150">
+            <a:lnSpc>
+              <a:spcPct val="90000"/>
+            </a:lnSpc>
+            <a:spcBef>
+              <a:spcPct val="0"/>
+            </a:spcBef>
+            <a:spcAft>
+              <a:spcPct val="35000"/>
+            </a:spcAft>
+          </a:pPr>
+          <a:endParaRPr lang="en-US" sz="700" kern="1200"/>
+        </a:p>
+      </dsp:txBody>
+      <dsp:txXfrm rot="10800000">
+        <a:off x="2839487" y="4051123"/>
+        <a:ext cx="103833" cy="111909"/>
+      </dsp:txXfrm>
+    </dsp:sp>
+    <dsp:sp modelId="{E318FEC7-795C-4EF8-A933-17C00F0AC780}">
+      <dsp:nvSpPr>
+        <dsp:cNvPr id="0" name=""/>
+        <dsp:cNvSpPr/>
+      </dsp:nvSpPr>
+      <dsp:spPr>
+        <a:xfrm>
+          <a:off x="1981345" y="3606701"/>
+          <a:ext cx="752078" cy="1011780"/>
+        </a:xfrm>
+        <a:prstGeom prst="roundRect">
+          <a:avLst>
+            <a:gd name="adj" fmla="val 10000"/>
+          </a:avLst>
+        </a:prstGeom>
+        <a:solidFill>
+          <a:schemeClr val="accent1">
+            <a:hueOff val="0"/>
+            <a:satOff val="0"/>
+            <a:lumOff val="0"/>
+            <a:alphaOff val="0"/>
+          </a:schemeClr>
+        </a:solidFill>
+        <a:ln w="12700" cap="flat" cmpd="sng" algn="ctr">
+          <a:solidFill>
+            <a:schemeClr val="lt1">
+              <a:hueOff val="0"/>
+              <a:satOff val="0"/>
+              <a:lumOff val="0"/>
+              <a:alphaOff val="0"/>
+            </a:schemeClr>
+          </a:solidFill>
+          <a:prstDash val="solid"/>
+          <a:miter lim="800000"/>
+        </a:ln>
+        <a:effectLst/>
+      </dsp:spPr>
+      <dsp:style>
+        <a:lnRef idx="2">
+          <a:scrgbClr r="0" g="0" b="0"/>
+        </a:lnRef>
+        <a:fillRef idx="1">
+          <a:scrgbClr r="0" g="0" b="0"/>
+        </a:fillRef>
+        <a:effectRef idx="0">
+          <a:scrgbClr r="0" g="0" b="0"/>
+        </a:effectRef>
+        <a:fontRef idx="minor">
+          <a:schemeClr val="lt1"/>
+        </a:fontRef>
+      </dsp:style>
+      <dsp:txBody>
+        <a:bodyPr spcFirstLastPara="0" vert="horz" wrap="square" lIns="30480" tIns="30480" rIns="30480" bIns="30480" numCol="1" spcCol="1270" anchor="ctr" anchorCtr="0">
+          <a:noAutofit/>
+        </a:bodyPr>
+        <a:lstStyle/>
+        <a:p>
+          <a:pPr lvl="0" algn="ctr" defTabSz="355600">
+            <a:lnSpc>
+              <a:spcPct val="90000"/>
+            </a:lnSpc>
+            <a:spcBef>
+              <a:spcPct val="0"/>
+            </a:spcBef>
+            <a:spcAft>
+              <a:spcPct val="35000"/>
+            </a:spcAft>
+          </a:pPr>
+          <a:r>
+            <a:rPr lang="en-US" sz="800" kern="1200" dirty="0" smtClean="0"/>
+            <a:t>Adjust cell-level wind speed dependent on wind exposure</a:t>
+          </a:r>
+          <a:endParaRPr lang="en-US" sz="800" kern="1200" dirty="0"/>
+        </a:p>
+      </dsp:txBody>
+      <dsp:txXfrm>
+        <a:off x="2003373" y="3628729"/>
+        <a:ext cx="708022" cy="967724"/>
+      </dsp:txXfrm>
+    </dsp:sp>
+    <dsp:sp modelId="{9FC9AF0E-8FBA-4682-A09B-E9FBB9A1A48D}">
+      <dsp:nvSpPr>
+        <dsp:cNvPr id="0" name=""/>
+        <dsp:cNvSpPr/>
+      </dsp:nvSpPr>
+      <dsp:spPr>
+        <a:xfrm rot="10793462">
+          <a:off x="1771250" y="4020312"/>
+          <a:ext cx="142756" cy="186515"/>
+        </a:xfrm>
+        <a:prstGeom prst="rightArrow">
+          <a:avLst>
+            <a:gd name="adj1" fmla="val 60000"/>
+            <a:gd name="adj2" fmla="val 50000"/>
+          </a:avLst>
+        </a:prstGeom>
+        <a:solidFill>
+          <a:schemeClr val="accent1">
+            <a:tint val="60000"/>
+            <a:hueOff val="0"/>
+            <a:satOff val="0"/>
+            <a:lumOff val="0"/>
+            <a:alphaOff val="0"/>
+          </a:schemeClr>
+        </a:solidFill>
+        <a:ln>
+          <a:noFill/>
+        </a:ln>
+        <a:effectLst/>
+      </dsp:spPr>
+      <dsp:style>
+        <a:lnRef idx="0">
+          <a:scrgbClr r="0" g="0" b="0"/>
+        </a:lnRef>
+        <a:fillRef idx="1">
+          <a:scrgbClr r="0" g="0" b="0"/>
+        </a:fillRef>
+        <a:effectRef idx="0">
+          <a:scrgbClr r="0" g="0" b="0"/>
+        </a:effectRef>
+        <a:fontRef idx="minor">
+          <a:schemeClr val="lt1"/>
+        </a:fontRef>
+      </dsp:style>
+      <dsp:txBody>
+        <a:bodyPr spcFirstLastPara="0" vert="horz" wrap="square" lIns="0" tIns="0" rIns="0" bIns="0" numCol="1" spcCol="1270" anchor="ctr" anchorCtr="0">
+          <a:noAutofit/>
+        </a:bodyPr>
+        <a:lstStyle/>
+        <a:p>
+          <a:pPr lvl="0" algn="ctr" defTabSz="311150">
+            <a:lnSpc>
+              <a:spcPct val="90000"/>
+            </a:lnSpc>
+            <a:spcBef>
+              <a:spcPct val="0"/>
+            </a:spcBef>
+            <a:spcAft>
+              <a:spcPct val="35000"/>
+            </a:spcAft>
+          </a:pPr>
+          <a:endParaRPr lang="en-US" sz="700" kern="1200"/>
+        </a:p>
+      </dsp:txBody>
+      <dsp:txXfrm rot="10800000">
+        <a:off x="1814077" y="4057574"/>
+        <a:ext cx="99929" cy="111909"/>
+      </dsp:txXfrm>
+    </dsp:sp>
+    <dsp:sp modelId="{BFCF5256-D389-47EA-8D10-AF8317C3B6E7}">
+      <dsp:nvSpPr>
+        <dsp:cNvPr id="0" name=""/>
+        <dsp:cNvSpPr/>
+      </dsp:nvSpPr>
+      <dsp:spPr>
+        <a:xfrm>
+          <a:off x="959914" y="3608644"/>
+          <a:ext cx="752078" cy="1011780"/>
+        </a:xfrm>
+        <a:prstGeom prst="roundRect">
+          <a:avLst>
+            <a:gd name="adj" fmla="val 10000"/>
+          </a:avLst>
+        </a:prstGeom>
+        <a:solidFill>
+          <a:schemeClr val="accent1">
+            <a:hueOff val="0"/>
+            <a:satOff val="0"/>
+            <a:lumOff val="0"/>
+            <a:alphaOff val="0"/>
+          </a:schemeClr>
+        </a:solidFill>
+        <a:ln w="12700" cap="flat" cmpd="sng" algn="ctr">
+          <a:solidFill>
+            <a:schemeClr val="lt1">
+              <a:hueOff val="0"/>
+              <a:satOff val="0"/>
+              <a:lumOff val="0"/>
+              <a:alphaOff val="0"/>
+            </a:schemeClr>
+          </a:solidFill>
+          <a:prstDash val="solid"/>
+          <a:miter lim="800000"/>
+        </a:ln>
+        <a:effectLst/>
+      </dsp:spPr>
+      <dsp:style>
+        <a:lnRef idx="2">
+          <a:scrgbClr r="0" g="0" b="0"/>
+        </a:lnRef>
+        <a:fillRef idx="1">
+          <a:scrgbClr r="0" g="0" b="0"/>
+        </a:fillRef>
+        <a:effectRef idx="0">
+          <a:scrgbClr r="0" g="0" b="0"/>
+        </a:effectRef>
+        <a:fontRef idx="minor">
+          <a:schemeClr val="lt1"/>
+        </a:fontRef>
+      </dsp:style>
+      <dsp:txBody>
+        <a:bodyPr spcFirstLastPara="0" vert="horz" wrap="square" lIns="30480" tIns="30480" rIns="30480" bIns="30480" numCol="1" spcCol="1270" anchor="ctr" anchorCtr="0">
+          <a:noAutofit/>
+        </a:bodyPr>
+        <a:lstStyle/>
+        <a:p>
+          <a:pPr lvl="0" algn="ctr" defTabSz="355600">
+            <a:lnSpc>
+              <a:spcPct val="90000"/>
+            </a:lnSpc>
+            <a:spcBef>
+              <a:spcPct val="0"/>
+            </a:spcBef>
+            <a:spcAft>
+              <a:spcPct val="35000"/>
+            </a:spcAft>
+          </a:pPr>
+          <a:r>
+            <a:rPr lang="en-US" sz="800" kern="1200" dirty="0" smtClean="0"/>
+            <a:t>For each active cell, determine cohort mortality as a function of cell level wind speed</a:t>
+          </a:r>
+          <a:endParaRPr lang="en-US" sz="800" kern="1200" dirty="0"/>
+        </a:p>
+      </dsp:txBody>
+      <dsp:txXfrm>
+        <a:off x="981942" y="3630672"/>
+        <a:ext cx="708022" cy="967724"/>
+      </dsp:txXfrm>
+    </dsp:sp>
+  </dsp:spTree>
+</dsp:drawing>
+</file>
+
+<file path=ppt/diagrams/layout1.xml><?xml version="1.0" encoding="utf-8"?>
+<dgm:layoutDef xmlns:dgm="http://schemas.openxmlformats.org/drawingml/2006/diagram" xmlns:a="http://schemas.openxmlformats.org/drawingml/2006/main" uniqueId="urn:microsoft.com/office/officeart/2005/8/layout/process1">
+  <dgm:title val=""/>
+  <dgm:desc val=""/>
+  <dgm:catLst>
+    <dgm:cat type="process" pri="1000"/>
+    <dgm:cat type="convert" pri="15000"/>
+  </dgm:catLst>
+  <dgm:sampData useDef="1">
+    <dgm:dataModel>
+      <dgm:ptLst/>
+      <dgm:bg/>
+      <dgm:whole/>
+    </dgm:dataModel>
+  </dgm:sampData>
+  <dgm:styleData>
+    <dgm:dataModel>
+      <dgm:ptLst>
+        <dgm:pt modelId="0" type="doc"/>
+        <dgm:pt modelId="1"/>
+        <dgm:pt modelId="2"/>
+      </dgm:ptLst>
+      <dgm:cxnLst>
+        <dgm:cxn modelId="3" srcId="0" destId="1" srcOrd="0" destOrd="0"/>
+        <dgm:cxn modelId="4" srcId="0" destId="2" srcOrd="1" destOrd="0"/>
+      </dgm:cxnLst>
+      <dgm:bg/>
+      <dgm:whole/>
+    </dgm:dataModel>
+  </dgm:styleData>
+  <dgm:clrData>
+    <dgm:dataModel>
+      <dgm:ptLst>
+        <dgm:pt modelId="0" type="doc"/>
+        <dgm:pt modelId="1"/>
+        <dgm:pt modelId="2"/>
+        <dgm:pt modelId="3"/>
+        <dgm:pt modelId="4"/>
+      </dgm:ptLst>
+      <dgm:cxnLst>
+        <dgm:cxn modelId="5" srcId="0" destId="1" srcOrd="0" destOrd="0"/>
+        <dgm:cxn modelId="6" srcId="0" destId="2" srcOrd="1" destOrd="0"/>
+        <dgm:cxn modelId="7" srcId="0" destId="3" srcOrd="2" destOrd="0"/>
+        <dgm:cxn modelId="8" srcId="0" destId="4" srcOrd="3" destOrd="0"/>
+      </dgm:cxnLst>
+      <dgm:bg/>
+      <dgm:whole/>
+    </dgm:dataModel>
+  </dgm:clrData>
+  <dgm:layoutNode name="Name0">
+    <dgm:varLst>
+      <dgm:dir/>
+      <dgm:resizeHandles val="exact"/>
+    </dgm:varLst>
+    <dgm:choose name="Name1">
+      <dgm:if name="Name2" func="var" arg="dir" op="equ" val="norm">
+        <dgm:alg type="lin"/>
+      </dgm:if>
+      <dgm:else name="Name3">
+        <dgm:alg type="lin">
+          <dgm:param type="linDir" val="fromR"/>
+        </dgm:alg>
+      </dgm:else>
+    </dgm:choose>
+    <dgm:shape xmlns:r="http://schemas.openxmlformats.org/officeDocument/2006/relationships" r:blip="">
+      <dgm:adjLst/>
+    </dgm:shape>
+    <dgm:presOf/>
+    <dgm:constrLst>
+      <dgm:constr type="w" for="ch" ptType="node" refType="w"/>
+      <dgm:constr type="h" for="ch" ptType="node" op="equ"/>
+      <dgm:constr type="primFontSz" for="ch" ptType="node" op="equ" val="65"/>
+      <dgm:constr type="w" for="ch" ptType="sibTrans" refType="w" refFor="ch" refPtType="node" op="equ" fact="0.4"/>
+      <dgm:constr type="h" for="ch" ptType="sibTrans" op="equ"/>
+      <dgm:constr type="primFontSz" for="des" forName="connectorText" op="equ" val="55"/>
+      <dgm:constr type="primFontSz" for="des" forName="connectorText" refType="primFontSz" refFor="ch" refPtType="node" op="lte" fact="0.8"/>
+    </dgm:constrLst>
+    <dgm:ruleLst/>
+    <dgm:forEach name="nodesForEach" axis="ch" ptType="node">
+      <dgm:layoutNode name="node">
+        <dgm:varLst>
+          <dgm:bulletEnabled val="1"/>
+        </dgm:varLst>
+        <dgm:alg type="tx"/>
+        <dgm:shape xmlns:r="http://schemas.openxmlformats.org/officeDocument/2006/relationships" type="roundRect" r:blip="">
+          <dgm:adjLst>
+            <dgm:adj idx="1" val="0.1"/>
+          </dgm:adjLst>
+        </dgm:shape>
+        <dgm:presOf axis="desOrSelf" ptType="node"/>
+        <dgm:constrLst>
+          <dgm:constr type="h" refType="w" fact="0.6"/>
+          <dgm:constr type="tMarg" refType="primFontSz" fact="0.3"/>
+          <dgm:constr type="bMarg" refType="primFontSz" fact="0.3"/>
+          <dgm:constr type="lMarg" refType="primFontSz" fact="0.3"/>
+          <dgm:constr type="rMarg" refType="primFontSz" fact="0.3"/>
+        </dgm:constrLst>
+        <dgm:ruleLst>
+          <dgm:rule type="primFontSz" val="18" fact="NaN" max="NaN"/>
+          <dgm:rule type="h" val="NaN" fact="1.5" max="NaN"/>
+          <dgm:rule type="primFontSz" val="5" fact="NaN" max="NaN"/>
+          <dgm:rule type="h" val="INF" fact="NaN" max="NaN"/>
+        </dgm:ruleLst>
+      </dgm:layoutNode>
+      <dgm:forEach name="sibTransForEach" axis="followSib" ptType="sibTrans" cnt="1">
+        <dgm:layoutNode name="sibTrans">
+          <dgm:alg type="conn">
+            <dgm:param type="begPts" val="auto"/>
+            <dgm:param type="endPts" val="auto"/>
+          </dgm:alg>
+          <dgm:shape xmlns:r="http://schemas.openxmlformats.org/officeDocument/2006/relationships" type="conn" r:blip="">
+            <dgm:adjLst/>
+          </dgm:shape>
+          <dgm:presOf axis="self"/>
+          <dgm:constrLst>
+            <dgm:constr type="h" refType="w" fact="0.62"/>
+            <dgm:constr type="connDist"/>
+            <dgm:constr type="begPad" refType="connDist" fact="0.25"/>
+            <dgm:constr type="endPad" refType="connDist" fact="0.22"/>
+          </dgm:constrLst>
+          <dgm:ruleLst/>
+          <dgm:layoutNode name="connectorText">
+            <dgm:alg type="tx">
+              <dgm:param type="autoTxRot" val="grav"/>
+            </dgm:alg>
+            <dgm:shape xmlns:r="http://schemas.openxmlformats.org/officeDocument/2006/relationships" type="conn" r:blip="" hideGeom="1">
+              <dgm:adjLst/>
+            </dgm:shape>
+            <dgm:presOf axis="self"/>
+            <dgm:constrLst>
+              <dgm:constr type="lMarg"/>
+              <dgm:constr type="rMarg"/>
+              <dgm:constr type="tMarg"/>
+              <dgm:constr type="bMarg"/>
+            </dgm:constrLst>
+            <dgm:ruleLst>
+              <dgm:rule type="primFontSz" val="5" fact="NaN" max="NaN"/>
+            </dgm:ruleLst>
+          </dgm:layoutNode>
+        </dgm:layoutNode>
+      </dgm:forEach>
+    </dgm:forEach>
+  </dgm:layoutNode>
+</dgm:layoutDef>
+</file>
+
+<file path=ppt/diagrams/quickStyle1.xml><?xml version="1.0" encoding="utf-8"?>
+<dgm:styleDef xmlns:dgm="http://schemas.openxmlformats.org/drawingml/2006/diagram" xmlns:a="http://schemas.openxmlformats.org/drawingml/2006/main" uniqueId="urn:microsoft.com/office/officeart/2005/8/quickstyle/simple1">
+  <dgm:title val=""/>
+  <dgm:desc val=""/>
+  <dgm:catLst>
+    <dgm:cat type="simple" pri="10100"/>
+  </dgm:catLst>
+  <dgm:scene3d>
+    <a:camera prst="orthographicFront"/>
+    <a:lightRig rig="threePt" dir="t"/>
+  </dgm:scene3d>
+  <dgm:styleLbl name="node0">
+    <dgm:scene3d>
+      <a:camera prst="orthographicFront"/>
+      <a:lightRig rig="threePt" dir="t"/>
+    </dgm:scene3d>
+    <dgm:sp3d/>
+    <dgm:txPr/>
+    <dgm:style>
+      <a:lnRef idx="2">
+        <a:scrgbClr r="0" g="0" b="0"/>
+      </a:lnRef>
+      <a:fillRef idx="1">
+        <a:scrgbClr r="0" g="0" b="0"/>
+      </a:fillRef>
+      <a:effectRef idx="0">
+        <a:scrgbClr r="0" g="0" b="0"/>
+      </a:effectRef>
+      <a:fontRef idx="minor">
+        <a:schemeClr val="lt1"/>
+      </a:fontRef>
+    </dgm:style>
+  </dgm:styleLbl>
+  <dgm:styleLbl name="lnNode1">
+    <dgm:scene3d>
+      <a:camera prst="orthographicFront"/>
+      <a:lightRig rig="threePt" dir="t"/>
+    </dgm:scene3d>
+    <dgm:sp3d/>
+    <dgm:txPr/>
+    <dgm:style>
+      <a:lnRef idx="2">
+        <a:scrgbClr r="0" g="0" b="0"/>
+      </a:lnRef>
+      <a:fillRef idx="1">
+        <a:scrgbClr r="0" g="0" b="0"/>
+      </a:fillRef>
+      <a:effectRef idx="0">
+        <a:scrgbClr r="0" g="0" b="0"/>
+      </a:effectRef>
+      <a:fontRef idx="minor">
+        <a:schemeClr val="lt1"/>
+      </a:fontRef>
+    </dgm:style>
+  </dgm:styleLbl>
+  <dgm:styleLbl name="vennNode1">
+    <dgm:scene3d>
+      <a:camera prst="orthographicFront"/>
+      <a:lightRig rig="threePt" dir="t"/>
+    </dgm:scene3d>
+    <dgm:sp3d/>
+    <dgm:txPr/>
+    <dgm:style>
+      <a:lnRef idx="2">
+        <a:scrgbClr r="0" g="0" b="0"/>
+      </a:lnRef>
+      <a:fillRef idx="1">
+        <a:scrgbClr r="0" g="0" b="0"/>
+      </a:fillRef>
+      <a:effectRef idx="0">
+        <a:scrgbClr r="0" g="0" b="0"/>
+      </a:effectRef>
+      <a:fontRef idx="minor">
+        <a:schemeClr val="tx1"/>
+      </a:fontRef>
+    </dgm:style>
+  </dgm:styleLbl>
+  <dgm:styleLbl name="alignNode1">
+    <dgm:scene3d>
+      <a:camera prst="orthographicFront"/>
+      <a:lightRig rig="threePt" dir="t"/>
+    </dgm:scene3d>
+    <dgm:sp3d/>
+    <dgm:txPr/>
+    <dgm:style>
+      <a:lnRef idx="2">
+        <a:scrgbClr r="0" g="0" b="0"/>
+      </a:lnRef>
+      <a:fillRef idx="1">
+        <a:scrgbClr r="0" g="0" b="0"/>
+      </a:fillRef>
+      <a:effectRef idx="0">
+        <a:scrgbClr r="0" g="0" b="0"/>
+      </a:effectRef>
+      <a:fontRef idx="minor">
+        <a:schemeClr val="lt1"/>
+      </a:fontRef>
+    </dgm:style>
+  </dgm:styleLbl>
+  <dgm:styleLbl name="node1">
+    <dgm:scene3d>
+      <a:camera prst="orthographicFront"/>
+      <a:lightRig rig="threePt" dir="t"/>
+    </dgm:scene3d>
+    <dgm:sp3d/>
+    <dgm:txPr/>
+    <dgm:style>
+      <a:lnRef idx="2">
+        <a:scrgbClr r="0" g="0" b="0"/>
+      </a:lnRef>
+      <a:fillRef idx="1">
+        <a:scrgbClr r="0" g="0" b="0"/>
+      </a:fillRef>
+      <a:effectRef idx="0">
+        <a:scrgbClr r="0" g="0" b="0"/>
+      </a:effectRef>
+      <a:fontRef idx="minor">
+        <a:schemeClr val="lt1"/>
+      </a:fontRef>
+    </dgm:style>
+  </dgm:styleLbl>
+  <dgm:styleLbl name="node2">
+    <dgm:scene3d>
+      <a:camera prst="orthographicFront"/>
+      <a:lightRig rig="threePt" dir="t"/>
+    </dgm:scene3d>
+    <dgm:sp3d/>
+    <dgm:txPr/>
+    <dgm:style>
+      <a:lnRef idx="2">
+        <a:scrgbClr r="0" g="0" b="0"/>
+      </a:lnRef>
+      <a:fillRef idx="1">
+        <a:scrgbClr r="0" g="0" b="0"/>
+      </a:fillRef>
+      <a:effectRef idx="0">
+        <a:scrgbClr r="0" g="0" b="0"/>
+      </a:effectRef>
+      <a:fontRef idx="minor">
+        <a:schemeClr val="lt1"/>
+      </a:fontRef>
+    </dgm:style>
+  </dgm:styleLbl>
+  <dgm:styleLbl name="node3">
+    <dgm:scene3d>
+      <a:camera prst="orthographicFront"/>
+      <a:lightRig rig="threePt" dir="t"/>
+    </dgm:scene3d>
+    <dgm:sp3d/>
+    <dgm:txPr/>
+    <dgm:style>
+      <a:lnRef idx="2">
+        <a:scrgbClr r="0" g="0" b="0"/>
+      </a:lnRef>
+      <a:fillRef idx="1">
+        <a:scrgbClr r="0" g="0" b="0"/>
+      </a:fillRef>
+      <a:effectRef idx="0">
+        <a:scrgbClr r="0" g="0" b="0"/>
+      </a:effectRef>
+      <a:fontRef idx="minor">
+        <a:schemeClr val="lt1"/>
+      </a:fontRef>
+    </dgm:style>
+  </dgm:styleLbl>
+  <dgm:styleLbl name="node4">
+    <dgm:scene3d>
+      <a:camera prst="orthographicFront"/>
+      <a:lightRig rig="threePt" dir="t"/>
+    </dgm:scene3d>
+    <dgm:sp3d/>
+    <dgm:txPr/>
+    <dgm:style>
+      <a:lnRef idx="2">
+        <a:scrgbClr r="0" g="0" b="0"/>
+      </a:lnRef>
+      <a:fillRef idx="1">
+        <a:scrgbClr r="0" g="0" b="0"/>
+      </a:fillRef>
+      <a:effectRef idx="0">
+        <a:scrgbClr r="0" g="0" b="0"/>
+      </a:effectRef>
+      <a:fontRef idx="minor">
+        <a:schemeClr val="lt1"/>
+      </a:fontRef>
+    </dgm:style>
+  </dgm:styleLbl>
+  <dgm:styleLbl name="fgImgPlace1">
+    <dgm:scene3d>
+      <a:camera prst="orthographicFront"/>
+      <a:lightRig rig="threePt" dir="t"/>
+    </dgm:scene3d>
+    <dgm:sp3d/>
+    <dgm:txPr/>
+    <dgm:style>
+      <a:lnRef idx="2">
+        <a:scrgbClr r="0" g="0" b="0"/>
+      </a:lnRef>
+      <a:fillRef idx="1">
+        <a:scrgbClr r="0" g="0" b="0"/>
+      </a:fillRef>
+      <a:effectRef idx="0">
+        <a:scrgbClr r="0" g="0" b="0"/>
+      </a:effectRef>
+      <a:fontRef idx="minor"/>
+    </dgm:style>
+  </dgm:styleLbl>
+  <dgm:styleLbl name="alignImgPlace1">
+    <dgm:scene3d>
+      <a:camera prst="orthographicFront"/>
+      <a:lightRig rig="threePt" dir="t"/>
+    </dgm:scene3d>
+    <dgm:sp3d/>
+    <dgm:txPr/>
+    <dgm:style>
+      <a:lnRef idx="2">
+        <a:scrgbClr r="0" g="0" b="0"/>
+      </a:lnRef>
+      <a:fillRef idx="1">
+        <a:scrgbClr r="0" g="0" b="0"/>
+      </a:fillRef>
+      <a:effectRef idx="0">
+        <a:scrgbClr r="0" g="0" b="0"/>
+      </a:effectRef>
+      <a:fontRef idx="minor"/>
+    </dgm:style>
+  </dgm:styleLbl>
+  <dgm:styleLbl name="bgImgPlace1">
+    <dgm:scene3d>
+      <a:camera prst="orthographicFront"/>
+      <a:lightRig rig="threePt" dir="t"/>
+    </dgm:scene3d>
+    <dgm:sp3d/>
+    <dgm:txPr/>
+    <dgm:style>
+      <a:lnRef idx="2">
+        <a:scrgbClr r="0" g="0" b="0"/>
+      </a:lnRef>
+      <a:fillRef idx="1">
+        <a:scrgbClr r="0" g="0" b="0"/>
+      </a:fillRef>
+      <a:effectRef idx="0">
+        <a:scrgbClr r="0" g="0" b="0"/>
+      </a:effectRef>
+      <a:fontRef idx="minor"/>
+    </dgm:style>
+  </dgm:styleLbl>
+  <dgm:styleLbl name="sibTrans2D1">
+    <dgm:scene3d>
+      <a:camera prst="orthographicFront"/>
+      <a:lightRig rig="threePt" dir="t"/>
+    </dgm:scene3d>
+    <dgm:sp3d/>
+    <dgm:txPr/>
+    <dgm:style>
+      <a:lnRef idx="0">
+        <a:scrgbClr r="0" g="0" b="0"/>
+      </a:lnRef>
+      <a:fillRef idx="1">
+        <a:scrgbClr r="0" g="0" b="0"/>
+      </a:fillRef>
+      <a:effectRef idx="0">
+        <a:scrgbClr r="0" g="0" b="0"/>
+      </a:effectRef>
+      <a:fontRef idx="minor">
+        <a:schemeClr val="lt1"/>
+      </a:fontRef>
+    </dgm:style>
+  </dgm:styleLbl>
+  <dgm:styleLbl name="fgSibTrans2D1">
+    <dgm:scene3d>
+      <a:camera prst="orthographicFront"/>
+      <a:lightRig rig="threePt" dir="t"/>
+    </dgm:scene3d>
+    <dgm:sp3d/>
+    <dgm:txPr/>
+    <dgm:style>
+      <a:lnRef idx="0">
+        <a:scrgbClr r="0" g="0" b="0"/>
+      </a:lnRef>
+      <a:fillRef idx="1">
+        <a:scrgbClr r="0" g="0" b="0"/>
+      </a:fillRef>
+      <a:effectRef idx="0">
+        <a:scrgbClr r="0" g="0" b="0"/>
+      </a:effectRef>
+      <a:fontRef idx="minor">
+        <a:schemeClr val="lt1"/>
+      </a:fontRef>
+    </dgm:style>
+  </dgm:styleLbl>
+  <dgm:styleLbl name="bgSibTrans2D1">
+    <dgm:scene3d>
+      <a:camera prst="orthographicFront"/>
+      <a:lightRig rig="threePt" dir="t"/>
+    </dgm:scene3d>
+    <dgm:sp3d/>
+    <dgm:txPr/>
+    <dgm:style>
+      <a:lnRef idx="0">
+        <a:scrgbClr r="0" g="0" b="0"/>
+      </a:lnRef>
+      <a:fillRef idx="1">
+        <a:scrgbClr r="0" g="0" b="0"/>
+      </a:fillRef>
+      <a:effectRef idx="0">
+        <a:scrgbClr r="0" g="0" b="0"/>
+      </a:effectRef>
+      <a:fontRef idx="minor">
+        <a:schemeClr val="lt1"/>
+      </a:fontRef>
+    </dgm:style>
+  </dgm:styleLbl>
+  <dgm:styleLbl name="sibTrans1D1">
+    <dgm:scene3d>
+      <a:camera prst="orthographicFront"/>
+      <a:lightRig rig="threePt" dir="t"/>
+    </dgm:scene3d>
+    <dgm:sp3d/>
+    <dgm:txPr/>
+    <dgm:style>
+      <a:lnRef idx="1">
+        <a:scrgbClr r="0" g="0" b="0"/>
+      </a:lnRef>
+      <a:fillRef idx="0">
+        <a:scrgbClr r="0" g="0" b="0"/>
+      </a:fillRef>
+      <a:effectRef idx="0">
+        <a:scrgbClr r="0" g="0" b="0"/>
+      </a:effectRef>
+      <a:fontRef idx="minor"/>
+    </dgm:style>
+  </dgm:styleLbl>
+  <dgm:styleLbl name="callout">
+    <dgm:scene3d>
+      <a:camera prst="orthographicFront"/>
+      <a:lightRig rig="threePt" dir="t"/>
+    </dgm:scene3d>
+    <dgm:sp3d/>
+    <dgm:txPr/>
+    <dgm:style>
+      <a:lnRef idx="2">
+        <a:scrgbClr r="0" g="0" b="0"/>
+      </a:lnRef>
+      <a:fillRef idx="1">
+        <a:scrgbClr r="0" g="0" b="0"/>
+      </a:fillRef>
+      <a:effectRef idx="0">
+        <a:scrgbClr r="0" g="0" b="0"/>
+      </a:effectRef>
+      <a:fontRef idx="minor"/>
+    </dgm:style>
+  </dgm:styleLbl>
+  <dgm:styleLbl name="asst0">
+    <dgm:scene3d>
+      <a:camera prst="orthographicFront"/>
+      <a:lightRig rig="threePt" dir="t"/>
+    </dgm:scene3d>
+    <dgm:sp3d/>
+    <dgm:txPr/>
+    <dgm:style>
+      <a:lnRef idx="2">
+        <a:scrgbClr r="0" g="0" b="0"/>
+      </a:lnRef>
+      <a:fillRef idx="1">
+        <a:scrgbClr r="0" g="0" b="0"/>
+      </a:fillRef>
+      <a:effectRef idx="0">
+        <a:scrgbClr r="0" g="0" b="0"/>
+      </a:effectRef>
+      <a:fontRef idx="minor">
+        <a:schemeClr val="lt1"/>
+      </a:fontRef>
+    </dgm:style>
+  </dgm:styleLbl>
+  <dgm:styleLbl name="asst1">
+    <dgm:scene3d>
+      <a:camera prst="orthographicFront"/>
+      <a:lightRig rig="threePt" dir="t"/>
+    </dgm:scene3d>
+    <dgm:sp3d/>
+    <dgm:txPr/>
+    <dgm:style>
+      <a:lnRef idx="2">
+        <a:scrgbClr r="0" g="0" b="0"/>
+      </a:lnRef>
+      <a:fillRef idx="1">
+        <a:scrgbClr r="0" g="0" b="0"/>
+      </a:fillRef>
+      <a:effectRef idx="0">
+        <a:scrgbClr r="0" g="0" b="0"/>
+      </a:effectRef>
+      <a:fontRef idx="minor">
+        <a:schemeClr val="lt1"/>
+      </a:fontRef>
+    </dgm:style>
+  </dgm:styleLbl>
+  <dgm:styleLbl name="asst2">
+    <dgm:scene3d>
+      <a:camera prst="orthographicFront"/>
+      <a:lightRig rig="threePt" dir="t"/>
+    </dgm:scene3d>
+    <dgm:sp3d/>
+    <dgm:txPr/>
+    <dgm:style>
+      <a:lnRef idx="2">
+        <a:scrgbClr r="0" g="0" b="0"/>
+      </a:lnRef>
+      <a:fillRef idx="1">
+        <a:scrgbClr r="0" g="0" b="0"/>
+      </a:fillRef>
+      <a:effectRef idx="0">
+        <a:scrgbClr r="0" g="0" b="0"/>
+      </a:effectRef>
+      <a:fontRef idx="minor">
+        <a:schemeClr val="lt1"/>
+      </a:fontRef>
+    </dgm:style>
+  </dgm:styleLbl>
+  <dgm:styleLbl name="asst3">
+    <dgm:scene3d>
+      <a:camera prst="orthographicFront"/>
+      <a:lightRig rig="threePt" dir="t"/>
+    </dgm:scene3d>
+    <dgm:sp3d/>
+    <dgm:txPr/>
+    <dgm:style>
+      <a:lnRef idx="2">
+        <a:scrgbClr r="0" g="0" b="0"/>
+      </a:lnRef>
+      <a:fillRef idx="1">
+        <a:scrgbClr r="0" g="0" b="0"/>
+      </a:fillRef>
+      <a:effectRef idx="0">
+        <a:scrgbClr r="0" g="0" b="0"/>
+      </a:effectRef>
+      <a:fontRef idx="minor">
+        <a:schemeClr val="lt1"/>
+      </a:fontRef>
+    </dgm:style>
+  </dgm:styleLbl>
+  <dgm:styleLbl name="asst4">
+    <dgm:scene3d>
+      <a:camera prst="orthographicFront"/>
+      <a:lightRig rig="threePt" dir="t"/>
+    </dgm:scene3d>
+    <dgm:sp3d/>
+    <dgm:txPr/>
+    <dgm:style>
+      <a:lnRef idx="2">
+        <a:scrgbClr r="0" g="0" b="0"/>
+      </a:lnRef>
+      <a:fillRef idx="1">
+        <a:scrgbClr r="0" g="0" b="0"/>
+      </a:fillRef>
+      <a:effectRef idx="0">
+        <a:scrgbClr r="0" g="0" b="0"/>
+      </a:effectRef>
+      <a:fontRef idx="minor">
+        <a:schemeClr val="lt1"/>
+      </a:fontRef>
+    </dgm:style>
+  </dgm:styleLbl>
+  <dgm:styleLbl name="parChTrans2D1">
+    <dgm:scene3d>
+      <a:camera prst="orthographicFront"/>
+      <a:lightRig rig="threePt" dir="t"/>
+    </dgm:scene3d>
+    <dgm:sp3d/>
+    <dgm:txPr/>
+    <dgm:style>
+      <a:lnRef idx="2">
+        <a:scrgbClr r="0" g="0" b="0"/>
+      </a:lnRef>
+      <a:fillRef idx="1">
+        <a:scrgbClr r="0" g="0" b="0"/>
+      </a:fillRef>
+      <a:effectRef idx="0">
+        <a:scrgbClr r="0" g="0" b="0"/>
+      </a:effectRef>
+      <a:fontRef idx="minor">
+        <a:schemeClr val="lt1"/>
+      </a:fontRef>
+    </dgm:style>
+  </dgm:styleLbl>
+  <dgm:styleLbl name="parChTrans2D2">
+    <dgm:scene3d>
+      <a:camera prst="orthographicFront"/>
+      <a:lightRig rig="threePt" dir="t"/>
+    </dgm:scene3d>
+    <dgm:sp3d/>
+    <dgm:txPr/>
+    <dgm:style>
+      <a:lnRef idx="2">
+        <a:scrgbClr r="0" g="0" b="0"/>
+      </a:lnRef>
+      <a:fillRef idx="1">
+        <a:scrgbClr r="0" g="0" b="0"/>
+      </a:fillRef>
+      <a:effectRef idx="0">
+        <a:scrgbClr r="0" g="0" b="0"/>
+      </a:effectRef>
+      <a:fontRef idx="minor">
+        <a:schemeClr val="lt1"/>
+      </a:fontRef>
+    </dgm:style>
+  </dgm:styleLbl>
+  <dgm:styleLbl name="parChTrans2D3">
+    <dgm:scene3d>
+      <a:camera prst="orthographicFront"/>
+      <a:lightRig rig="threePt" dir="t"/>
+    </dgm:scene3d>
+    <dgm:sp3d/>
+    <dgm:txPr/>
+    <dgm:style>
+      <a:lnRef idx="2">
+        <a:scrgbClr r="0" g="0" b="0"/>
+      </a:lnRef>
+      <a:fillRef idx="1">
+        <a:scrgbClr r="0" g="0" b="0"/>
+      </a:fillRef>
+      <a:effectRef idx="0">
+        <a:scrgbClr r="0" g="0" b="0"/>
+      </a:effectRef>
+      <a:fontRef idx="minor">
+        <a:schemeClr val="lt1"/>
+      </a:fontRef>
+    </dgm:style>
+  </dgm:styleLbl>
+  <dgm:styleLbl name="parChTrans2D4">
+    <dgm:scene3d>
+      <a:camera prst="orthographicFront"/>
+      <a:lightRig rig="threePt" dir="t"/>
+    </dgm:scene3d>
+    <dgm:sp3d/>
+    <dgm:txPr/>
+    <dgm:style>
+      <a:lnRef idx="2">
+        <a:scrgbClr r="0" g="0" b="0"/>
+      </a:lnRef>
+      <a:fillRef idx="1">
+        <a:scrgbClr r="0" g="0" b="0"/>
+      </a:fillRef>
+      <a:effectRef idx="0">
+        <a:scrgbClr r="0" g="0" b="0"/>
+      </a:effectRef>
+      <a:fontRef idx="minor">
+        <a:schemeClr val="lt1"/>
+      </a:fontRef>
+    </dgm:style>
+  </dgm:styleLbl>
+  <dgm:styleLbl name="parChTrans1D1">
+    <dgm:scene3d>
+      <a:camera prst="orthographicFront"/>
+      <a:lightRig rig="threePt" dir="t"/>
+    </dgm:scene3d>
+    <dgm:sp3d/>
+    <dgm:txPr/>
+    <dgm:style>
+      <a:lnRef idx="2">
+        <a:scrgbClr r="0" g="0" b="0"/>
+      </a:lnRef>
+      <a:fillRef idx="0">
+        <a:scrgbClr r="0" g="0" b="0"/>
+      </a:fillRef>
+      <a:effectRef idx="0">
+        <a:scrgbClr r="0" g="0" b="0"/>
+      </a:effectRef>
+      <a:fontRef idx="minor"/>
+    </dgm:style>
+  </dgm:styleLbl>
+  <dgm:styleLbl name="parChTrans1D2">
+    <dgm:scene3d>
+      <a:camera prst="orthographicFront"/>
+      <a:lightRig rig="threePt" dir="t"/>
+    </dgm:scene3d>
+    <dgm:sp3d/>
+    <dgm:txPr/>
+    <dgm:style>
+      <a:lnRef idx="2">
+        <a:scrgbClr r="0" g="0" b="0"/>
+      </a:lnRef>
+      <a:fillRef idx="0">
+        <a:scrgbClr r="0" g="0" b="0"/>
+      </a:fillRef>
+      <a:effectRef idx="0">
+        <a:scrgbClr r="0" g="0" b="0"/>
+      </a:effectRef>
+      <a:fontRef idx="minor"/>
+    </dgm:style>
+  </dgm:styleLbl>
+  <dgm:styleLbl name="parChTrans1D3">
+    <dgm:scene3d>
+      <a:camera prst="orthographicFront"/>
+      <a:lightRig rig="threePt" dir="t"/>
+    </dgm:scene3d>
+    <dgm:sp3d/>
+    <dgm:txPr/>
+    <dgm:style>
+      <a:lnRef idx="2">
+        <a:scrgbClr r="0" g="0" b="0"/>
+      </a:lnRef>
+      <a:fillRef idx="0">
+        <a:scrgbClr r="0" g="0" b="0"/>
+      </a:fillRef>
+      <a:effectRef idx="0">
+        <a:scrgbClr r="0" g="0" b="0"/>
+      </a:effectRef>
+      <a:fontRef idx="minor"/>
+    </dgm:style>
+  </dgm:styleLbl>
+  <dgm:styleLbl name="parChTrans1D4">
+    <dgm:scene3d>
+      <a:camera prst="orthographicFront"/>
+      <a:lightRig rig="threePt" dir="t"/>
+    </dgm:scene3d>
+    <dgm:sp3d/>
+    <dgm:txPr/>
+    <dgm:style>
+      <a:lnRef idx="2">
+        <a:scrgbClr r="0" g="0" b="0"/>
+      </a:lnRef>
+      <a:fillRef idx="0">
+        <a:scrgbClr r="0" g="0" b="0"/>
+      </a:fillRef>
+      <a:effectRef idx="0">
+        <a:scrgbClr r="0" g="0" b="0"/>
+      </a:effectRef>
+      <a:fontRef idx="minor"/>
+    </dgm:style>
+  </dgm:styleLbl>
+  <dgm:styleLbl name="fgAcc1">
+    <dgm:scene3d>
+      <a:camera prst="orthographicFront"/>
+      <a:lightRig rig="threePt" dir="t"/>
+    </dgm:scene3d>
+    <dgm:sp3d/>
+    <dgm:txPr/>
+    <dgm:style>
+      <a:lnRef idx="2">
+        <a:scrgbClr r="0" g="0" b="0"/>
+      </a:lnRef>
+      <a:fillRef idx="1">
+        <a:scrgbClr r="0" g="0" b="0"/>
+      </a:fillRef>
+      <a:effectRef idx="0">
+        <a:scrgbClr r="0" g="0" b="0"/>
+      </a:effectRef>
+      <a:fontRef idx="minor"/>
+    </dgm:style>
+  </dgm:styleLbl>
+  <dgm:styleLbl name="conFgAcc1">
+    <dgm:scene3d>
+      <a:camera prst="orthographicFront"/>
+      <a:lightRig rig="threePt" dir="t"/>
+    </dgm:scene3d>
+    <dgm:sp3d/>
+    <dgm:txPr/>
+    <dgm:style>
+      <a:lnRef idx="2">
+        <a:scrgbClr r="0" g="0" b="0"/>
+      </a:lnRef>
+      <a:fillRef idx="1">
+        <a:scrgbClr r="0" g="0" b="0"/>
+      </a:fillRef>
+      <a:effectRef idx="0">
+        <a:scrgbClr r="0" g="0" b="0"/>
+      </a:effectRef>
+      <a:fontRef idx="minor"/>
+    </dgm:style>
+  </dgm:styleLbl>
+  <dgm:styleLbl name="alignAcc1">
+    <dgm:scene3d>
+      <a:camera prst="orthographicFront"/>
+      <a:lightRig rig="threePt" dir="t"/>
+    </dgm:scene3d>
+    <dgm:sp3d/>
+    <dgm:txPr/>
+    <dgm:style>
+      <a:lnRef idx="2">
+        <a:scrgbClr r="0" g="0" b="0"/>
+      </a:lnRef>
+      <a:fillRef idx="1">
+        <a:scrgbClr r="0" g="0" b="0"/>
+      </a:fillRef>
+      <a:effectRef idx="0">
+        <a:scrgbClr r="0" g="0" b="0"/>
+      </a:effectRef>
+      <a:fontRef idx="minor"/>
+    </dgm:style>
+  </dgm:styleLbl>
+  <dgm:styleLbl name="trAlignAcc1">
+    <dgm:scene3d>
+      <a:camera prst="orthographicFront"/>
+      <a:lightRig rig="threePt" dir="t"/>
+    </dgm:scene3d>
+    <dgm:sp3d/>
+    <dgm:txPr/>
+    <dgm:style>
+      <a:lnRef idx="1">
+        <a:scrgbClr r="0" g="0" b="0"/>
+      </a:lnRef>
+      <a:fillRef idx="1">
+        <a:scrgbClr r="0" g="0" b="0"/>
+      </a:fillRef>
+      <a:effectRef idx="0">
+        <a:scrgbClr r="0" g="0" b="0"/>
+      </a:effectRef>
+      <a:fontRef idx="minor"/>
+    </dgm:style>
+  </dgm:styleLbl>
+  <dgm:styleLbl name="bgAcc1">
+    <dgm:scene3d>
+      <a:camera prst="orthographicFront"/>
+      <a:lightRig rig="threePt" dir="t"/>
+    </dgm:scene3d>
+    <dgm:sp3d/>
+    <dgm:txPr/>
+    <dgm:style>
+      <a:lnRef idx="2">
+        <a:scrgbClr r="0" g="0" b="0"/>
+      </a:lnRef>
+      <a:fillRef idx="1">
+        <a:scrgbClr r="0" g="0" b="0"/>
+      </a:fillRef>
+      <a:effectRef idx="0">
+        <a:scrgbClr r="0" g="0" b="0"/>
+      </a:effectRef>
+      <a:fontRef idx="minor"/>
+    </dgm:style>
+  </dgm:styleLbl>
+  <dgm:styleLbl name="solidFgAcc1">
+    <dgm:scene3d>
+      <a:camera prst="orthographicFront"/>
+      <a:lightRig rig="threePt" dir="t"/>
+    </dgm:scene3d>
+    <dgm:sp3d/>
+    <dgm:txPr/>
+    <dgm:style>
+      <a:lnRef idx="2">
+        <a:scrgbClr r="0" g="0" b="0"/>
+      </a:lnRef>
+      <a:fillRef idx="1">
+        <a:scrgbClr r="0" g="0" b="0"/>
+      </a:fillRef>
+      <a:effectRef idx="0">
+        <a:scrgbClr r="0" g="0" b="0"/>
+      </a:effectRef>
+      <a:fontRef idx="minor"/>
+    </dgm:style>
+  </dgm:styleLbl>
+  <dgm:styleLbl name="solidAlignAcc1">
+    <dgm:scene3d>
+      <a:camera prst="orthographicFront"/>
+      <a:lightRig rig="threePt" dir="t"/>
+    </dgm:scene3d>
+    <dgm:sp3d/>
+    <dgm:txPr/>
+    <dgm:style>
+      <a:lnRef idx="2">
+        <a:scrgbClr r="0" g="0" b="0"/>
+      </a:lnRef>
+      <a:fillRef idx="1">
+        <a:scrgbClr r="0" g="0" b="0"/>
+      </a:fillRef>
+      <a:effectRef idx="0">
+        <a:scrgbClr r="0" g="0" b="0"/>
+      </a:effectRef>
+      <a:fontRef idx="minor"/>
+    </dgm:style>
+  </dgm:styleLbl>
+  <dgm:styleLbl name="solidBgAcc1">
+    <dgm:scene3d>
+      <a:camera prst="orthographicFront"/>
+      <a:lightRig rig="threePt" dir="t"/>
+    </dgm:scene3d>
+    <dgm:sp3d/>
+    <dgm:txPr/>
+    <dgm:style>
+      <a:lnRef idx="2">
+        <a:scrgbClr r="0" g="0" b="0"/>
+      </a:lnRef>
+      <a:fillRef idx="1">
+        <a:scrgbClr r="0" g="0" b="0"/>
+      </a:fillRef>
+      <a:effectRef idx="0">
+        <a:scrgbClr r="0" g="0" b="0"/>
+      </a:effectRef>
+      <a:fontRef idx="minor"/>
+    </dgm:style>
+  </dgm:styleLbl>
+  <dgm:styleLbl name="fgAccFollowNode1">
+    <dgm:scene3d>
+      <a:camera prst="orthographicFront"/>
+      <a:lightRig rig="threePt" dir="t"/>
+    </dgm:scene3d>
+    <dgm:sp3d/>
+    <dgm:txPr/>
+    <dgm:style>
+      <a:lnRef idx="2">
+        <a:scrgbClr r="0" g="0" b="0"/>
+      </a:lnRef>
+      <a:fillRef idx="1">
+        <a:scrgbClr r="0" g="0" b="0"/>
+      </a:fillRef>
+      <a:effectRef idx="0">
+        <a:scrgbClr r="0" g="0" b="0"/>
+      </a:effectRef>
+      <a:fontRef idx="minor"/>
+    </dgm:style>
+  </dgm:styleLbl>
+  <dgm:styleLbl name="alignAccFollowNode1">
+    <dgm:scene3d>
+      <a:camera prst="orthographicFront"/>
+      <a:lightRig rig="threePt" dir="t"/>
+    </dgm:scene3d>
+    <dgm:sp3d/>
+    <dgm:txPr/>
+    <dgm:style>
+      <a:lnRef idx="2">
+        <a:scrgbClr r="0" g="0" b="0"/>
+      </a:lnRef>
+      <a:fillRef idx="1">
+        <a:scrgbClr r="0" g="0" b="0"/>
+      </a:fillRef>
+      <a:effectRef idx="0">
+        <a:scrgbClr r="0" g="0" b="0"/>
+      </a:effectRef>
+      <a:fontRef idx="minor"/>
+    </dgm:style>
+  </dgm:styleLbl>
+  <dgm:styleLbl name="bgAccFollowNode1">
+    <dgm:scene3d>
+      <a:camera prst="orthographicFront"/>
+      <a:lightRig rig="threePt" dir="t"/>
+    </dgm:scene3d>
+    <dgm:sp3d/>
+    <dgm:txPr/>
+    <dgm:style>
+      <a:lnRef idx="2">
+        <a:scrgbClr r="0" g="0" b="0"/>
+      </a:lnRef>
+      <a:fillRef idx="1">
+        <a:scrgbClr r="0" g="0" b="0"/>
+      </a:fillRef>
+      <a:effectRef idx="0">
+        <a:scrgbClr r="0" g="0" b="0"/>
+      </a:effectRef>
+      <a:fontRef idx="minor"/>
+    </dgm:style>
+  </dgm:styleLbl>
+  <dgm:styleLbl name="fgAcc0">
+    <dgm:scene3d>
+      <a:camera prst="orthographicFront"/>
+      <a:lightRig rig="threePt" dir="t"/>
+    </dgm:scene3d>
+    <dgm:sp3d/>
+    <dgm:txPr/>
+    <dgm:style>
+      <a:lnRef idx="2">
+        <a:scrgbClr r="0" g="0" b="0"/>
+      </a:lnRef>
+      <a:fillRef idx="1">
+        <a:scrgbClr r="0" g="0" b="0"/>
+      </a:fillRef>
+      <a:effectRef idx="0">
+        <a:scrgbClr r="0" g="0" b="0"/>
+      </a:effectRef>
+      <a:fontRef idx="minor"/>
+    </dgm:style>
+  </dgm:styleLbl>
+  <dgm:styleLbl name="fgAcc2">
+    <dgm:scene3d>
+      <a:camera prst="orthographicFront"/>
+      <a:lightRig rig="threePt" dir="t"/>
+    </dgm:scene3d>
+    <dgm:sp3d/>
+    <dgm:txPr/>
+    <dgm:style>
+      <a:lnRef idx="2">
+        <a:scrgbClr r="0" g="0" b="0"/>
+      </a:lnRef>
+      <a:fillRef idx="1">
+        <a:scrgbClr r="0" g="0" b="0"/>
+      </a:fillRef>
+      <a:effectRef idx="0">
+        <a:scrgbClr r="0" g="0" b="0"/>
+      </a:effectRef>
+      <a:fontRef idx="minor"/>
+    </dgm:style>
+  </dgm:styleLbl>
+  <dgm:styleLbl name="fgAcc3">
+    <dgm:scene3d>
+      <a:camera prst="orthographicFront"/>
+      <a:lightRig rig="threePt" dir="t"/>
+    </dgm:scene3d>
+    <dgm:sp3d/>
+    <dgm:txPr/>
+    <dgm:style>
+      <a:lnRef idx="2">
+        <a:scrgbClr r="0" g="0" b="0"/>
+      </a:lnRef>
+      <a:fillRef idx="1">
+        <a:scrgbClr r="0" g="0" b="0"/>
+      </a:fillRef>
+      <a:effectRef idx="0">
+        <a:scrgbClr r="0" g="0" b="0"/>
+      </a:effectRef>
+      <a:fontRef idx="minor"/>
+    </dgm:style>
+  </dgm:styleLbl>
+  <dgm:styleLbl name="fgAcc4">
+    <dgm:scene3d>
+      <a:camera prst="orthographicFront"/>
+      <a:lightRig rig="threePt" dir="t"/>
+    </dgm:scene3d>
+    <dgm:sp3d/>
+    <dgm:txPr/>
+    <dgm:style>
+      <a:lnRef idx="2">
+        <a:scrgbClr r="0" g="0" b="0"/>
+      </a:lnRef>
+      <a:fillRef idx="1">
+        <a:scrgbClr r="0" g="0" b="0"/>
+      </a:fillRef>
+      <a:effectRef idx="0">
+        <a:scrgbClr r="0" g="0" b="0"/>
+      </a:effectRef>
+      <a:fontRef idx="minor"/>
+    </dgm:style>
+  </dgm:styleLbl>
+  <dgm:styleLbl name="bgShp">
+    <dgm:scene3d>
+      <a:camera prst="orthographicFront"/>
+      <a:lightRig rig="threePt" dir="t"/>
+    </dgm:scene3d>
+    <dgm:sp3d/>
+    <dgm:txPr/>
+    <dgm:style>
+      <a:lnRef idx="0">
+        <a:scrgbClr r="0" g="0" b="0"/>
+      </a:lnRef>
+      <a:fillRef idx="1">
+        <a:scrgbClr r="0" g="0" b="0"/>
+      </a:fillRef>
+      <a:effectRef idx="0">
+        <a:scrgbClr r="0" g="0" b="0"/>
+      </a:effectRef>
+      <a:fontRef idx="minor"/>
+    </dgm:style>
+  </dgm:styleLbl>
+  <dgm:styleLbl name="dkBgShp">
+    <dgm:scene3d>
+      <a:camera prst="orthographicFront"/>
+      <a:lightRig rig="threePt" dir="t"/>
+    </dgm:scene3d>
+    <dgm:sp3d/>
+    <dgm:txPr/>
+    <dgm:style>
+      <a:lnRef idx="0">
+        <a:scrgbClr r="0" g="0" b="0"/>
+      </a:lnRef>
+      <a:fillRef idx="1">
+        <a:scrgbClr r="0" g="0" b="0"/>
+      </a:fillRef>
+      <a:effectRef idx="0">
+        <a:scrgbClr r="0" g="0" b="0"/>
+      </a:effectRef>
+      <a:fontRef idx="minor"/>
+    </dgm:style>
+  </dgm:styleLbl>
+  <dgm:styleLbl name="trBgShp">
+    <dgm:scene3d>
+      <a:camera prst="orthographicFront"/>
+      <a:lightRig rig="threePt" dir="t"/>
+    </dgm:scene3d>
+    <dgm:sp3d/>
+    <dgm:txPr/>
+    <dgm:style>
+      <a:lnRef idx="0">
+        <a:scrgbClr r="0" g="0" b="0"/>
+      </a:lnRef>
+      <a:fillRef idx="1">
+        <a:scrgbClr r="0" g="0" b="0"/>
+      </a:fillRef>
+      <a:effectRef idx="0">
+        <a:scrgbClr r="0" g="0" b="0"/>
+      </a:effectRef>
+      <a:fontRef idx="minor"/>
+    </dgm:style>
+  </dgm:styleLbl>
+  <dgm:styleLbl name="fgShp">
+    <dgm:scene3d>
+      <a:camera prst="orthographicFront"/>
+      <a:lightRig rig="threePt" dir="t"/>
+    </dgm:scene3d>
+    <dgm:sp3d/>
+    <dgm:txPr/>
+    <dgm:style>
+      <a:lnRef idx="2">
+        <a:scrgbClr r="0" g="0" b="0"/>
+      </a:lnRef>
+      <a:fillRef idx="1">
+        <a:scrgbClr r="0" g="0" b="0"/>
+      </a:fillRef>
+      <a:effectRef idx="0">
+        <a:scrgbClr r="0" g="0" b="0"/>
+      </a:effectRef>
+      <a:fontRef idx="minor"/>
+    </dgm:style>
+  </dgm:styleLbl>
+  <dgm:styleLbl name="revTx">
+    <dgm:scene3d>
+      <a:camera prst="orthographicFront"/>
+      <a:lightRig rig="threePt" dir="t"/>
+    </dgm:scene3d>
+    <dgm:sp3d/>
+    <dgm:txPr/>
+    <dgm:style>
+      <a:lnRef idx="0">
+        <a:scrgbClr r="0" g="0" b="0"/>
+      </a:lnRef>
+      <a:fillRef idx="0">
+        <a:scrgbClr r="0" g="0" b="0"/>
+      </a:fillRef>
+      <a:effectRef idx="0">
+        <a:scrgbClr r="0" g="0" b="0"/>
+      </a:effectRef>
+      <a:fontRef idx="minor"/>
+    </dgm:style>
+  </dgm:styleLbl>
+</dgm:styleDef>
 </file>
 
 <file path=ppt/slideLayouts/slideLayout1.xml><?xml version="1.0" encoding="utf-8"?>
@@ -238,7 +3854,7 @@
           <a:p>
             <a:fld id="{F5BB1782-D1EC-4964-9135-4D211CDFCBA4}" type="datetimeFigureOut">
               <a:rPr lang="en-US" smtClean="0"/>
-              <a:t>2/8/2022</a:t>
+              <a:t>2/11/2022</a:t>
             </a:fld>
             <a:endParaRPr lang="en-US"/>
           </a:p>
@@ -408,7 +4024,7 @@
           <a:p>
             <a:fld id="{F5BB1782-D1EC-4964-9135-4D211CDFCBA4}" type="datetimeFigureOut">
               <a:rPr lang="en-US" smtClean="0"/>
-              <a:t>2/8/2022</a:t>
+              <a:t>2/11/2022</a:t>
             </a:fld>
             <a:endParaRPr lang="en-US"/>
           </a:p>
@@ -588,7 +4204,7 @@
           <a:p>
             <a:fld id="{F5BB1782-D1EC-4964-9135-4D211CDFCBA4}" type="datetimeFigureOut">
               <a:rPr lang="en-US" smtClean="0"/>
-              <a:t>2/8/2022</a:t>
+              <a:t>2/11/2022</a:t>
             </a:fld>
             <a:endParaRPr lang="en-US"/>
           </a:p>
@@ -758,7 +4374,7 @@
           <a:p>
             <a:fld id="{F5BB1782-D1EC-4964-9135-4D211CDFCBA4}" type="datetimeFigureOut">
               <a:rPr lang="en-US" smtClean="0"/>
-              <a:t>2/8/2022</a:t>
+              <a:t>2/11/2022</a:t>
             </a:fld>
             <a:endParaRPr lang="en-US"/>
           </a:p>
@@ -1004,7 +4620,7 @@
           <a:p>
             <a:fld id="{F5BB1782-D1EC-4964-9135-4D211CDFCBA4}" type="datetimeFigureOut">
               <a:rPr lang="en-US" smtClean="0"/>
-              <a:t>2/8/2022</a:t>
+              <a:t>2/11/2022</a:t>
             </a:fld>
             <a:endParaRPr lang="en-US"/>
           </a:p>
@@ -1236,7 +4852,7 @@
           <a:p>
             <a:fld id="{F5BB1782-D1EC-4964-9135-4D211CDFCBA4}" type="datetimeFigureOut">
               <a:rPr lang="en-US" smtClean="0"/>
-              <a:t>2/8/2022</a:t>
+              <a:t>2/11/2022</a:t>
             </a:fld>
             <a:endParaRPr lang="en-US"/>
           </a:p>
@@ -1603,7 +5219,7 @@
           <a:p>
             <a:fld id="{F5BB1782-D1EC-4964-9135-4D211CDFCBA4}" type="datetimeFigureOut">
               <a:rPr lang="en-US" smtClean="0"/>
-              <a:t>2/8/2022</a:t>
+              <a:t>2/11/2022</a:t>
             </a:fld>
             <a:endParaRPr lang="en-US"/>
           </a:p>
@@ -1721,7 +5337,7 @@
           <a:p>
             <a:fld id="{F5BB1782-D1EC-4964-9135-4D211CDFCBA4}" type="datetimeFigureOut">
               <a:rPr lang="en-US" smtClean="0"/>
-              <a:t>2/8/2022</a:t>
+              <a:t>2/11/2022</a:t>
             </a:fld>
             <a:endParaRPr lang="en-US"/>
           </a:p>
@@ -1816,7 +5432,7 @@
           <a:p>
             <a:fld id="{F5BB1782-D1EC-4964-9135-4D211CDFCBA4}" type="datetimeFigureOut">
               <a:rPr lang="en-US" smtClean="0"/>
-              <a:t>2/8/2022</a:t>
+              <a:t>2/11/2022</a:t>
             </a:fld>
             <a:endParaRPr lang="en-US"/>
           </a:p>
@@ -2093,7 +5709,7 @@
           <a:p>
             <a:fld id="{F5BB1782-D1EC-4964-9135-4D211CDFCBA4}" type="datetimeFigureOut">
               <a:rPr lang="en-US" smtClean="0"/>
-              <a:t>2/8/2022</a:t>
+              <a:t>2/11/2022</a:t>
             </a:fld>
             <a:endParaRPr lang="en-US"/>
           </a:p>
@@ -2346,7 +5962,7 @@
           <a:p>
             <a:fld id="{F5BB1782-D1EC-4964-9135-4D211CDFCBA4}" type="datetimeFigureOut">
               <a:rPr lang="en-US" smtClean="0"/>
-              <a:t>2/8/2022</a:t>
+              <a:t>2/11/2022</a:t>
             </a:fld>
             <a:endParaRPr lang="en-US"/>
           </a:p>
@@ -2559,7 +6175,7 @@
           <a:p>
             <a:fld id="{F5BB1782-D1EC-4964-9135-4D211CDFCBA4}" type="datetimeFigureOut">
               <a:rPr lang="en-US" smtClean="0"/>
-              <a:t>2/8/2022</a:t>
+              <a:t>2/11/2022</a:t>
             </a:fld>
             <a:endParaRPr lang="en-US"/>
           </a:p>
@@ -2964,6 +6580,58 @@
           <a:chExt cx="0" cy="0"/>
         </a:xfrm>
       </p:grpSpPr>
+      <p:graphicFrame>
+        <p:nvGraphicFramePr>
+          <p:cNvPr id="2" name="Diagram 1"/>
+          <p:cNvGraphicFramePr/>
+          <p:nvPr>
+            <p:extLst>
+              <p:ext uri="{D42A27DB-BD31-4B8C-83A1-F6EECF244321}">
+                <p14:modId xmlns:p14="http://schemas.microsoft.com/office/powerpoint/2010/main" val="2007965496"/>
+              </p:ext>
+            </p:extLst>
+          </p:nvPr>
+        </p:nvGraphicFramePr>
+        <p:xfrm>
+          <a:off x="2032000" y="719666"/>
+          <a:ext cx="8128000" cy="5418667"/>
+        </p:xfrm>
+        <a:graphic>
+          <a:graphicData uri="http://schemas.openxmlformats.org/drawingml/2006/diagram">
+            <dgm:relIds xmlns:dgm="http://schemas.openxmlformats.org/drawingml/2006/diagram" xmlns:r="http://schemas.openxmlformats.org/officeDocument/2006/relationships" r:dm="rId2" r:lo="rId3" r:qs="rId4" r:cs="rId5"/>
+          </a:graphicData>
+        </a:graphic>
+      </p:graphicFrame>
+    </p:spTree>
+    <p:extLst>
+      <p:ext uri="{BB962C8B-B14F-4D97-AF65-F5344CB8AC3E}">
+        <p14:creationId xmlns:p14="http://schemas.microsoft.com/office/powerpoint/2010/main" val="758397480"/>
+      </p:ext>
+    </p:extLst>
+  </p:cSld>
+  <p:clrMapOvr>
+    <a:masterClrMapping/>
+  </p:clrMapOvr>
+</p:sld>
+</file>
+
+<file path=ppt/slides/slide2.xml><?xml version="1.0" encoding="utf-8"?>
+<p:sld xmlns:a="http://schemas.openxmlformats.org/drawingml/2006/main" xmlns:r="http://schemas.openxmlformats.org/officeDocument/2006/relationships" xmlns:p="http://schemas.openxmlformats.org/presentationml/2006/main">
+  <p:cSld>
+    <p:spTree>
+      <p:nvGrpSpPr>
+        <p:cNvPr id="1" name=""/>
+        <p:cNvGrpSpPr/>
+        <p:nvPr/>
+      </p:nvGrpSpPr>
+      <p:grpSpPr>
+        <a:xfrm>
+          <a:off x="0" y="0"/>
+          <a:ext cx="0" cy="0"/>
+          <a:chOff x="0" y="0"/>
+          <a:chExt cx="0" cy="0"/>
+        </a:xfrm>
+      </p:grpSpPr>
       <p:sp>
         <p:nvSpPr>
           <p:cNvPr id="4" name="Rectangle 3"/>
@@ -3063,7 +6731,7 @@
         </p:nvSpPr>
         <p:spPr>
           <a:xfrm>
-            <a:off x="3412503" y="1234911"/>
+            <a:off x="2355662" y="1632991"/>
             <a:ext cx="3657600" cy="2271860"/>
           </a:xfrm>
           <a:custGeom>
@@ -3194,7 +6862,7 @@
         </p:nvSpPr>
         <p:spPr>
           <a:xfrm>
-            <a:off x="4204355" y="2186175"/>
+            <a:off x="3147514" y="2584255"/>
             <a:ext cx="2078582" cy="584775"/>
           </a:xfrm>
           <a:prstGeom prst="rect">
@@ -3304,8 +6972,8 @@
         </p:nvSpPr>
         <p:spPr>
           <a:xfrm>
-            <a:off x="4456380" y="4548273"/>
-            <a:ext cx="2606611" cy="584775"/>
+            <a:off x="2347993" y="4548273"/>
+            <a:ext cx="4660689" cy="584775"/>
           </a:xfrm>
           <a:prstGeom prst="rect">
             <a:avLst/>
@@ -3313,14 +6981,19 @@
           <a:noFill/>
         </p:spPr>
         <p:txBody>
-          <a:bodyPr wrap="none" rtlCol="0">
+          <a:bodyPr wrap="square" rtlCol="0">
             <a:spAutoFit/>
           </a:bodyPr>
           <a:lstStyle/>
           <a:p>
+            <a:pPr algn="r"/>
             <a:r>
               <a:rPr lang="en-US" sz="3200" dirty="0" smtClean="0"/>
-              <a:t>Coastal Center</a:t>
+              <a:t>Mean Landfall </a:t>
+            </a:r>
+            <a:r>
+              <a:rPr lang="en-US" sz="3200" dirty="0" smtClean="0"/>
+              <a:t>Location</a:t>
             </a:r>
             <a:endParaRPr lang="en-US" sz="3200" dirty="0"/>
           </a:p>
@@ -3370,7 +7043,7 @@
         </p:nvSpPr>
         <p:spPr>
           <a:xfrm>
-            <a:off x="2092750" y="5579824"/>
+            <a:off x="2119899" y="576076"/>
             <a:ext cx="1998689" cy="584775"/>
           </a:xfrm>
           <a:prstGeom prst="rect">
@@ -3392,10 +7065,741 @@
           </a:p>
         </p:txBody>
       </p:sp>
+      <p:sp>
+        <p:nvSpPr>
+          <p:cNvPr id="14" name="TextBox 13"/>
+          <p:cNvSpPr txBox="1"/>
+          <p:nvPr/>
+        </p:nvSpPr>
+        <p:spPr>
+          <a:xfrm rot="19989604">
+            <a:off x="3000212" y="5825610"/>
+            <a:ext cx="4660689" cy="584775"/>
+          </a:xfrm>
+          <a:prstGeom prst="rect">
+            <a:avLst/>
+          </a:prstGeom>
+          <a:noFill/>
+        </p:spPr>
+        <p:txBody>
+          <a:bodyPr wrap="square" rtlCol="0">
+            <a:spAutoFit/>
+          </a:bodyPr>
+          <a:lstStyle/>
+          <a:p>
+            <a:pPr algn="r"/>
+            <a:r>
+              <a:rPr lang="en-US" sz="3200" dirty="0" smtClean="0"/>
+              <a:t>Coastal Slope</a:t>
+            </a:r>
+            <a:endParaRPr lang="en-US" sz="3200" dirty="0"/>
+          </a:p>
+        </p:txBody>
+      </p:sp>
     </p:spTree>
     <p:extLst>
       <p:ext uri="{BB962C8B-B14F-4D97-AF65-F5344CB8AC3E}">
         <p14:creationId xmlns:p14="http://schemas.microsoft.com/office/powerpoint/2010/main" val="1757484153"/>
+      </p:ext>
+    </p:extLst>
+  </p:cSld>
+  <p:clrMapOvr>
+    <a:masterClrMapping/>
+  </p:clrMapOvr>
+</p:sld>
+</file>
+
+<file path=ppt/slides/slide3.xml><?xml version="1.0" encoding="utf-8"?>
+<p:sld xmlns:a="http://schemas.openxmlformats.org/drawingml/2006/main" xmlns:r="http://schemas.openxmlformats.org/officeDocument/2006/relationships" xmlns:p="http://schemas.openxmlformats.org/presentationml/2006/main">
+  <p:cSld>
+    <p:spTree>
+      <p:nvGrpSpPr>
+        <p:cNvPr id="1" name=""/>
+        <p:cNvGrpSpPr/>
+        <p:nvPr/>
+      </p:nvGrpSpPr>
+      <p:grpSpPr>
+        <a:xfrm>
+          <a:off x="0" y="0"/>
+          <a:ext cx="0" cy="0"/>
+          <a:chOff x="0" y="0"/>
+          <a:chExt cx="0" cy="0"/>
+        </a:xfrm>
+      </p:grpSpPr>
+      <p:sp>
+        <p:nvSpPr>
+          <p:cNvPr id="4" name="Rectangle 3"/>
+          <p:cNvSpPr/>
+          <p:nvPr/>
+        </p:nvSpPr>
+        <p:spPr>
+          <a:xfrm>
+            <a:off x="1960536" y="511444"/>
+            <a:ext cx="7857640" cy="5780868"/>
+          </a:xfrm>
+          <a:prstGeom prst="rect">
+            <a:avLst/>
+          </a:prstGeom>
+          <a:solidFill>
+            <a:schemeClr val="bg1">
+              <a:lumMod val="95000"/>
+            </a:schemeClr>
+          </a:solidFill>
+        </p:spPr>
+        <p:style>
+          <a:lnRef idx="2">
+            <a:schemeClr val="accent1">
+              <a:shade val="50000"/>
+            </a:schemeClr>
+          </a:lnRef>
+          <a:fillRef idx="1">
+            <a:schemeClr val="accent1"/>
+          </a:fillRef>
+          <a:effectRef idx="0">
+            <a:schemeClr val="accent1"/>
+          </a:effectRef>
+          <a:fontRef idx="minor">
+            <a:schemeClr val="lt1"/>
+          </a:fontRef>
+        </p:style>
+        <p:txBody>
+          <a:bodyPr rtlCol="0" anchor="ctr"/>
+          <a:lstStyle/>
+          <a:p>
+            <a:pPr algn="ctr"/>
+            <a:endParaRPr lang="en-US"/>
+          </a:p>
+        </p:txBody>
+      </p:sp>
+      <p:sp>
+        <p:nvSpPr>
+          <p:cNvPr id="5" name="Isosceles Triangle 4"/>
+          <p:cNvSpPr/>
+          <p:nvPr/>
+        </p:nvSpPr>
+        <p:spPr>
+          <a:xfrm>
+            <a:off x="4494508" y="3518115"/>
+            <a:ext cx="5323668" cy="2774197"/>
+          </a:xfrm>
+          <a:prstGeom prst="triangle">
+            <a:avLst>
+              <a:gd name="adj" fmla="val 100000"/>
+            </a:avLst>
+          </a:prstGeom>
+          <a:blipFill>
+            <a:blip r:embed="rId2"/>
+            <a:tile tx="0" ty="0" sx="100000" sy="100000" flip="none" algn="tl"/>
+          </a:blipFill>
+        </p:spPr>
+        <p:style>
+          <a:lnRef idx="2">
+            <a:schemeClr val="accent1">
+              <a:shade val="50000"/>
+            </a:schemeClr>
+          </a:lnRef>
+          <a:fillRef idx="1">
+            <a:schemeClr val="accent1"/>
+          </a:fillRef>
+          <a:effectRef idx="0">
+            <a:schemeClr val="accent1"/>
+          </a:effectRef>
+          <a:fontRef idx="minor">
+            <a:schemeClr val="lt1"/>
+          </a:fontRef>
+        </p:style>
+        <p:txBody>
+          <a:bodyPr rtlCol="0" anchor="ctr"/>
+          <a:lstStyle/>
+          <a:p>
+            <a:pPr algn="ctr"/>
+            <a:endParaRPr lang="en-US"/>
+          </a:p>
+        </p:txBody>
+      </p:sp>
+      <p:sp>
+        <p:nvSpPr>
+          <p:cNvPr id="10" name="Oval 9"/>
+          <p:cNvSpPr/>
+          <p:nvPr/>
+        </p:nvSpPr>
+        <p:spPr>
+          <a:xfrm>
+            <a:off x="8314867" y="3991194"/>
+            <a:ext cx="375674" cy="367645"/>
+          </a:xfrm>
+          <a:prstGeom prst="ellipse">
+            <a:avLst/>
+          </a:prstGeom>
+          <a:solidFill>
+            <a:schemeClr val="tx1"/>
+          </a:solidFill>
+        </p:spPr>
+        <p:style>
+          <a:lnRef idx="2">
+            <a:schemeClr val="accent1">
+              <a:shade val="50000"/>
+            </a:schemeClr>
+          </a:lnRef>
+          <a:fillRef idx="1">
+            <a:schemeClr val="accent1"/>
+          </a:fillRef>
+          <a:effectRef idx="0">
+            <a:schemeClr val="accent1"/>
+          </a:effectRef>
+          <a:fontRef idx="minor">
+            <a:schemeClr val="lt1"/>
+          </a:fontRef>
+        </p:style>
+        <p:txBody>
+          <a:bodyPr rtlCol="0" anchor="ctr"/>
+          <a:lstStyle/>
+          <a:p>
+            <a:pPr algn="ctr"/>
+            <a:endParaRPr lang="en-US"/>
+          </a:p>
+        </p:txBody>
+      </p:sp>
+      <p:sp>
+        <p:nvSpPr>
+          <p:cNvPr id="11" name="TextBox 10"/>
+          <p:cNvSpPr txBox="1"/>
+          <p:nvPr/>
+        </p:nvSpPr>
+        <p:spPr>
+          <a:xfrm>
+            <a:off x="3277891" y="3982258"/>
+            <a:ext cx="4660689" cy="584775"/>
+          </a:xfrm>
+          <a:prstGeom prst="rect">
+            <a:avLst/>
+          </a:prstGeom>
+          <a:noFill/>
+        </p:spPr>
+        <p:txBody>
+          <a:bodyPr wrap="square" rtlCol="0">
+            <a:spAutoFit/>
+          </a:bodyPr>
+          <a:lstStyle/>
+          <a:p>
+            <a:pPr algn="r"/>
+            <a:r>
+              <a:rPr lang="en-US" sz="3200" dirty="0" smtClean="0"/>
+              <a:t>Mean Landfall </a:t>
+            </a:r>
+            <a:r>
+              <a:rPr lang="en-US" sz="3200" dirty="0" smtClean="0"/>
+              <a:t>Location</a:t>
+            </a:r>
+            <a:endParaRPr lang="en-US" sz="3200" dirty="0"/>
+          </a:p>
+        </p:txBody>
+      </p:sp>
+      <p:sp>
+        <p:nvSpPr>
+          <p:cNvPr id="13" name="TextBox 12"/>
+          <p:cNvSpPr txBox="1"/>
+          <p:nvPr/>
+        </p:nvSpPr>
+        <p:spPr>
+          <a:xfrm>
+            <a:off x="2119899" y="576076"/>
+            <a:ext cx="1998689" cy="584775"/>
+          </a:xfrm>
+          <a:prstGeom prst="rect">
+            <a:avLst/>
+          </a:prstGeom>
+          <a:noFill/>
+        </p:spPr>
+        <p:txBody>
+          <a:bodyPr wrap="none" rtlCol="0">
+            <a:spAutoFit/>
+          </a:bodyPr>
+          <a:lstStyle/>
+          <a:p>
+            <a:r>
+              <a:rPr lang="en-US" sz="3200" dirty="0" smtClean="0"/>
+              <a:t>Study Area</a:t>
+            </a:r>
+            <a:endParaRPr lang="en-US" sz="3200" dirty="0"/>
+          </a:p>
+        </p:txBody>
+      </p:sp>
+      <p:sp>
+        <p:nvSpPr>
+          <p:cNvPr id="2" name="Freeform 1"/>
+          <p:cNvSpPr/>
+          <p:nvPr/>
+        </p:nvSpPr>
+        <p:spPr>
+          <a:xfrm>
+            <a:off x="5153186" y="2421933"/>
+            <a:ext cx="6036589" cy="3506169"/>
+          </a:xfrm>
+          <a:custGeom>
+            <a:avLst/>
+            <a:gdLst>
+              <a:gd name="connsiteX0" fmla="*/ 0 w 4587499"/>
+              <a:gd name="connsiteY0" fmla="*/ 3497041 h 3497041"/>
+              <a:gd name="connsiteX1" fmla="*/ 1100380 w 4587499"/>
+              <a:gd name="connsiteY1" fmla="*/ 2551644 h 3497041"/>
+              <a:gd name="connsiteX2" fmla="*/ 2007031 w 4587499"/>
+              <a:gd name="connsiteY2" fmla="*/ 474871 h 3497041"/>
+              <a:gd name="connsiteX3" fmla="*/ 2146516 w 4587499"/>
+              <a:gd name="connsiteY3" fmla="*/ 172654 h 3497041"/>
+              <a:gd name="connsiteX4" fmla="*/ 2247255 w 4587499"/>
+              <a:gd name="connsiteY4" fmla="*/ 56417 h 3497041"/>
+              <a:gd name="connsiteX5" fmla="*/ 2417736 w 4587499"/>
+              <a:gd name="connsiteY5" fmla="*/ 2173 h 3497041"/>
+              <a:gd name="connsiteX6" fmla="*/ 2743200 w 4587499"/>
+              <a:gd name="connsiteY6" fmla="*/ 126159 h 3497041"/>
+              <a:gd name="connsiteX7" fmla="*/ 3386380 w 4587499"/>
+              <a:gd name="connsiteY7" fmla="*/ 598858 h 3497041"/>
+              <a:gd name="connsiteX8" fmla="*/ 3952068 w 4587499"/>
+              <a:gd name="connsiteY8" fmla="*/ 978566 h 3497041"/>
+              <a:gd name="connsiteX9" fmla="*/ 4362773 w 4587499"/>
+              <a:gd name="connsiteY9" fmla="*/ 1118051 h 3497041"/>
+              <a:gd name="connsiteX10" fmla="*/ 4587499 w 4587499"/>
+              <a:gd name="connsiteY10" fmla="*/ 1110302 h 3497041"/>
+              <a:gd name="connsiteX0" fmla="*/ 0 w 5258096"/>
+              <a:gd name="connsiteY0" fmla="*/ 3497041 h 3497041"/>
+              <a:gd name="connsiteX1" fmla="*/ 1100380 w 5258096"/>
+              <a:gd name="connsiteY1" fmla="*/ 2551644 h 3497041"/>
+              <a:gd name="connsiteX2" fmla="*/ 2007031 w 5258096"/>
+              <a:gd name="connsiteY2" fmla="*/ 474871 h 3497041"/>
+              <a:gd name="connsiteX3" fmla="*/ 2146516 w 5258096"/>
+              <a:gd name="connsiteY3" fmla="*/ 172654 h 3497041"/>
+              <a:gd name="connsiteX4" fmla="*/ 2247255 w 5258096"/>
+              <a:gd name="connsiteY4" fmla="*/ 56417 h 3497041"/>
+              <a:gd name="connsiteX5" fmla="*/ 2417736 w 5258096"/>
+              <a:gd name="connsiteY5" fmla="*/ 2173 h 3497041"/>
+              <a:gd name="connsiteX6" fmla="*/ 2743200 w 5258096"/>
+              <a:gd name="connsiteY6" fmla="*/ 126159 h 3497041"/>
+              <a:gd name="connsiteX7" fmla="*/ 3386380 w 5258096"/>
+              <a:gd name="connsiteY7" fmla="*/ 598858 h 3497041"/>
+              <a:gd name="connsiteX8" fmla="*/ 3952068 w 5258096"/>
+              <a:gd name="connsiteY8" fmla="*/ 978566 h 3497041"/>
+              <a:gd name="connsiteX9" fmla="*/ 4362773 w 5258096"/>
+              <a:gd name="connsiteY9" fmla="*/ 1118051 h 3497041"/>
+              <a:gd name="connsiteX10" fmla="*/ 5258096 w 5258096"/>
+              <a:gd name="connsiteY10" fmla="*/ 753841 h 3497041"/>
+              <a:gd name="connsiteX0" fmla="*/ 0 w 5258096"/>
+              <a:gd name="connsiteY0" fmla="*/ 3497041 h 3497041"/>
+              <a:gd name="connsiteX1" fmla="*/ 1100380 w 5258096"/>
+              <a:gd name="connsiteY1" fmla="*/ 2551644 h 3497041"/>
+              <a:gd name="connsiteX2" fmla="*/ 2007031 w 5258096"/>
+              <a:gd name="connsiteY2" fmla="*/ 474871 h 3497041"/>
+              <a:gd name="connsiteX3" fmla="*/ 2146516 w 5258096"/>
+              <a:gd name="connsiteY3" fmla="*/ 172654 h 3497041"/>
+              <a:gd name="connsiteX4" fmla="*/ 2247255 w 5258096"/>
+              <a:gd name="connsiteY4" fmla="*/ 56417 h 3497041"/>
+              <a:gd name="connsiteX5" fmla="*/ 2417736 w 5258096"/>
+              <a:gd name="connsiteY5" fmla="*/ 2173 h 3497041"/>
+              <a:gd name="connsiteX6" fmla="*/ 2743200 w 5258096"/>
+              <a:gd name="connsiteY6" fmla="*/ 126159 h 3497041"/>
+              <a:gd name="connsiteX7" fmla="*/ 3386380 w 5258096"/>
+              <a:gd name="connsiteY7" fmla="*/ 598858 h 3497041"/>
+              <a:gd name="connsiteX8" fmla="*/ 3952068 w 5258096"/>
+              <a:gd name="connsiteY8" fmla="*/ 978566 h 3497041"/>
+              <a:gd name="connsiteX9" fmla="*/ 4400875 w 5258096"/>
+              <a:gd name="connsiteY9" fmla="*/ 823583 h 3497041"/>
+              <a:gd name="connsiteX10" fmla="*/ 5258096 w 5258096"/>
+              <a:gd name="connsiteY10" fmla="*/ 753841 h 3497041"/>
+              <a:gd name="connsiteX0" fmla="*/ 0 w 5258096"/>
+              <a:gd name="connsiteY0" fmla="*/ 3497041 h 3497041"/>
+              <a:gd name="connsiteX1" fmla="*/ 1100380 w 5258096"/>
+              <a:gd name="connsiteY1" fmla="*/ 2551644 h 3497041"/>
+              <a:gd name="connsiteX2" fmla="*/ 2007031 w 5258096"/>
+              <a:gd name="connsiteY2" fmla="*/ 474871 h 3497041"/>
+              <a:gd name="connsiteX3" fmla="*/ 2146516 w 5258096"/>
+              <a:gd name="connsiteY3" fmla="*/ 172654 h 3497041"/>
+              <a:gd name="connsiteX4" fmla="*/ 2247255 w 5258096"/>
+              <a:gd name="connsiteY4" fmla="*/ 56417 h 3497041"/>
+              <a:gd name="connsiteX5" fmla="*/ 2417736 w 5258096"/>
+              <a:gd name="connsiteY5" fmla="*/ 2173 h 3497041"/>
+              <a:gd name="connsiteX6" fmla="*/ 2743200 w 5258096"/>
+              <a:gd name="connsiteY6" fmla="*/ 126159 h 3497041"/>
+              <a:gd name="connsiteX7" fmla="*/ 3386380 w 5258096"/>
+              <a:gd name="connsiteY7" fmla="*/ 598858 h 3497041"/>
+              <a:gd name="connsiteX8" fmla="*/ 3997791 w 5258096"/>
+              <a:gd name="connsiteY8" fmla="*/ 753841 h 3497041"/>
+              <a:gd name="connsiteX9" fmla="*/ 4400875 w 5258096"/>
+              <a:gd name="connsiteY9" fmla="*/ 823583 h 3497041"/>
+              <a:gd name="connsiteX10" fmla="*/ 5258096 w 5258096"/>
+              <a:gd name="connsiteY10" fmla="*/ 753841 h 3497041"/>
+              <a:gd name="connsiteX0" fmla="*/ 0 w 5258096"/>
+              <a:gd name="connsiteY0" fmla="*/ 3497041 h 3497041"/>
+              <a:gd name="connsiteX1" fmla="*/ 1100380 w 5258096"/>
+              <a:gd name="connsiteY1" fmla="*/ 2551644 h 3497041"/>
+              <a:gd name="connsiteX2" fmla="*/ 2007031 w 5258096"/>
+              <a:gd name="connsiteY2" fmla="*/ 474871 h 3497041"/>
+              <a:gd name="connsiteX3" fmla="*/ 2146516 w 5258096"/>
+              <a:gd name="connsiteY3" fmla="*/ 172654 h 3497041"/>
+              <a:gd name="connsiteX4" fmla="*/ 2247255 w 5258096"/>
+              <a:gd name="connsiteY4" fmla="*/ 56417 h 3497041"/>
+              <a:gd name="connsiteX5" fmla="*/ 2417736 w 5258096"/>
+              <a:gd name="connsiteY5" fmla="*/ 2173 h 3497041"/>
+              <a:gd name="connsiteX6" fmla="*/ 2743200 w 5258096"/>
+              <a:gd name="connsiteY6" fmla="*/ 126159 h 3497041"/>
+              <a:gd name="connsiteX7" fmla="*/ 3416861 w 5258096"/>
+              <a:gd name="connsiteY7" fmla="*/ 490370 h 3497041"/>
+              <a:gd name="connsiteX8" fmla="*/ 3997791 w 5258096"/>
+              <a:gd name="connsiteY8" fmla="*/ 753841 h 3497041"/>
+              <a:gd name="connsiteX9" fmla="*/ 4400875 w 5258096"/>
+              <a:gd name="connsiteY9" fmla="*/ 823583 h 3497041"/>
+              <a:gd name="connsiteX10" fmla="*/ 5258096 w 5258096"/>
+              <a:gd name="connsiteY10" fmla="*/ 753841 h 3497041"/>
+              <a:gd name="connsiteX0" fmla="*/ 0 w 5258096"/>
+              <a:gd name="connsiteY0" fmla="*/ 3497041 h 3497041"/>
+              <a:gd name="connsiteX1" fmla="*/ 1100380 w 5258096"/>
+              <a:gd name="connsiteY1" fmla="*/ 2551644 h 3497041"/>
+              <a:gd name="connsiteX2" fmla="*/ 1885105 w 5258096"/>
+              <a:gd name="connsiteY2" fmla="*/ 1032810 h 3497041"/>
+              <a:gd name="connsiteX3" fmla="*/ 2146516 w 5258096"/>
+              <a:gd name="connsiteY3" fmla="*/ 172654 h 3497041"/>
+              <a:gd name="connsiteX4" fmla="*/ 2247255 w 5258096"/>
+              <a:gd name="connsiteY4" fmla="*/ 56417 h 3497041"/>
+              <a:gd name="connsiteX5" fmla="*/ 2417736 w 5258096"/>
+              <a:gd name="connsiteY5" fmla="*/ 2173 h 3497041"/>
+              <a:gd name="connsiteX6" fmla="*/ 2743200 w 5258096"/>
+              <a:gd name="connsiteY6" fmla="*/ 126159 h 3497041"/>
+              <a:gd name="connsiteX7" fmla="*/ 3416861 w 5258096"/>
+              <a:gd name="connsiteY7" fmla="*/ 490370 h 3497041"/>
+              <a:gd name="connsiteX8" fmla="*/ 3997791 w 5258096"/>
+              <a:gd name="connsiteY8" fmla="*/ 753841 h 3497041"/>
+              <a:gd name="connsiteX9" fmla="*/ 4400875 w 5258096"/>
+              <a:gd name="connsiteY9" fmla="*/ 823583 h 3497041"/>
+              <a:gd name="connsiteX10" fmla="*/ 5258096 w 5258096"/>
+              <a:gd name="connsiteY10" fmla="*/ 753841 h 3497041"/>
+              <a:gd name="connsiteX0" fmla="*/ 0 w 5258096"/>
+              <a:gd name="connsiteY0" fmla="*/ 3499021 h 3499021"/>
+              <a:gd name="connsiteX1" fmla="*/ 1100380 w 5258096"/>
+              <a:gd name="connsiteY1" fmla="*/ 2553624 h 3499021"/>
+              <a:gd name="connsiteX2" fmla="*/ 1885105 w 5258096"/>
+              <a:gd name="connsiteY2" fmla="*/ 1034790 h 3499021"/>
+              <a:gd name="connsiteX3" fmla="*/ 2146516 w 5258096"/>
+              <a:gd name="connsiteY3" fmla="*/ 174634 h 3499021"/>
+              <a:gd name="connsiteX4" fmla="*/ 2285357 w 5258096"/>
+              <a:gd name="connsiteY4" fmla="*/ 42898 h 3499021"/>
+              <a:gd name="connsiteX5" fmla="*/ 2417736 w 5258096"/>
+              <a:gd name="connsiteY5" fmla="*/ 4153 h 3499021"/>
+              <a:gd name="connsiteX6" fmla="*/ 2743200 w 5258096"/>
+              <a:gd name="connsiteY6" fmla="*/ 128139 h 3499021"/>
+              <a:gd name="connsiteX7" fmla="*/ 3416861 w 5258096"/>
+              <a:gd name="connsiteY7" fmla="*/ 492350 h 3499021"/>
+              <a:gd name="connsiteX8" fmla="*/ 3997791 w 5258096"/>
+              <a:gd name="connsiteY8" fmla="*/ 755821 h 3499021"/>
+              <a:gd name="connsiteX9" fmla="*/ 4400875 w 5258096"/>
+              <a:gd name="connsiteY9" fmla="*/ 825563 h 3499021"/>
+              <a:gd name="connsiteX10" fmla="*/ 5258096 w 5258096"/>
+              <a:gd name="connsiteY10" fmla="*/ 755821 h 3499021"/>
+              <a:gd name="connsiteX0" fmla="*/ 0 w 5258096"/>
+              <a:gd name="connsiteY0" fmla="*/ 3505415 h 3505415"/>
+              <a:gd name="connsiteX1" fmla="*/ 1100380 w 5258096"/>
+              <a:gd name="connsiteY1" fmla="*/ 2560018 h 3505415"/>
+              <a:gd name="connsiteX2" fmla="*/ 1885105 w 5258096"/>
+              <a:gd name="connsiteY2" fmla="*/ 1041184 h 3505415"/>
+              <a:gd name="connsiteX3" fmla="*/ 2146516 w 5258096"/>
+              <a:gd name="connsiteY3" fmla="*/ 181028 h 3505415"/>
+              <a:gd name="connsiteX4" fmla="*/ 2270117 w 5258096"/>
+              <a:gd name="connsiteY4" fmla="*/ 26045 h 3505415"/>
+              <a:gd name="connsiteX5" fmla="*/ 2417736 w 5258096"/>
+              <a:gd name="connsiteY5" fmla="*/ 10547 h 3505415"/>
+              <a:gd name="connsiteX6" fmla="*/ 2743200 w 5258096"/>
+              <a:gd name="connsiteY6" fmla="*/ 134533 h 3505415"/>
+              <a:gd name="connsiteX7" fmla="*/ 3416861 w 5258096"/>
+              <a:gd name="connsiteY7" fmla="*/ 498744 h 3505415"/>
+              <a:gd name="connsiteX8" fmla="*/ 3997791 w 5258096"/>
+              <a:gd name="connsiteY8" fmla="*/ 762215 h 3505415"/>
+              <a:gd name="connsiteX9" fmla="*/ 4400875 w 5258096"/>
+              <a:gd name="connsiteY9" fmla="*/ 831957 h 3505415"/>
+              <a:gd name="connsiteX10" fmla="*/ 5258096 w 5258096"/>
+              <a:gd name="connsiteY10" fmla="*/ 762215 h 3505415"/>
+              <a:gd name="connsiteX0" fmla="*/ 0 w 5258096"/>
+              <a:gd name="connsiteY0" fmla="*/ 3505415 h 3505415"/>
+              <a:gd name="connsiteX1" fmla="*/ 1100380 w 5258096"/>
+              <a:gd name="connsiteY1" fmla="*/ 2560018 h 3505415"/>
+              <a:gd name="connsiteX2" fmla="*/ 1885105 w 5258096"/>
+              <a:gd name="connsiteY2" fmla="*/ 1041184 h 3505415"/>
+              <a:gd name="connsiteX3" fmla="*/ 2146516 w 5258096"/>
+              <a:gd name="connsiteY3" fmla="*/ 181028 h 3505415"/>
+              <a:gd name="connsiteX4" fmla="*/ 2270117 w 5258096"/>
+              <a:gd name="connsiteY4" fmla="*/ 26045 h 3505415"/>
+              <a:gd name="connsiteX5" fmla="*/ 2417736 w 5258096"/>
+              <a:gd name="connsiteY5" fmla="*/ 10547 h 3505415"/>
+              <a:gd name="connsiteX6" fmla="*/ 2743200 w 5258096"/>
+              <a:gd name="connsiteY6" fmla="*/ 134533 h 3505415"/>
+              <a:gd name="connsiteX7" fmla="*/ 3348276 w 5258096"/>
+              <a:gd name="connsiteY7" fmla="*/ 514243 h 3505415"/>
+              <a:gd name="connsiteX8" fmla="*/ 3997791 w 5258096"/>
+              <a:gd name="connsiteY8" fmla="*/ 762215 h 3505415"/>
+              <a:gd name="connsiteX9" fmla="*/ 4400875 w 5258096"/>
+              <a:gd name="connsiteY9" fmla="*/ 831957 h 3505415"/>
+              <a:gd name="connsiteX10" fmla="*/ 5258096 w 5258096"/>
+              <a:gd name="connsiteY10" fmla="*/ 762215 h 3505415"/>
+              <a:gd name="connsiteX0" fmla="*/ 0 w 5936314"/>
+              <a:gd name="connsiteY0" fmla="*/ 3505415 h 3505415"/>
+              <a:gd name="connsiteX1" fmla="*/ 1100380 w 5936314"/>
+              <a:gd name="connsiteY1" fmla="*/ 2560018 h 3505415"/>
+              <a:gd name="connsiteX2" fmla="*/ 1885105 w 5936314"/>
+              <a:gd name="connsiteY2" fmla="*/ 1041184 h 3505415"/>
+              <a:gd name="connsiteX3" fmla="*/ 2146516 w 5936314"/>
+              <a:gd name="connsiteY3" fmla="*/ 181028 h 3505415"/>
+              <a:gd name="connsiteX4" fmla="*/ 2270117 w 5936314"/>
+              <a:gd name="connsiteY4" fmla="*/ 26045 h 3505415"/>
+              <a:gd name="connsiteX5" fmla="*/ 2417736 w 5936314"/>
+              <a:gd name="connsiteY5" fmla="*/ 10547 h 3505415"/>
+              <a:gd name="connsiteX6" fmla="*/ 2743200 w 5936314"/>
+              <a:gd name="connsiteY6" fmla="*/ 134533 h 3505415"/>
+              <a:gd name="connsiteX7" fmla="*/ 3348276 w 5936314"/>
+              <a:gd name="connsiteY7" fmla="*/ 514243 h 3505415"/>
+              <a:gd name="connsiteX8" fmla="*/ 3997791 w 5936314"/>
+              <a:gd name="connsiteY8" fmla="*/ 762215 h 3505415"/>
+              <a:gd name="connsiteX9" fmla="*/ 4400875 w 5936314"/>
+              <a:gd name="connsiteY9" fmla="*/ 831957 h 3505415"/>
+              <a:gd name="connsiteX10" fmla="*/ 5936314 w 5936314"/>
+              <a:gd name="connsiteY10" fmla="*/ 336011 h 3505415"/>
+              <a:gd name="connsiteX0" fmla="*/ 0 w 5936314"/>
+              <a:gd name="connsiteY0" fmla="*/ 3505415 h 3505415"/>
+              <a:gd name="connsiteX1" fmla="*/ 1100380 w 5936314"/>
+              <a:gd name="connsiteY1" fmla="*/ 2560018 h 3505415"/>
+              <a:gd name="connsiteX2" fmla="*/ 1885105 w 5936314"/>
+              <a:gd name="connsiteY2" fmla="*/ 1041184 h 3505415"/>
+              <a:gd name="connsiteX3" fmla="*/ 2146516 w 5936314"/>
+              <a:gd name="connsiteY3" fmla="*/ 181028 h 3505415"/>
+              <a:gd name="connsiteX4" fmla="*/ 2270117 w 5936314"/>
+              <a:gd name="connsiteY4" fmla="*/ 26045 h 3505415"/>
+              <a:gd name="connsiteX5" fmla="*/ 2417736 w 5936314"/>
+              <a:gd name="connsiteY5" fmla="*/ 10547 h 3505415"/>
+              <a:gd name="connsiteX6" fmla="*/ 2743200 w 5936314"/>
+              <a:gd name="connsiteY6" fmla="*/ 134533 h 3505415"/>
+              <a:gd name="connsiteX7" fmla="*/ 3348276 w 5936314"/>
+              <a:gd name="connsiteY7" fmla="*/ 514243 h 3505415"/>
+              <a:gd name="connsiteX8" fmla="*/ 4400875 w 5936314"/>
+              <a:gd name="connsiteY8" fmla="*/ 831957 h 3505415"/>
+              <a:gd name="connsiteX9" fmla="*/ 5936314 w 5936314"/>
+              <a:gd name="connsiteY9" fmla="*/ 336011 h 3505415"/>
+              <a:gd name="connsiteX0" fmla="*/ 0 w 5936314"/>
+              <a:gd name="connsiteY0" fmla="*/ 3505415 h 3505415"/>
+              <a:gd name="connsiteX1" fmla="*/ 1100380 w 5936314"/>
+              <a:gd name="connsiteY1" fmla="*/ 2560018 h 3505415"/>
+              <a:gd name="connsiteX2" fmla="*/ 1885105 w 5936314"/>
+              <a:gd name="connsiteY2" fmla="*/ 1041184 h 3505415"/>
+              <a:gd name="connsiteX3" fmla="*/ 2146516 w 5936314"/>
+              <a:gd name="connsiteY3" fmla="*/ 181028 h 3505415"/>
+              <a:gd name="connsiteX4" fmla="*/ 2270117 w 5936314"/>
+              <a:gd name="connsiteY4" fmla="*/ 26045 h 3505415"/>
+              <a:gd name="connsiteX5" fmla="*/ 2417736 w 5936314"/>
+              <a:gd name="connsiteY5" fmla="*/ 10547 h 3505415"/>
+              <a:gd name="connsiteX6" fmla="*/ 2743200 w 5936314"/>
+              <a:gd name="connsiteY6" fmla="*/ 134533 h 3505415"/>
+              <a:gd name="connsiteX7" fmla="*/ 3348276 w 5936314"/>
+              <a:gd name="connsiteY7" fmla="*/ 514243 h 3505415"/>
+              <a:gd name="connsiteX8" fmla="*/ 4477080 w 5936314"/>
+              <a:gd name="connsiteY8" fmla="*/ 692472 h 3505415"/>
+              <a:gd name="connsiteX9" fmla="*/ 5936314 w 5936314"/>
+              <a:gd name="connsiteY9" fmla="*/ 336011 h 3505415"/>
+              <a:gd name="connsiteX0" fmla="*/ 0 w 5936314"/>
+              <a:gd name="connsiteY0" fmla="*/ 3523074 h 3523074"/>
+              <a:gd name="connsiteX1" fmla="*/ 1100380 w 5936314"/>
+              <a:gd name="connsiteY1" fmla="*/ 2577677 h 3523074"/>
+              <a:gd name="connsiteX2" fmla="*/ 1885105 w 5936314"/>
+              <a:gd name="connsiteY2" fmla="*/ 1058843 h 3523074"/>
+              <a:gd name="connsiteX3" fmla="*/ 2146516 w 5936314"/>
+              <a:gd name="connsiteY3" fmla="*/ 198687 h 3523074"/>
+              <a:gd name="connsiteX4" fmla="*/ 2270117 w 5936314"/>
+              <a:gd name="connsiteY4" fmla="*/ 43704 h 3523074"/>
+              <a:gd name="connsiteX5" fmla="*/ 2417736 w 5936314"/>
+              <a:gd name="connsiteY5" fmla="*/ 28206 h 3523074"/>
+              <a:gd name="connsiteX6" fmla="*/ 3169944 w 5936314"/>
+              <a:gd name="connsiteY6" fmla="*/ 392416 h 3523074"/>
+              <a:gd name="connsiteX7" fmla="*/ 3348276 w 5936314"/>
+              <a:gd name="connsiteY7" fmla="*/ 531902 h 3523074"/>
+              <a:gd name="connsiteX8" fmla="*/ 4477080 w 5936314"/>
+              <a:gd name="connsiteY8" fmla="*/ 710131 h 3523074"/>
+              <a:gd name="connsiteX9" fmla="*/ 5936314 w 5936314"/>
+              <a:gd name="connsiteY9" fmla="*/ 353670 h 3523074"/>
+              <a:gd name="connsiteX0" fmla="*/ 0 w 5936314"/>
+              <a:gd name="connsiteY0" fmla="*/ 3523074 h 3523074"/>
+              <a:gd name="connsiteX1" fmla="*/ 1100380 w 5936314"/>
+              <a:gd name="connsiteY1" fmla="*/ 2577677 h 3523074"/>
+              <a:gd name="connsiteX2" fmla="*/ 1885105 w 5936314"/>
+              <a:gd name="connsiteY2" fmla="*/ 1058843 h 3523074"/>
+              <a:gd name="connsiteX3" fmla="*/ 2146516 w 5936314"/>
+              <a:gd name="connsiteY3" fmla="*/ 198687 h 3523074"/>
+              <a:gd name="connsiteX4" fmla="*/ 2270117 w 5936314"/>
+              <a:gd name="connsiteY4" fmla="*/ 43704 h 3523074"/>
+              <a:gd name="connsiteX5" fmla="*/ 2417736 w 5936314"/>
+              <a:gd name="connsiteY5" fmla="*/ 28206 h 3523074"/>
+              <a:gd name="connsiteX6" fmla="*/ 3169944 w 5936314"/>
+              <a:gd name="connsiteY6" fmla="*/ 392416 h 3523074"/>
+              <a:gd name="connsiteX7" fmla="*/ 4477080 w 5936314"/>
+              <a:gd name="connsiteY7" fmla="*/ 710131 h 3523074"/>
+              <a:gd name="connsiteX8" fmla="*/ 5936314 w 5936314"/>
+              <a:gd name="connsiteY8" fmla="*/ 353670 h 3523074"/>
+              <a:gd name="connsiteX0" fmla="*/ 0 w 5936314"/>
+              <a:gd name="connsiteY0" fmla="*/ 3506169 h 3506169"/>
+              <a:gd name="connsiteX1" fmla="*/ 1100380 w 5936314"/>
+              <a:gd name="connsiteY1" fmla="*/ 2560772 h 3506169"/>
+              <a:gd name="connsiteX2" fmla="*/ 1885105 w 5936314"/>
+              <a:gd name="connsiteY2" fmla="*/ 1041938 h 3506169"/>
+              <a:gd name="connsiteX3" fmla="*/ 2146516 w 5936314"/>
+              <a:gd name="connsiteY3" fmla="*/ 181782 h 3506169"/>
+              <a:gd name="connsiteX4" fmla="*/ 2417736 w 5936314"/>
+              <a:gd name="connsiteY4" fmla="*/ 11301 h 3506169"/>
+              <a:gd name="connsiteX5" fmla="*/ 3169944 w 5936314"/>
+              <a:gd name="connsiteY5" fmla="*/ 375511 h 3506169"/>
+              <a:gd name="connsiteX6" fmla="*/ 4477080 w 5936314"/>
+              <a:gd name="connsiteY6" fmla="*/ 693226 h 3506169"/>
+              <a:gd name="connsiteX7" fmla="*/ 5936314 w 5936314"/>
+              <a:gd name="connsiteY7" fmla="*/ 336765 h 3506169"/>
+            </a:gdLst>
+            <a:ahLst/>
+            <a:cxnLst>
+              <a:cxn ang="0">
+                <a:pos x="connsiteX0" y="connsiteY0"/>
+              </a:cxn>
+              <a:cxn ang="0">
+                <a:pos x="connsiteX1" y="connsiteY1"/>
+              </a:cxn>
+              <a:cxn ang="0">
+                <a:pos x="connsiteX2" y="connsiteY2"/>
+              </a:cxn>
+              <a:cxn ang="0">
+                <a:pos x="connsiteX3" y="connsiteY3"/>
+              </a:cxn>
+              <a:cxn ang="0">
+                <a:pos x="connsiteX4" y="connsiteY4"/>
+              </a:cxn>
+              <a:cxn ang="0">
+                <a:pos x="connsiteX5" y="connsiteY5"/>
+              </a:cxn>
+              <a:cxn ang="0">
+                <a:pos x="connsiteX6" y="connsiteY6"/>
+              </a:cxn>
+              <a:cxn ang="0">
+                <a:pos x="connsiteX7" y="connsiteY7"/>
+              </a:cxn>
+            </a:cxnLst>
+            <a:rect l="l" t="t" r="r" b="b"/>
+            <a:pathLst>
+              <a:path w="5936314" h="3506169">
+                <a:moveTo>
+                  <a:pt x="0" y="3506169"/>
+                </a:moveTo>
+                <a:cubicBezTo>
+                  <a:pt x="382937" y="3285318"/>
+                  <a:pt x="786196" y="2971477"/>
+                  <a:pt x="1100380" y="2560772"/>
+                </a:cubicBezTo>
+                <a:cubicBezTo>
+                  <a:pt x="1414564" y="2150067"/>
+                  <a:pt x="1710749" y="1438436"/>
+                  <a:pt x="1885105" y="1041938"/>
+                </a:cubicBezTo>
+                <a:cubicBezTo>
+                  <a:pt x="2059461" y="645440"/>
+                  <a:pt x="2057744" y="353555"/>
+                  <a:pt x="2146516" y="181782"/>
+                </a:cubicBezTo>
+                <a:cubicBezTo>
+                  <a:pt x="2235288" y="10009"/>
+                  <a:pt x="2247165" y="-20987"/>
+                  <a:pt x="2417736" y="11301"/>
+                </a:cubicBezTo>
+                <a:cubicBezTo>
+                  <a:pt x="2588307" y="43589"/>
+                  <a:pt x="2826720" y="261857"/>
+                  <a:pt x="3169944" y="375511"/>
+                </a:cubicBezTo>
+                <a:cubicBezTo>
+                  <a:pt x="3513168" y="489165"/>
+                  <a:pt x="4016018" y="699684"/>
+                  <a:pt x="4477080" y="693226"/>
+                </a:cubicBezTo>
+                <a:cubicBezTo>
+                  <a:pt x="4800167" y="622192"/>
+                  <a:pt x="5876903" y="351617"/>
+                  <a:pt x="5936314" y="336765"/>
+                </a:cubicBezTo>
+              </a:path>
+            </a:pathLst>
+          </a:custGeom>
+          <a:noFill/>
+          <a:ln w="28575">
+            <a:solidFill>
+              <a:srgbClr val="FF0000"/>
+            </a:solidFill>
+          </a:ln>
+        </p:spPr>
+        <p:style>
+          <a:lnRef idx="2">
+            <a:schemeClr val="accent1">
+              <a:shade val="50000"/>
+            </a:schemeClr>
+          </a:lnRef>
+          <a:fillRef idx="1">
+            <a:schemeClr val="accent1"/>
+          </a:fillRef>
+          <a:effectRef idx="0">
+            <a:schemeClr val="accent1"/>
+          </a:effectRef>
+          <a:fontRef idx="minor">
+            <a:schemeClr val="lt1"/>
+          </a:fontRef>
+        </p:style>
+        <p:txBody>
+          <a:bodyPr rtlCol="0" anchor="ctr"/>
+          <a:lstStyle/>
+          <a:p>
+            <a:pPr algn="ctr"/>
+            <a:endParaRPr lang="en-US"/>
+          </a:p>
+        </p:txBody>
+      </p:sp>
+      <p:sp>
+        <p:nvSpPr>
+          <p:cNvPr id="15" name="TextBox 14"/>
+          <p:cNvSpPr txBox="1"/>
+          <p:nvPr/>
+        </p:nvSpPr>
+        <p:spPr>
+          <a:xfrm>
+            <a:off x="2378989" y="2097426"/>
+            <a:ext cx="4660689" cy="523220"/>
+          </a:xfrm>
+          <a:prstGeom prst="rect">
+            <a:avLst/>
+          </a:prstGeom>
+          <a:noFill/>
+        </p:spPr>
+        <p:txBody>
+          <a:bodyPr wrap="square" rtlCol="0">
+            <a:spAutoFit/>
+          </a:bodyPr>
+          <a:lstStyle/>
+          <a:p>
+            <a:pPr algn="r"/>
+            <a:r>
+              <a:rPr lang="en-US" sz="2800" dirty="0" smtClean="0">
+                <a:solidFill>
+                  <a:srgbClr val="FF0000"/>
+                </a:solidFill>
+              </a:rPr>
+              <a:t>Normal distribution given Mu</a:t>
+            </a:r>
+            <a:endParaRPr lang="en-US" sz="2800" dirty="0">
+              <a:solidFill>
+                <a:srgbClr val="FF0000"/>
+              </a:solidFill>
+            </a:endParaRPr>
+          </a:p>
+        </p:txBody>
+      </p:sp>
+    </p:spTree>
+    <p:extLst>
+      <p:ext uri="{BB962C8B-B14F-4D97-AF65-F5344CB8AC3E}">
+        <p14:creationId xmlns:p14="http://schemas.microsoft.com/office/powerpoint/2010/main" val="1658284705"/>
       </p:ext>
     </p:extLst>
   </p:cSld>
